--- a/figure.pptx
+++ b/figure.pptx
@@ -3412,7 +3412,7 @@
           <a:p>
             <a:fld id="{080C2D10-3873-8F40-A354-AD2F836F0113}" type="datetimeFigureOut">
               <a:rPr kumimoji="1" lang="ja-JP" altLang="en-US" smtClean="0"/>
-              <a:t>2024/1/20</a:t>
+              <a:t>2024/2/16</a:t>
             </a:fld>
             <a:endParaRPr kumimoji="1" lang="ja-JP" altLang="en-US"/>
           </a:p>
@@ -3642,7 +3642,7 @@
           <a:p>
             <a:fld id="{080C2D10-3873-8F40-A354-AD2F836F0113}" type="datetimeFigureOut">
               <a:rPr kumimoji="1" lang="ja-JP" altLang="en-US" smtClean="0"/>
-              <a:t>2024/1/20</a:t>
+              <a:t>2024/2/16</a:t>
             </a:fld>
             <a:endParaRPr kumimoji="1" lang="ja-JP" altLang="en-US"/>
           </a:p>
@@ -3882,7 +3882,7 @@
           <a:p>
             <a:fld id="{080C2D10-3873-8F40-A354-AD2F836F0113}" type="datetimeFigureOut">
               <a:rPr kumimoji="1" lang="ja-JP" altLang="en-US" smtClean="0"/>
-              <a:t>2024/1/20</a:t>
+              <a:t>2024/2/16</a:t>
             </a:fld>
             <a:endParaRPr kumimoji="1" lang="ja-JP" altLang="en-US"/>
           </a:p>
@@ -4112,7 +4112,7 @@
           <a:p>
             <a:fld id="{080C2D10-3873-8F40-A354-AD2F836F0113}" type="datetimeFigureOut">
               <a:rPr kumimoji="1" lang="ja-JP" altLang="en-US" smtClean="0"/>
-              <a:t>2024/1/20</a:t>
+              <a:t>2024/2/16</a:t>
             </a:fld>
             <a:endParaRPr kumimoji="1" lang="ja-JP" altLang="en-US"/>
           </a:p>
@@ -4387,7 +4387,7 @@
           <a:p>
             <a:fld id="{080C2D10-3873-8F40-A354-AD2F836F0113}" type="datetimeFigureOut">
               <a:rPr kumimoji="1" lang="ja-JP" altLang="en-US" smtClean="0"/>
-              <a:t>2024/1/20</a:t>
+              <a:t>2024/2/16</a:t>
             </a:fld>
             <a:endParaRPr kumimoji="1" lang="ja-JP" altLang="en-US"/>
           </a:p>
@@ -4716,7 +4716,7 @@
           <a:p>
             <a:fld id="{080C2D10-3873-8F40-A354-AD2F836F0113}" type="datetimeFigureOut">
               <a:rPr kumimoji="1" lang="ja-JP" altLang="en-US" smtClean="0"/>
-              <a:t>2024/1/20</a:t>
+              <a:t>2024/2/16</a:t>
             </a:fld>
             <a:endParaRPr kumimoji="1" lang="ja-JP" altLang="en-US"/>
           </a:p>
@@ -5192,7 +5192,7 @@
           <a:p>
             <a:fld id="{080C2D10-3873-8F40-A354-AD2F836F0113}" type="datetimeFigureOut">
               <a:rPr kumimoji="1" lang="ja-JP" altLang="en-US" smtClean="0"/>
-              <a:t>2024/1/20</a:t>
+              <a:t>2024/2/16</a:t>
             </a:fld>
             <a:endParaRPr kumimoji="1" lang="ja-JP" altLang="en-US"/>
           </a:p>
@@ -5333,7 +5333,7 @@
           <a:p>
             <a:fld id="{080C2D10-3873-8F40-A354-AD2F836F0113}" type="datetimeFigureOut">
               <a:rPr kumimoji="1" lang="ja-JP" altLang="en-US" smtClean="0"/>
-              <a:t>2024/1/20</a:t>
+              <a:t>2024/2/16</a:t>
             </a:fld>
             <a:endParaRPr kumimoji="1" lang="ja-JP" altLang="en-US"/>
           </a:p>
@@ -5446,7 +5446,7 @@
           <a:p>
             <a:fld id="{080C2D10-3873-8F40-A354-AD2F836F0113}" type="datetimeFigureOut">
               <a:rPr kumimoji="1" lang="ja-JP" altLang="en-US" smtClean="0"/>
-              <a:t>2024/1/20</a:t>
+              <a:t>2024/2/16</a:t>
             </a:fld>
             <a:endParaRPr kumimoji="1" lang="ja-JP" altLang="en-US"/>
           </a:p>
@@ -5789,7 +5789,7 @@
           <a:p>
             <a:fld id="{080C2D10-3873-8F40-A354-AD2F836F0113}" type="datetimeFigureOut">
               <a:rPr kumimoji="1" lang="ja-JP" altLang="en-US" smtClean="0"/>
-              <a:t>2024/1/20</a:t>
+              <a:t>2024/2/16</a:t>
             </a:fld>
             <a:endParaRPr kumimoji="1" lang="ja-JP" altLang="en-US"/>
           </a:p>
@@ -6077,7 +6077,7 @@
           <a:p>
             <a:fld id="{080C2D10-3873-8F40-A354-AD2F836F0113}" type="datetimeFigureOut">
               <a:rPr kumimoji="1" lang="ja-JP" altLang="en-US" smtClean="0"/>
-              <a:t>2024/1/20</a:t>
+              <a:t>2024/2/16</a:t>
             </a:fld>
             <a:endParaRPr kumimoji="1" lang="ja-JP" altLang="en-US"/>
           </a:p>
@@ -6350,7 +6350,7 @@
           <a:p>
             <a:fld id="{080C2D10-3873-8F40-A354-AD2F836F0113}" type="datetimeFigureOut">
               <a:rPr kumimoji="1" lang="ja-JP" altLang="en-US" smtClean="0"/>
-              <a:t>2024/1/20</a:t>
+              <a:t>2024/2/16</a:t>
             </a:fld>
             <a:endParaRPr kumimoji="1" lang="ja-JP" altLang="en-US"/>
           </a:p>
@@ -14737,7 +14737,7 @@
           <a:p>
             <a:r>
               <a:rPr kumimoji="1" lang="en-US" altLang="ja-JP" dirty="0"/>
-              <a:t>DIM_1</a:t>
+              <a:t>DIM_2</a:t>
             </a:r>
             <a:endParaRPr kumimoji="1" lang="ja-JP" altLang="en-US"/>
           </a:p>
@@ -14773,7 +14773,7 @@
           <a:p>
             <a:r>
               <a:rPr kumimoji="1" lang="en-US" altLang="ja-JP" dirty="0"/>
-              <a:t>DIM_2 * rank</a:t>
+              <a:t>DIM_1 * rank</a:t>
             </a:r>
             <a:endParaRPr kumimoji="1" lang="ja-JP" altLang="en-US"/>
           </a:p>
@@ -15540,7 +15540,7 @@
                   <a:schemeClr val="tx1"/>
                 </a:solidFill>
               </a:rPr>
-              <a:t>chunk 1</a:t>
+              <a:t>chunk 0</a:t>
             </a:r>
             <a:endParaRPr kumimoji="1" lang="ja-JP" altLang="en-US" sz="1100">
               <a:solidFill>
@@ -15601,7 +15601,7 @@
                   <a:schemeClr val="tx1"/>
                 </a:solidFill>
               </a:rPr>
-              <a:t>chunk 2</a:t>
+              <a:t>chunk 1</a:t>
             </a:r>
             <a:endParaRPr kumimoji="1" lang="ja-JP" altLang="en-US" sz="1100">
               <a:solidFill>
@@ -15670,7 +15670,7 @@
                   <a:schemeClr val="tx1"/>
                 </a:solidFill>
               </a:rPr>
-              <a:t>64</a:t>
+              <a:t>63</a:t>
             </a:r>
             <a:endParaRPr kumimoji="1" lang="ja-JP" altLang="en-US" sz="1100">
               <a:solidFill>
@@ -15789,7 +15789,7 @@
                   <a:schemeClr val="tx1"/>
                 </a:solidFill>
               </a:rPr>
-              <a:t>65</a:t>
+              <a:t>64</a:t>
             </a:r>
             <a:endParaRPr kumimoji="1" lang="ja-JP" altLang="en-US" sz="1100">
               <a:solidFill>
@@ -15858,7 +15858,7 @@
                   <a:schemeClr val="tx1"/>
                 </a:solidFill>
               </a:rPr>
-              <a:t>66</a:t>
+              <a:t>65</a:t>
             </a:r>
             <a:endParaRPr kumimoji="1" lang="ja-JP" altLang="en-US" sz="1100">
               <a:solidFill>
@@ -15919,7 +15919,7 @@
                   <a:schemeClr val="tx1"/>
                 </a:solidFill>
               </a:rPr>
-              <a:t>chunk 128</a:t>
+              <a:t>chunk 127</a:t>
             </a:r>
             <a:endParaRPr kumimoji="1" lang="ja-JP" altLang="en-US" sz="1100">
               <a:solidFill>
@@ -19701,6 +19701,128 @@
       </p:grpSpPr>
       <p:sp>
         <p:nvSpPr>
+          <p:cNvPr id="36" name="角丸四角形 35">
+            <a:extLst>
+              <a:ext uri="{FF2B5EF4-FFF2-40B4-BE49-F238E27FC236}">
+                <a16:creationId xmlns:a16="http://schemas.microsoft.com/office/drawing/2014/main" id="{0AA2A1A4-AF05-8359-DD04-37FFE482BD8C}"/>
+              </a:ext>
+            </a:extLst>
+          </p:cNvPr>
+          <p:cNvSpPr/>
+          <p:nvPr/>
+        </p:nvSpPr>
+        <p:spPr>
+          <a:xfrm>
+            <a:off x="148758" y="4216240"/>
+            <a:ext cx="11535241" cy="756287"/>
+          </a:xfrm>
+          <a:prstGeom prst="roundRect">
+            <a:avLst/>
+          </a:prstGeom>
+          <a:solidFill>
+            <a:srgbClr val="00BBC1">
+              <a:alpha val="12157"/>
+            </a:srgbClr>
+          </a:solidFill>
+        </p:spPr>
+        <p:style>
+          <a:lnRef idx="2">
+            <a:schemeClr val="accent1">
+              <a:shade val="15000"/>
+            </a:schemeClr>
+          </a:lnRef>
+          <a:fillRef idx="1">
+            <a:schemeClr val="accent1"/>
+          </a:fillRef>
+          <a:effectRef idx="0">
+            <a:schemeClr val="accent1"/>
+          </a:effectRef>
+          <a:fontRef idx="minor">
+            <a:schemeClr val="lt1"/>
+          </a:fontRef>
+        </p:style>
+        <p:txBody>
+          <a:bodyPr rtlCol="0" anchor="ctr"/>
+          <a:lstStyle/>
+          <a:p>
+            <a:r>
+              <a:rPr kumimoji="1" lang="ja-JP" altLang="en-US">
+                <a:solidFill>
+                  <a:schemeClr val="tx1"/>
+                </a:solidFill>
+              </a:rPr>
+              <a:t>低レベル</a:t>
+            </a:r>
+            <a:r>
+              <a:rPr kumimoji="1" lang="en-US" altLang="ja-JP" dirty="0">
+                <a:solidFill>
+                  <a:schemeClr val="tx1"/>
+                </a:solidFill>
+              </a:rPr>
+              <a:t> I/O</a:t>
+            </a:r>
+          </a:p>
+        </p:txBody>
+      </p:sp>
+      <p:sp>
+        <p:nvSpPr>
+          <p:cNvPr id="35" name="角丸四角形 34">
+            <a:extLst>
+              <a:ext uri="{FF2B5EF4-FFF2-40B4-BE49-F238E27FC236}">
+                <a16:creationId xmlns:a16="http://schemas.microsoft.com/office/drawing/2014/main" id="{BE8ECD05-95C6-EAF0-C2ED-19A1C77D34EB}"/>
+              </a:ext>
+            </a:extLst>
+          </p:cNvPr>
+          <p:cNvSpPr/>
+          <p:nvPr/>
+        </p:nvSpPr>
+        <p:spPr>
+          <a:xfrm>
+            <a:off x="148759" y="3339467"/>
+            <a:ext cx="11535241" cy="756287"/>
+          </a:xfrm>
+          <a:prstGeom prst="roundRect">
+            <a:avLst/>
+          </a:prstGeom>
+          <a:solidFill>
+            <a:srgbClr val="00BBC1">
+              <a:alpha val="12157"/>
+            </a:srgbClr>
+          </a:solidFill>
+        </p:spPr>
+        <p:style>
+          <a:lnRef idx="2">
+            <a:schemeClr val="accent1">
+              <a:shade val="15000"/>
+            </a:schemeClr>
+          </a:lnRef>
+          <a:fillRef idx="1">
+            <a:schemeClr val="accent1"/>
+          </a:fillRef>
+          <a:effectRef idx="0">
+            <a:schemeClr val="accent1"/>
+          </a:effectRef>
+          <a:fontRef idx="minor">
+            <a:schemeClr val="lt1"/>
+          </a:fontRef>
+        </p:style>
+        <p:txBody>
+          <a:bodyPr rtlCol="0" anchor="ctr"/>
+          <a:lstStyle/>
+          <a:p>
+            <a:r>
+              <a:rPr kumimoji="1" lang="en-US" altLang="ja-JP" dirty="0">
+                <a:solidFill>
+                  <a:schemeClr val="tx1"/>
+                </a:solidFill>
+              </a:rPr>
+              <a:t>Virtual File Driver</a:t>
+            </a:r>
+          </a:p>
+        </p:txBody>
+      </p:sp>
+      <p:sp>
+        <p:nvSpPr>
           <p:cNvPr id="33" name="角丸四角形 32">
             <a:extLst>
               <a:ext uri="{FF2B5EF4-FFF2-40B4-BE49-F238E27FC236}">
@@ -20274,128 +20396,6 @@
           </a:fontRef>
         </p:style>
       </p:cxnSp>
-      <p:sp>
-        <p:nvSpPr>
-          <p:cNvPr id="35" name="角丸四角形 34">
-            <a:extLst>
-              <a:ext uri="{FF2B5EF4-FFF2-40B4-BE49-F238E27FC236}">
-                <a16:creationId xmlns:a16="http://schemas.microsoft.com/office/drawing/2014/main" id="{BE8ECD05-95C6-EAF0-C2ED-19A1C77D34EB}"/>
-              </a:ext>
-            </a:extLst>
-          </p:cNvPr>
-          <p:cNvSpPr/>
-          <p:nvPr/>
-        </p:nvSpPr>
-        <p:spPr>
-          <a:xfrm>
-            <a:off x="148759" y="3339467"/>
-            <a:ext cx="11535241" cy="756287"/>
-          </a:xfrm>
-          <a:prstGeom prst="roundRect">
-            <a:avLst/>
-          </a:prstGeom>
-          <a:solidFill>
-            <a:srgbClr val="00BBC1">
-              <a:alpha val="12157"/>
-            </a:srgbClr>
-          </a:solidFill>
-        </p:spPr>
-        <p:style>
-          <a:lnRef idx="2">
-            <a:schemeClr val="accent1">
-              <a:shade val="15000"/>
-            </a:schemeClr>
-          </a:lnRef>
-          <a:fillRef idx="1">
-            <a:schemeClr val="accent1"/>
-          </a:fillRef>
-          <a:effectRef idx="0">
-            <a:schemeClr val="accent1"/>
-          </a:effectRef>
-          <a:fontRef idx="minor">
-            <a:schemeClr val="lt1"/>
-          </a:fontRef>
-        </p:style>
-        <p:txBody>
-          <a:bodyPr rtlCol="0" anchor="ctr"/>
-          <a:lstStyle/>
-          <a:p>
-            <a:r>
-              <a:rPr kumimoji="1" lang="en-US" altLang="ja-JP" dirty="0">
-                <a:solidFill>
-                  <a:schemeClr val="tx1"/>
-                </a:solidFill>
-              </a:rPr>
-              <a:t>Virtual File Driver</a:t>
-            </a:r>
-          </a:p>
-        </p:txBody>
-      </p:sp>
-      <p:sp>
-        <p:nvSpPr>
-          <p:cNvPr id="36" name="角丸四角形 35">
-            <a:extLst>
-              <a:ext uri="{FF2B5EF4-FFF2-40B4-BE49-F238E27FC236}">
-                <a16:creationId xmlns:a16="http://schemas.microsoft.com/office/drawing/2014/main" id="{0AA2A1A4-AF05-8359-DD04-37FFE482BD8C}"/>
-              </a:ext>
-            </a:extLst>
-          </p:cNvPr>
-          <p:cNvSpPr/>
-          <p:nvPr/>
-        </p:nvSpPr>
-        <p:spPr>
-          <a:xfrm>
-            <a:off x="148758" y="4216240"/>
-            <a:ext cx="11535241" cy="756287"/>
-          </a:xfrm>
-          <a:prstGeom prst="roundRect">
-            <a:avLst/>
-          </a:prstGeom>
-          <a:solidFill>
-            <a:srgbClr val="00BBC1">
-              <a:alpha val="12157"/>
-            </a:srgbClr>
-          </a:solidFill>
-        </p:spPr>
-        <p:style>
-          <a:lnRef idx="2">
-            <a:schemeClr val="accent1">
-              <a:shade val="15000"/>
-            </a:schemeClr>
-          </a:lnRef>
-          <a:fillRef idx="1">
-            <a:schemeClr val="accent1"/>
-          </a:fillRef>
-          <a:effectRef idx="0">
-            <a:schemeClr val="accent1"/>
-          </a:effectRef>
-          <a:fontRef idx="minor">
-            <a:schemeClr val="lt1"/>
-          </a:fontRef>
-        </p:style>
-        <p:txBody>
-          <a:bodyPr rtlCol="0" anchor="ctr"/>
-          <a:lstStyle/>
-          <a:p>
-            <a:r>
-              <a:rPr kumimoji="1" lang="ja-JP" altLang="en-US">
-                <a:solidFill>
-                  <a:schemeClr val="tx1"/>
-                </a:solidFill>
-              </a:rPr>
-              <a:t>低レベル</a:t>
-            </a:r>
-            <a:r>
-              <a:rPr kumimoji="1" lang="en-US" altLang="ja-JP" dirty="0">
-                <a:solidFill>
-                  <a:schemeClr val="tx1"/>
-                </a:solidFill>
-              </a:rPr>
-              <a:t> I/O</a:t>
-            </a:r>
-          </a:p>
-        </p:txBody>
-      </p:sp>
       <p:sp>
         <p:nvSpPr>
           <p:cNvPr id="3" name="正方形/長方形 2">
@@ -22057,7 +22057,7 @@
                 </a:solidFill>
                 <a:latin typeface="BIZ UDPゴシック"/>
               </a:rPr>
-              <a:t>Divide VOL</a:t>
+              <a:t>CA VOL</a:t>
             </a:r>
             <a:endParaRPr kumimoji="0" lang="ja-JP" altLang="en-US" sz="2400" b="0" i="0" u="none" strike="noStrike" kern="0" cap="none" spc="0" normalizeH="0" baseline="0" noProof="0" dirty="0">
               <a:ln>
@@ -22418,7 +22418,7 @@
         <p:spPr>
           <a:xfrm>
             <a:off x="4430133" y="1822751"/>
-            <a:ext cx="1913837" cy="369332"/>
+            <a:ext cx="2666235" cy="369332"/>
           </a:xfrm>
           <a:prstGeom prst="rect">
             <a:avLst/>
@@ -22441,7 +22441,7 @@
             </a:r>
             <a:r>
               <a:rPr kumimoji="1" lang="en-US" altLang="ja-JP" dirty="0"/>
-              <a:t>Dataset</a:t>
+              <a:t>Dataset data</a:t>
             </a:r>
             <a:endParaRPr kumimoji="1" lang="ja-JP" altLang="en-US"/>
           </a:p>

--- a/figure.pptx
+++ b/figure.pptx
@@ -13855,7 +13855,7 @@
                   <a:schemeClr val="tx1"/>
                 </a:solidFill>
               </a:rPr>
-              <a:t>chunk 1</a:t>
+              <a:t>chunk 0</a:t>
             </a:r>
             <a:endParaRPr kumimoji="1" lang="ja-JP" altLang="en-US" sz="1000">
               <a:solidFill>
@@ -14262,7 +14262,7 @@
                   <a:schemeClr val="tx1"/>
                 </a:solidFill>
               </a:rPr>
-              <a:t>chunk 1</a:t>
+              <a:t>chunk 0</a:t>
             </a:r>
             <a:endParaRPr kumimoji="1" lang="ja-JP" altLang="en-US" sz="1100">
               <a:solidFill>
@@ -14441,7 +14441,7 @@
                   <a:schemeClr val="tx1"/>
                 </a:solidFill>
               </a:rPr>
-              <a:t>chunk 2</a:t>
+              <a:t>chunk 1</a:t>
             </a:r>
             <a:endParaRPr kumimoji="1" lang="ja-JP" altLang="en-US" sz="1100">
               <a:solidFill>
@@ -14510,7 +14510,7 @@
                   <a:schemeClr val="tx1"/>
                 </a:solidFill>
               </a:rPr>
-              <a:t>64</a:t>
+              <a:t>63</a:t>
             </a:r>
             <a:endParaRPr kumimoji="1" lang="ja-JP" altLang="en-US" sz="1100">
               <a:solidFill>
@@ -14757,7 +14757,7 @@
         </p:nvSpPr>
         <p:spPr>
           <a:xfrm>
-            <a:off x="5098798" y="1824885"/>
+            <a:off x="2311896" y="1861126"/>
             <a:ext cx="1994400" cy="369332"/>
           </a:xfrm>
           <a:prstGeom prst="rect">
@@ -14930,7 +14930,7 @@
         </p:nvCxnSpPr>
         <p:spPr>
           <a:xfrm>
-            <a:off x="1999847" y="1824885"/>
+            <a:off x="4411353" y="2045792"/>
             <a:ext cx="2411508" cy="0"/>
           </a:xfrm>
           <a:prstGeom prst="straightConnector1">
@@ -15305,8 +15305,8 @@
         </p:nvSpPr>
         <p:spPr>
           <a:xfrm>
-            <a:off x="1620284" y="1143819"/>
-            <a:ext cx="2411506" cy="2088420"/>
+            <a:off x="1620283" y="1143819"/>
+            <a:ext cx="8507899" cy="2088420"/>
           </a:xfrm>
           <a:prstGeom prst="rect">
             <a:avLst/>
@@ -15338,62 +15338,8 @@
           <a:p>
             <a:pPr algn="ctr"/>
             <a:r>
-              <a:rPr lang="en-US" altLang="ja-JP" sz="2400" dirty="0"/>
-              <a:t>rank 0</a:t>
-            </a:r>
-            <a:endParaRPr kumimoji="1" lang="ja-JP" altLang="en-US" sz="2400" dirty="0"/>
-          </a:p>
-        </p:txBody>
-      </p:sp>
-      <p:sp>
-        <p:nvSpPr>
-          <p:cNvPr id="3" name="正方形/長方形 2">
-            <a:extLst>
-              <a:ext uri="{FF2B5EF4-FFF2-40B4-BE49-F238E27FC236}">
-                <a16:creationId xmlns:a16="http://schemas.microsoft.com/office/drawing/2014/main" id="{02B11721-488F-88BA-BB88-F3232448C93C}"/>
-              </a:ext>
-            </a:extLst>
-          </p:cNvPr>
-          <p:cNvSpPr/>
-          <p:nvPr/>
-        </p:nvSpPr>
-        <p:spPr>
-          <a:xfrm>
-            <a:off x="4031790" y="1143819"/>
-            <a:ext cx="2411506" cy="2088420"/>
-          </a:xfrm>
-          <a:prstGeom prst="rect">
-            <a:avLst/>
-          </a:prstGeom>
-          <a:solidFill>
-            <a:schemeClr val="accent2">
-              <a:lumMod val="20000"/>
-              <a:lumOff val="80000"/>
-            </a:schemeClr>
-          </a:solidFill>
-        </p:spPr>
-        <p:style>
-          <a:lnRef idx="2">
-            <a:schemeClr val="accent5"/>
-          </a:lnRef>
-          <a:fillRef idx="1">
-            <a:schemeClr val="lt1"/>
-          </a:fillRef>
-          <a:effectRef idx="0">
-            <a:schemeClr val="accent5"/>
-          </a:effectRef>
-          <a:fontRef idx="minor">
-            <a:schemeClr val="dk1"/>
-          </a:fontRef>
-        </p:style>
-        <p:txBody>
-          <a:bodyPr rtlCol="0" anchor="ctr"/>
-          <a:lstStyle/>
-          <a:p>
-            <a:pPr algn="ctr"/>
-            <a:r>
-              <a:rPr lang="en-US" altLang="ja-JP" sz="2400" dirty="0"/>
-              <a:t>rank 1</a:t>
+              <a:rPr kumimoji="1" lang="en-US" altLang="ja-JP" sz="2400" dirty="0"/>
+              <a:t>Dataset data</a:t>
             </a:r>
             <a:endParaRPr kumimoji="1" lang="ja-JP" altLang="en-US" sz="2400" dirty="0"/>
           </a:p>
@@ -15413,7 +15359,7 @@
         </p:nvSpPr>
         <p:spPr>
           <a:xfrm>
-            <a:off x="6573895" y="1818697"/>
+            <a:off x="6633164" y="1145095"/>
             <a:ext cx="923365" cy="369332"/>
           </a:xfrm>
           <a:prstGeom prst="rect">
@@ -15432,60 +15378,6 @@
               <a:t>・・・</a:t>
             </a:r>
             <a:endParaRPr kumimoji="1" lang="ja-JP" altLang="en-US"/>
-          </a:p>
-        </p:txBody>
-      </p:sp>
-      <p:sp>
-        <p:nvSpPr>
-          <p:cNvPr id="5" name="正方形/長方形 4">
-            <a:extLst>
-              <a:ext uri="{FF2B5EF4-FFF2-40B4-BE49-F238E27FC236}">
-                <a16:creationId xmlns:a16="http://schemas.microsoft.com/office/drawing/2014/main" id="{EAF50CB3-866D-2645-9747-169C0260CCCE}"/>
-              </a:ext>
-            </a:extLst>
-          </p:cNvPr>
-          <p:cNvSpPr/>
-          <p:nvPr/>
-        </p:nvSpPr>
-        <p:spPr>
-          <a:xfrm>
-            <a:off x="7716688" y="1143819"/>
-            <a:ext cx="2411506" cy="2088420"/>
-          </a:xfrm>
-          <a:prstGeom prst="rect">
-            <a:avLst/>
-          </a:prstGeom>
-          <a:solidFill>
-            <a:schemeClr val="accent4">
-              <a:lumMod val="20000"/>
-              <a:lumOff val="80000"/>
-            </a:schemeClr>
-          </a:solidFill>
-        </p:spPr>
-        <p:style>
-          <a:lnRef idx="2">
-            <a:schemeClr val="accent5"/>
-          </a:lnRef>
-          <a:fillRef idx="1">
-            <a:schemeClr val="lt1"/>
-          </a:fillRef>
-          <a:effectRef idx="0">
-            <a:schemeClr val="accent5"/>
-          </a:effectRef>
-          <a:fontRef idx="minor">
-            <a:schemeClr val="dk1"/>
-          </a:fontRef>
-        </p:style>
-        <p:txBody>
-          <a:bodyPr rtlCol="0" anchor="ctr"/>
-          <a:lstStyle/>
-          <a:p>
-            <a:pPr algn="ctr"/>
-            <a:r>
-              <a:rPr lang="en-US" altLang="ja-JP" sz="2400" dirty="0"/>
-              <a:t>rank 63 </a:t>
-            </a:r>
-            <a:endParaRPr kumimoji="1" lang="ja-JP" altLang="en-US" sz="2400" dirty="0"/>
           </a:p>
         </p:txBody>
       </p:sp>

--- a/figure.pptx
+++ b/figure.pptx
@@ -22,6 +22,8 @@
     <p:sldId id="274" r:id="rId16"/>
     <p:sldId id="275" r:id="rId17"/>
     <p:sldId id="264" r:id="rId18"/>
+    <p:sldId id="276" r:id="rId19"/>
+    <p:sldId id="277" r:id="rId20"/>
   </p:sldIdLst>
   <p:sldSz cx="12192000" cy="6858000"/>
   <p:notesSz cx="6858000" cy="9144000"/>
@@ -16267,10 +16269,2484 @@
           </a:p>
         </p:txBody>
       </p:sp>
+      <p:sp>
+        <p:nvSpPr>
+          <p:cNvPr id="7" name="テキスト ボックス 6">
+            <a:extLst>
+              <a:ext uri="{FF2B5EF4-FFF2-40B4-BE49-F238E27FC236}">
+                <a16:creationId xmlns:a16="http://schemas.microsoft.com/office/drawing/2014/main" id="{BB510A9E-16EE-1B81-80F2-1FC667CDEBCC}"/>
+              </a:ext>
+            </a:extLst>
+          </p:cNvPr>
+          <p:cNvSpPr txBox="1"/>
+          <p:nvPr/>
+        </p:nvSpPr>
+        <p:spPr>
+          <a:xfrm>
+            <a:off x="6726295" y="1971097"/>
+            <a:ext cx="923365" cy="369332"/>
+          </a:xfrm>
+          <a:prstGeom prst="rect">
+            <a:avLst/>
+          </a:prstGeom>
+          <a:noFill/>
+        </p:spPr>
+        <p:txBody>
+          <a:bodyPr wrap="square" rtlCol="0">
+            <a:spAutoFit/>
+          </a:bodyPr>
+          <a:lstStyle/>
+          <a:p>
+            <a:r>
+              <a:rPr lang="ja-JP" altLang="en-US"/>
+              <a:t>・・・</a:t>
+            </a:r>
+            <a:endParaRPr kumimoji="1" lang="ja-JP" altLang="en-US"/>
+          </a:p>
+        </p:txBody>
+      </p:sp>
     </p:spTree>
     <p:extLst>
       <p:ext uri="{BB962C8B-B14F-4D97-AF65-F5344CB8AC3E}">
         <p14:creationId xmlns:p14="http://schemas.microsoft.com/office/powerpoint/2010/main" val="3484501467"/>
+      </p:ext>
+    </p:extLst>
+  </p:cSld>
+  <p:clrMapOvr>
+    <a:masterClrMapping/>
+  </p:clrMapOvr>
+</p:sld>
+</file>
+
+<file path=ppt/slides/slide18.xml><?xml version="1.0" encoding="utf-8"?>
+<p:sld xmlns:a="http://schemas.openxmlformats.org/drawingml/2006/main" xmlns:r="http://schemas.openxmlformats.org/officeDocument/2006/relationships" xmlns:p="http://schemas.openxmlformats.org/presentationml/2006/main">
+  <p:cSld>
+    <p:spTree>
+      <p:nvGrpSpPr>
+        <p:cNvPr id="1" name="">
+          <a:extLst>
+            <a:ext uri="{FF2B5EF4-FFF2-40B4-BE49-F238E27FC236}">
+              <a16:creationId xmlns:a16="http://schemas.microsoft.com/office/drawing/2014/main" id="{EBD951D7-1887-80B6-3495-A0DD589BD063}"/>
+            </a:ext>
+          </a:extLst>
+        </p:cNvPr>
+        <p:cNvGrpSpPr/>
+        <p:nvPr/>
+      </p:nvGrpSpPr>
+      <p:grpSpPr>
+        <a:xfrm>
+          <a:off x="0" y="0"/>
+          <a:ext cx="0" cy="0"/>
+          <a:chOff x="0" y="0"/>
+          <a:chExt cx="0" cy="0"/>
+        </a:xfrm>
+      </p:grpSpPr>
+      <p:sp>
+        <p:nvSpPr>
+          <p:cNvPr id="4" name="テキスト ボックス 3">
+            <a:extLst>
+              <a:ext uri="{FF2B5EF4-FFF2-40B4-BE49-F238E27FC236}">
+                <a16:creationId xmlns:a16="http://schemas.microsoft.com/office/drawing/2014/main" id="{FBEECE21-5FAE-DFD0-8138-2E6F8F6F669A}"/>
+              </a:ext>
+            </a:extLst>
+          </p:cNvPr>
+          <p:cNvSpPr txBox="1"/>
+          <p:nvPr/>
+        </p:nvSpPr>
+        <p:spPr>
+          <a:xfrm>
+            <a:off x="6633164" y="1145095"/>
+            <a:ext cx="923365" cy="369332"/>
+          </a:xfrm>
+          <a:prstGeom prst="rect">
+            <a:avLst/>
+          </a:prstGeom>
+          <a:noFill/>
+        </p:spPr>
+        <p:txBody>
+          <a:bodyPr wrap="square" rtlCol="0">
+            <a:spAutoFit/>
+          </a:bodyPr>
+          <a:lstStyle/>
+          <a:p>
+            <a:r>
+              <a:rPr lang="ja-JP" altLang="en-US"/>
+              <a:t>・・・</a:t>
+            </a:r>
+            <a:endParaRPr kumimoji="1" lang="ja-JP" altLang="en-US"/>
+          </a:p>
+        </p:txBody>
+      </p:sp>
+      <p:sp>
+        <p:nvSpPr>
+          <p:cNvPr id="14" name="正方形/長方形 13">
+            <a:extLst>
+              <a:ext uri="{FF2B5EF4-FFF2-40B4-BE49-F238E27FC236}">
+                <a16:creationId xmlns:a16="http://schemas.microsoft.com/office/drawing/2014/main" id="{9F717429-3186-3BC8-B904-1D25FA53C17F}"/>
+              </a:ext>
+            </a:extLst>
+          </p:cNvPr>
+          <p:cNvSpPr/>
+          <p:nvPr/>
+        </p:nvSpPr>
+        <p:spPr>
+          <a:xfrm>
+            <a:off x="4031788" y="1298684"/>
+            <a:ext cx="2411505" cy="156256"/>
+          </a:xfrm>
+          <a:prstGeom prst="rect">
+            <a:avLst/>
+          </a:prstGeom>
+          <a:solidFill>
+            <a:srgbClr val="FFC000"/>
+          </a:solidFill>
+        </p:spPr>
+        <p:style>
+          <a:lnRef idx="2">
+            <a:schemeClr val="accent1">
+              <a:shade val="15000"/>
+            </a:schemeClr>
+          </a:lnRef>
+          <a:fillRef idx="1">
+            <a:schemeClr val="accent1"/>
+          </a:fillRef>
+          <a:effectRef idx="0">
+            <a:schemeClr val="accent1"/>
+          </a:effectRef>
+          <a:fontRef idx="minor">
+            <a:schemeClr val="lt1"/>
+          </a:fontRef>
+        </p:style>
+        <p:txBody>
+          <a:bodyPr rtlCol="0" anchor="ctr"/>
+          <a:lstStyle/>
+          <a:p>
+            <a:pPr algn="ctr"/>
+            <a:r>
+              <a:rPr kumimoji="1" lang="en-US" altLang="ja-JP" sz="1100" dirty="0">
+                <a:solidFill>
+                  <a:schemeClr val="tx1"/>
+                </a:solidFill>
+              </a:rPr>
+              <a:t>chunk </a:t>
+            </a:r>
+            <a:r>
+              <a:rPr lang="en-US" altLang="ja-JP" sz="1100" dirty="0">
+                <a:solidFill>
+                  <a:schemeClr val="tx1"/>
+                </a:solidFill>
+              </a:rPr>
+              <a:t>65</a:t>
+            </a:r>
+            <a:endParaRPr kumimoji="1" lang="ja-JP" altLang="en-US" sz="1100">
+              <a:solidFill>
+                <a:schemeClr val="tx1"/>
+              </a:solidFill>
+            </a:endParaRPr>
+          </a:p>
+        </p:txBody>
+      </p:sp>
+      <p:sp>
+        <p:nvSpPr>
+          <p:cNvPr id="19" name="テキスト ボックス 18">
+            <a:extLst>
+              <a:ext uri="{FF2B5EF4-FFF2-40B4-BE49-F238E27FC236}">
+                <a16:creationId xmlns:a16="http://schemas.microsoft.com/office/drawing/2014/main" id="{60D1BFA9-D8B9-50DC-1C95-08320813F8A3}"/>
+              </a:ext>
+            </a:extLst>
+          </p:cNvPr>
+          <p:cNvSpPr txBox="1"/>
+          <p:nvPr/>
+        </p:nvSpPr>
+        <p:spPr>
+          <a:xfrm>
+            <a:off x="6573894" y="4188666"/>
+            <a:ext cx="923365" cy="369332"/>
+          </a:xfrm>
+          <a:prstGeom prst="rect">
+            <a:avLst/>
+          </a:prstGeom>
+          <a:noFill/>
+        </p:spPr>
+        <p:txBody>
+          <a:bodyPr wrap="square" rtlCol="0">
+            <a:spAutoFit/>
+          </a:bodyPr>
+          <a:lstStyle/>
+          <a:p>
+            <a:r>
+              <a:rPr lang="ja-JP" altLang="en-US"/>
+              <a:t>・・・</a:t>
+            </a:r>
+            <a:endParaRPr kumimoji="1" lang="ja-JP" altLang="en-US"/>
+          </a:p>
+        </p:txBody>
+      </p:sp>
+      <p:sp>
+        <p:nvSpPr>
+          <p:cNvPr id="3" name="正方形/長方形 2">
+            <a:extLst>
+              <a:ext uri="{FF2B5EF4-FFF2-40B4-BE49-F238E27FC236}">
+                <a16:creationId xmlns:a16="http://schemas.microsoft.com/office/drawing/2014/main" id="{A34B17E0-8229-0399-1F40-6AE1E565154E}"/>
+              </a:ext>
+            </a:extLst>
+          </p:cNvPr>
+          <p:cNvSpPr/>
+          <p:nvPr/>
+        </p:nvSpPr>
+        <p:spPr>
+          <a:xfrm>
+            <a:off x="1772684" y="1296219"/>
+            <a:ext cx="2411506" cy="2088420"/>
+          </a:xfrm>
+          <a:prstGeom prst="rect">
+            <a:avLst/>
+          </a:prstGeom>
+          <a:solidFill>
+            <a:schemeClr val="accent1">
+              <a:lumMod val="20000"/>
+              <a:lumOff val="80000"/>
+            </a:schemeClr>
+          </a:solidFill>
+        </p:spPr>
+        <p:style>
+          <a:lnRef idx="2">
+            <a:schemeClr val="accent5"/>
+          </a:lnRef>
+          <a:fillRef idx="1">
+            <a:schemeClr val="lt1"/>
+          </a:fillRef>
+          <a:effectRef idx="0">
+            <a:schemeClr val="accent5"/>
+          </a:effectRef>
+          <a:fontRef idx="minor">
+            <a:schemeClr val="dk1"/>
+          </a:fontRef>
+        </p:style>
+        <p:txBody>
+          <a:bodyPr rtlCol="0" anchor="ctr"/>
+          <a:lstStyle/>
+          <a:p>
+            <a:pPr algn="ctr"/>
+            <a:r>
+              <a:rPr lang="en-US" altLang="ja-JP" sz="2400" dirty="0"/>
+              <a:t>rank 0</a:t>
+            </a:r>
+            <a:endParaRPr kumimoji="1" lang="ja-JP" altLang="en-US" sz="2400" dirty="0"/>
+          </a:p>
+        </p:txBody>
+      </p:sp>
+      <p:sp>
+        <p:nvSpPr>
+          <p:cNvPr id="5" name="正方形/長方形 4">
+            <a:extLst>
+              <a:ext uri="{FF2B5EF4-FFF2-40B4-BE49-F238E27FC236}">
+                <a16:creationId xmlns:a16="http://schemas.microsoft.com/office/drawing/2014/main" id="{97C18551-4210-149A-6E1A-02122359BC5A}"/>
+              </a:ext>
+            </a:extLst>
+          </p:cNvPr>
+          <p:cNvSpPr/>
+          <p:nvPr/>
+        </p:nvSpPr>
+        <p:spPr>
+          <a:xfrm>
+            <a:off x="4184190" y="1296219"/>
+            <a:ext cx="2411506" cy="2088420"/>
+          </a:xfrm>
+          <a:prstGeom prst="rect">
+            <a:avLst/>
+          </a:prstGeom>
+          <a:solidFill>
+            <a:schemeClr val="accent2">
+              <a:lumMod val="20000"/>
+              <a:lumOff val="80000"/>
+            </a:schemeClr>
+          </a:solidFill>
+        </p:spPr>
+        <p:style>
+          <a:lnRef idx="2">
+            <a:schemeClr val="accent5"/>
+          </a:lnRef>
+          <a:fillRef idx="1">
+            <a:schemeClr val="lt1"/>
+          </a:fillRef>
+          <a:effectRef idx="0">
+            <a:schemeClr val="accent5"/>
+          </a:effectRef>
+          <a:fontRef idx="minor">
+            <a:schemeClr val="dk1"/>
+          </a:fontRef>
+        </p:style>
+        <p:txBody>
+          <a:bodyPr rtlCol="0" anchor="ctr"/>
+          <a:lstStyle/>
+          <a:p>
+            <a:pPr algn="ctr"/>
+            <a:r>
+              <a:rPr lang="en-US" altLang="ja-JP" sz="2400" dirty="0"/>
+              <a:t>rank 1</a:t>
+            </a:r>
+            <a:endParaRPr kumimoji="1" lang="ja-JP" altLang="en-US" sz="2400" dirty="0"/>
+          </a:p>
+        </p:txBody>
+      </p:sp>
+      <p:sp>
+        <p:nvSpPr>
+          <p:cNvPr id="7" name="テキスト ボックス 6">
+            <a:extLst>
+              <a:ext uri="{FF2B5EF4-FFF2-40B4-BE49-F238E27FC236}">
+                <a16:creationId xmlns:a16="http://schemas.microsoft.com/office/drawing/2014/main" id="{4BD93D85-64BC-2A46-370F-A9F2879F499D}"/>
+              </a:ext>
+            </a:extLst>
+          </p:cNvPr>
+          <p:cNvSpPr txBox="1"/>
+          <p:nvPr/>
+        </p:nvSpPr>
+        <p:spPr>
+          <a:xfrm>
+            <a:off x="6726295" y="1971097"/>
+            <a:ext cx="923365" cy="369332"/>
+          </a:xfrm>
+          <a:prstGeom prst="rect">
+            <a:avLst/>
+          </a:prstGeom>
+          <a:noFill/>
+        </p:spPr>
+        <p:txBody>
+          <a:bodyPr wrap="square" rtlCol="0">
+            <a:spAutoFit/>
+          </a:bodyPr>
+          <a:lstStyle/>
+          <a:p>
+            <a:r>
+              <a:rPr lang="ja-JP" altLang="en-US"/>
+              <a:t>・・・</a:t>
+            </a:r>
+            <a:endParaRPr kumimoji="1" lang="ja-JP" altLang="en-US"/>
+          </a:p>
+        </p:txBody>
+      </p:sp>
+      <p:sp>
+        <p:nvSpPr>
+          <p:cNvPr id="8" name="正方形/長方形 7">
+            <a:extLst>
+              <a:ext uri="{FF2B5EF4-FFF2-40B4-BE49-F238E27FC236}">
+                <a16:creationId xmlns:a16="http://schemas.microsoft.com/office/drawing/2014/main" id="{86C1AA78-EB88-E8BE-FD34-0A90C0A5D69F}"/>
+              </a:ext>
+            </a:extLst>
+          </p:cNvPr>
+          <p:cNvSpPr/>
+          <p:nvPr/>
+        </p:nvSpPr>
+        <p:spPr>
+          <a:xfrm>
+            <a:off x="7869088" y="1296219"/>
+            <a:ext cx="2411506" cy="2088420"/>
+          </a:xfrm>
+          <a:prstGeom prst="rect">
+            <a:avLst/>
+          </a:prstGeom>
+          <a:solidFill>
+            <a:schemeClr val="accent4">
+              <a:lumMod val="20000"/>
+              <a:lumOff val="80000"/>
+            </a:schemeClr>
+          </a:solidFill>
+        </p:spPr>
+        <p:style>
+          <a:lnRef idx="2">
+            <a:schemeClr val="accent5"/>
+          </a:lnRef>
+          <a:fillRef idx="1">
+            <a:schemeClr val="lt1"/>
+          </a:fillRef>
+          <a:effectRef idx="0">
+            <a:schemeClr val="accent5"/>
+          </a:effectRef>
+          <a:fontRef idx="minor">
+            <a:schemeClr val="dk1"/>
+          </a:fontRef>
+        </p:style>
+        <p:txBody>
+          <a:bodyPr rtlCol="0" anchor="ctr"/>
+          <a:lstStyle/>
+          <a:p>
+            <a:pPr algn="ctr"/>
+            <a:r>
+              <a:rPr lang="en-US" altLang="ja-JP" sz="2400" dirty="0"/>
+              <a:t>rank 63 </a:t>
+            </a:r>
+            <a:endParaRPr kumimoji="1" lang="ja-JP" altLang="en-US" sz="2400" dirty="0"/>
+          </a:p>
+        </p:txBody>
+      </p:sp>
+      <p:sp>
+        <p:nvSpPr>
+          <p:cNvPr id="9" name="正方形/長方形 8">
+            <a:extLst>
+              <a:ext uri="{FF2B5EF4-FFF2-40B4-BE49-F238E27FC236}">
+                <a16:creationId xmlns:a16="http://schemas.microsoft.com/office/drawing/2014/main" id="{F6A5DE74-25E9-C159-0D24-9161BED5CE80}"/>
+              </a:ext>
+            </a:extLst>
+          </p:cNvPr>
+          <p:cNvSpPr/>
+          <p:nvPr/>
+        </p:nvSpPr>
+        <p:spPr>
+          <a:xfrm>
+            <a:off x="1772684" y="1296220"/>
+            <a:ext cx="2411505" cy="156256"/>
+          </a:xfrm>
+          <a:prstGeom prst="rect">
+            <a:avLst/>
+          </a:prstGeom>
+          <a:solidFill>
+            <a:srgbClr val="FFC000"/>
+          </a:solidFill>
+        </p:spPr>
+        <p:style>
+          <a:lnRef idx="2">
+            <a:schemeClr val="accent1">
+              <a:shade val="15000"/>
+            </a:schemeClr>
+          </a:lnRef>
+          <a:fillRef idx="1">
+            <a:schemeClr val="accent1"/>
+          </a:fillRef>
+          <a:effectRef idx="0">
+            <a:schemeClr val="accent1"/>
+          </a:effectRef>
+          <a:fontRef idx="minor">
+            <a:schemeClr val="lt1"/>
+          </a:fontRef>
+        </p:style>
+        <p:txBody>
+          <a:bodyPr rtlCol="0" anchor="ctr"/>
+          <a:lstStyle/>
+          <a:p>
+            <a:pPr algn="ctr"/>
+            <a:r>
+              <a:rPr kumimoji="1" lang="en-US" altLang="ja-JP" sz="1100" dirty="0">
+                <a:solidFill>
+                  <a:schemeClr val="tx1"/>
+                </a:solidFill>
+              </a:rPr>
+              <a:t>chunk 1</a:t>
+            </a:r>
+            <a:endParaRPr kumimoji="1" lang="ja-JP" altLang="en-US" sz="1100">
+              <a:solidFill>
+                <a:schemeClr val="tx1"/>
+              </a:solidFill>
+            </a:endParaRPr>
+          </a:p>
+        </p:txBody>
+      </p:sp>
+      <p:sp>
+        <p:nvSpPr>
+          <p:cNvPr id="23" name="正方形/長方形 22">
+            <a:extLst>
+              <a:ext uri="{FF2B5EF4-FFF2-40B4-BE49-F238E27FC236}">
+                <a16:creationId xmlns:a16="http://schemas.microsoft.com/office/drawing/2014/main" id="{CA4B0CB4-BAE0-DB6E-D31D-FA135682FB60}"/>
+              </a:ext>
+            </a:extLst>
+          </p:cNvPr>
+          <p:cNvSpPr/>
+          <p:nvPr/>
+        </p:nvSpPr>
+        <p:spPr>
+          <a:xfrm>
+            <a:off x="4184189" y="1296220"/>
+            <a:ext cx="2411505" cy="156256"/>
+          </a:xfrm>
+          <a:prstGeom prst="rect">
+            <a:avLst/>
+          </a:prstGeom>
+          <a:solidFill>
+            <a:srgbClr val="FFC000"/>
+          </a:solidFill>
+        </p:spPr>
+        <p:style>
+          <a:lnRef idx="2">
+            <a:schemeClr val="accent1">
+              <a:shade val="15000"/>
+            </a:schemeClr>
+          </a:lnRef>
+          <a:fillRef idx="1">
+            <a:schemeClr val="accent1"/>
+          </a:fillRef>
+          <a:effectRef idx="0">
+            <a:schemeClr val="accent1"/>
+          </a:effectRef>
+          <a:fontRef idx="minor">
+            <a:schemeClr val="lt1"/>
+          </a:fontRef>
+        </p:style>
+        <p:txBody>
+          <a:bodyPr rtlCol="0" anchor="ctr"/>
+          <a:lstStyle/>
+          <a:p>
+            <a:pPr algn="ctr"/>
+            <a:r>
+              <a:rPr kumimoji="1" lang="en-US" altLang="ja-JP" sz="1100" dirty="0">
+                <a:solidFill>
+                  <a:schemeClr val="tx1"/>
+                </a:solidFill>
+              </a:rPr>
+              <a:t>chunk 2</a:t>
+            </a:r>
+            <a:endParaRPr kumimoji="1" lang="ja-JP" altLang="en-US" sz="1100">
+              <a:solidFill>
+                <a:schemeClr val="tx1"/>
+              </a:solidFill>
+            </a:endParaRPr>
+          </a:p>
+        </p:txBody>
+      </p:sp>
+      <p:sp>
+        <p:nvSpPr>
+          <p:cNvPr id="26" name="正方形/長方形 25">
+            <a:extLst>
+              <a:ext uri="{FF2B5EF4-FFF2-40B4-BE49-F238E27FC236}">
+                <a16:creationId xmlns:a16="http://schemas.microsoft.com/office/drawing/2014/main" id="{45F31148-F633-F463-CCF9-8365204C38B5}"/>
+              </a:ext>
+            </a:extLst>
+          </p:cNvPr>
+          <p:cNvSpPr/>
+          <p:nvPr/>
+        </p:nvSpPr>
+        <p:spPr>
+          <a:xfrm>
+            <a:off x="7869086" y="1296220"/>
+            <a:ext cx="2411505" cy="156256"/>
+          </a:xfrm>
+          <a:prstGeom prst="rect">
+            <a:avLst/>
+          </a:prstGeom>
+          <a:solidFill>
+            <a:srgbClr val="FFC000"/>
+          </a:solidFill>
+        </p:spPr>
+        <p:style>
+          <a:lnRef idx="2">
+            <a:schemeClr val="accent1">
+              <a:shade val="15000"/>
+            </a:schemeClr>
+          </a:lnRef>
+          <a:fillRef idx="1">
+            <a:schemeClr val="accent1"/>
+          </a:fillRef>
+          <a:effectRef idx="0">
+            <a:schemeClr val="accent1"/>
+          </a:effectRef>
+          <a:fontRef idx="minor">
+            <a:schemeClr val="lt1"/>
+          </a:fontRef>
+        </p:style>
+        <p:txBody>
+          <a:bodyPr rtlCol="0" anchor="ctr"/>
+          <a:lstStyle/>
+          <a:p>
+            <a:pPr algn="ctr"/>
+            <a:r>
+              <a:rPr kumimoji="1" lang="en-US" altLang="ja-JP" sz="1100" dirty="0">
+                <a:solidFill>
+                  <a:schemeClr val="tx1"/>
+                </a:solidFill>
+              </a:rPr>
+              <a:t>chunk </a:t>
+            </a:r>
+            <a:r>
+              <a:rPr lang="en-US" altLang="ja-JP" sz="1100" dirty="0">
+                <a:solidFill>
+                  <a:schemeClr val="tx1"/>
+                </a:solidFill>
+              </a:rPr>
+              <a:t>64</a:t>
+            </a:r>
+            <a:endParaRPr kumimoji="1" lang="ja-JP" altLang="en-US" sz="1100">
+              <a:solidFill>
+                <a:schemeClr val="tx1"/>
+              </a:solidFill>
+            </a:endParaRPr>
+          </a:p>
+        </p:txBody>
+      </p:sp>
+      <p:sp>
+        <p:nvSpPr>
+          <p:cNvPr id="27" name="正方形/長方形 26">
+            <a:extLst>
+              <a:ext uri="{FF2B5EF4-FFF2-40B4-BE49-F238E27FC236}">
+                <a16:creationId xmlns:a16="http://schemas.microsoft.com/office/drawing/2014/main" id="{ECAB0B74-A387-6E7E-E0E8-FABE1D15BA8A}"/>
+              </a:ext>
+            </a:extLst>
+          </p:cNvPr>
+          <p:cNvSpPr/>
+          <p:nvPr/>
+        </p:nvSpPr>
+        <p:spPr>
+          <a:xfrm>
+            <a:off x="1772682" y="4332906"/>
+            <a:ext cx="8283737" cy="369332"/>
+          </a:xfrm>
+          <a:prstGeom prst="rect">
+            <a:avLst/>
+          </a:prstGeom>
+          <a:solidFill>
+            <a:schemeClr val="accent1">
+              <a:lumMod val="20000"/>
+              <a:lumOff val="80000"/>
+            </a:schemeClr>
+          </a:solidFill>
+        </p:spPr>
+        <p:style>
+          <a:lnRef idx="2">
+            <a:schemeClr val="accent5"/>
+          </a:lnRef>
+          <a:fillRef idx="1">
+            <a:schemeClr val="lt1"/>
+          </a:fillRef>
+          <a:effectRef idx="0">
+            <a:schemeClr val="accent5"/>
+          </a:effectRef>
+          <a:fontRef idx="minor">
+            <a:schemeClr val="dk1"/>
+          </a:fontRef>
+        </p:style>
+        <p:txBody>
+          <a:bodyPr rtlCol="0" anchor="ctr"/>
+          <a:lstStyle/>
+          <a:p>
+            <a:pPr algn="ctr"/>
+            <a:endParaRPr kumimoji="1" lang="ja-JP" altLang="en-US" sz="2400" dirty="0"/>
+          </a:p>
+        </p:txBody>
+      </p:sp>
+      <p:sp>
+        <p:nvSpPr>
+          <p:cNvPr id="28" name="正方形/長方形 27">
+            <a:extLst>
+              <a:ext uri="{FF2B5EF4-FFF2-40B4-BE49-F238E27FC236}">
+                <a16:creationId xmlns:a16="http://schemas.microsoft.com/office/drawing/2014/main" id="{8A2DFAA3-96F9-9AA2-2A29-FE3B444D3C6D}"/>
+              </a:ext>
+            </a:extLst>
+          </p:cNvPr>
+          <p:cNvSpPr/>
+          <p:nvPr/>
+        </p:nvSpPr>
+        <p:spPr>
+          <a:xfrm>
+            <a:off x="1772682" y="1452476"/>
+            <a:ext cx="2411505" cy="156256"/>
+          </a:xfrm>
+          <a:prstGeom prst="rect">
+            <a:avLst/>
+          </a:prstGeom>
+          <a:solidFill>
+            <a:srgbClr val="FFC000"/>
+          </a:solidFill>
+        </p:spPr>
+        <p:style>
+          <a:lnRef idx="2">
+            <a:schemeClr val="accent1">
+              <a:shade val="15000"/>
+            </a:schemeClr>
+          </a:lnRef>
+          <a:fillRef idx="1">
+            <a:schemeClr val="accent1"/>
+          </a:fillRef>
+          <a:effectRef idx="0">
+            <a:schemeClr val="accent1"/>
+          </a:effectRef>
+          <a:fontRef idx="minor">
+            <a:schemeClr val="lt1"/>
+          </a:fontRef>
+        </p:style>
+        <p:txBody>
+          <a:bodyPr rtlCol="0" anchor="ctr"/>
+          <a:lstStyle/>
+          <a:p>
+            <a:pPr algn="ctr"/>
+            <a:r>
+              <a:rPr kumimoji="1" lang="en-US" altLang="ja-JP" sz="1100" dirty="0">
+                <a:solidFill>
+                  <a:schemeClr val="tx1"/>
+                </a:solidFill>
+              </a:rPr>
+              <a:t>chunk </a:t>
+            </a:r>
+            <a:r>
+              <a:rPr lang="en-US" altLang="ja-JP" sz="1100" dirty="0">
+                <a:solidFill>
+                  <a:schemeClr val="tx1"/>
+                </a:solidFill>
+              </a:rPr>
+              <a:t>65</a:t>
+            </a:r>
+            <a:endParaRPr kumimoji="1" lang="ja-JP" altLang="en-US" sz="1100">
+              <a:solidFill>
+                <a:schemeClr val="tx1"/>
+              </a:solidFill>
+            </a:endParaRPr>
+          </a:p>
+        </p:txBody>
+      </p:sp>
+      <p:sp>
+        <p:nvSpPr>
+          <p:cNvPr id="29" name="正方形/長方形 28">
+            <a:extLst>
+              <a:ext uri="{FF2B5EF4-FFF2-40B4-BE49-F238E27FC236}">
+                <a16:creationId xmlns:a16="http://schemas.microsoft.com/office/drawing/2014/main" id="{300F2FBE-C513-9644-8822-1E20750AD979}"/>
+              </a:ext>
+            </a:extLst>
+          </p:cNvPr>
+          <p:cNvSpPr/>
+          <p:nvPr/>
+        </p:nvSpPr>
+        <p:spPr>
+          <a:xfrm>
+            <a:off x="4184188" y="1451084"/>
+            <a:ext cx="2411505" cy="156256"/>
+          </a:xfrm>
+          <a:prstGeom prst="rect">
+            <a:avLst/>
+          </a:prstGeom>
+          <a:solidFill>
+            <a:srgbClr val="FFC000"/>
+          </a:solidFill>
+        </p:spPr>
+        <p:style>
+          <a:lnRef idx="2">
+            <a:schemeClr val="accent1">
+              <a:shade val="15000"/>
+            </a:schemeClr>
+          </a:lnRef>
+          <a:fillRef idx="1">
+            <a:schemeClr val="accent1"/>
+          </a:fillRef>
+          <a:effectRef idx="0">
+            <a:schemeClr val="accent1"/>
+          </a:effectRef>
+          <a:fontRef idx="minor">
+            <a:schemeClr val="lt1"/>
+          </a:fontRef>
+        </p:style>
+        <p:txBody>
+          <a:bodyPr rtlCol="0" anchor="ctr"/>
+          <a:lstStyle/>
+          <a:p>
+            <a:pPr algn="ctr"/>
+            <a:r>
+              <a:rPr kumimoji="1" lang="en-US" altLang="ja-JP" sz="1100" dirty="0">
+                <a:solidFill>
+                  <a:schemeClr val="tx1"/>
+                </a:solidFill>
+              </a:rPr>
+              <a:t>chunk </a:t>
+            </a:r>
+            <a:r>
+              <a:rPr lang="en-US" altLang="ja-JP" sz="1100" dirty="0">
+                <a:solidFill>
+                  <a:schemeClr val="tx1"/>
+                </a:solidFill>
+              </a:rPr>
+              <a:t>66</a:t>
+            </a:r>
+            <a:endParaRPr kumimoji="1" lang="ja-JP" altLang="en-US" sz="1100">
+              <a:solidFill>
+                <a:schemeClr val="tx1"/>
+              </a:solidFill>
+            </a:endParaRPr>
+          </a:p>
+        </p:txBody>
+      </p:sp>
+      <p:sp>
+        <p:nvSpPr>
+          <p:cNvPr id="30" name="正方形/長方形 29">
+            <a:extLst>
+              <a:ext uri="{FF2B5EF4-FFF2-40B4-BE49-F238E27FC236}">
+                <a16:creationId xmlns:a16="http://schemas.microsoft.com/office/drawing/2014/main" id="{A33418D9-242A-B655-58D1-41B5753C39AB}"/>
+              </a:ext>
+            </a:extLst>
+          </p:cNvPr>
+          <p:cNvSpPr/>
+          <p:nvPr/>
+        </p:nvSpPr>
+        <p:spPr>
+          <a:xfrm>
+            <a:off x="7869083" y="1451084"/>
+            <a:ext cx="2411505" cy="156256"/>
+          </a:xfrm>
+          <a:prstGeom prst="rect">
+            <a:avLst/>
+          </a:prstGeom>
+          <a:solidFill>
+            <a:srgbClr val="FFC000"/>
+          </a:solidFill>
+        </p:spPr>
+        <p:style>
+          <a:lnRef idx="2">
+            <a:schemeClr val="accent1">
+              <a:shade val="15000"/>
+            </a:schemeClr>
+          </a:lnRef>
+          <a:fillRef idx="1">
+            <a:schemeClr val="accent1"/>
+          </a:fillRef>
+          <a:effectRef idx="0">
+            <a:schemeClr val="accent1"/>
+          </a:effectRef>
+          <a:fontRef idx="minor">
+            <a:schemeClr val="lt1"/>
+          </a:fontRef>
+        </p:style>
+        <p:txBody>
+          <a:bodyPr rtlCol="0" anchor="ctr"/>
+          <a:lstStyle/>
+          <a:p>
+            <a:pPr algn="ctr"/>
+            <a:r>
+              <a:rPr kumimoji="1" lang="en-US" altLang="ja-JP" sz="1100" dirty="0">
+                <a:solidFill>
+                  <a:schemeClr val="tx1"/>
+                </a:solidFill>
+              </a:rPr>
+              <a:t>chunk 128</a:t>
+            </a:r>
+            <a:endParaRPr kumimoji="1" lang="ja-JP" altLang="en-US" sz="1100">
+              <a:solidFill>
+                <a:schemeClr val="tx1"/>
+              </a:solidFill>
+            </a:endParaRPr>
+          </a:p>
+        </p:txBody>
+      </p:sp>
+      <p:sp>
+        <p:nvSpPr>
+          <p:cNvPr id="31" name="テキスト ボックス 30">
+            <a:extLst>
+              <a:ext uri="{FF2B5EF4-FFF2-40B4-BE49-F238E27FC236}">
+                <a16:creationId xmlns:a16="http://schemas.microsoft.com/office/drawing/2014/main" id="{C50667E8-4F63-C447-1F6B-C8751C75B06D}"/>
+              </a:ext>
+            </a:extLst>
+          </p:cNvPr>
+          <p:cNvSpPr txBox="1"/>
+          <p:nvPr/>
+        </p:nvSpPr>
+        <p:spPr>
+          <a:xfrm>
+            <a:off x="1568906" y="3918384"/>
+            <a:ext cx="1409529" cy="369332"/>
+          </a:xfrm>
+          <a:prstGeom prst="rect">
+            <a:avLst/>
+          </a:prstGeom>
+          <a:noFill/>
+        </p:spPr>
+        <p:txBody>
+          <a:bodyPr wrap="square" rtlCol="0">
+            <a:spAutoFit/>
+          </a:bodyPr>
+          <a:lstStyle/>
+          <a:p>
+            <a:pPr algn="ctr"/>
+            <a:r>
+              <a:rPr lang="en-US" altLang="ja-JP" dirty="0"/>
+              <a:t>File Layout</a:t>
+            </a:r>
+            <a:endParaRPr kumimoji="1" lang="en-US" altLang="ja-JP" dirty="0"/>
+          </a:p>
+        </p:txBody>
+      </p:sp>
+      <p:sp>
+        <p:nvSpPr>
+          <p:cNvPr id="32" name="正方形/長方形 31">
+            <a:extLst>
+              <a:ext uri="{FF2B5EF4-FFF2-40B4-BE49-F238E27FC236}">
+                <a16:creationId xmlns:a16="http://schemas.microsoft.com/office/drawing/2014/main" id="{298AF98C-D0C4-6DA7-3BB2-D1590F7319E7}"/>
+              </a:ext>
+            </a:extLst>
+          </p:cNvPr>
+          <p:cNvSpPr/>
+          <p:nvPr/>
+        </p:nvSpPr>
+        <p:spPr>
+          <a:xfrm>
+            <a:off x="5345177" y="4332908"/>
+            <a:ext cx="721135" cy="377490"/>
+          </a:xfrm>
+          <a:prstGeom prst="rect">
+            <a:avLst/>
+          </a:prstGeom>
+          <a:solidFill>
+            <a:srgbClr val="FFC000"/>
+          </a:solidFill>
+        </p:spPr>
+        <p:style>
+          <a:lnRef idx="2">
+            <a:schemeClr val="accent1">
+              <a:shade val="15000"/>
+            </a:schemeClr>
+          </a:lnRef>
+          <a:fillRef idx="1">
+            <a:schemeClr val="accent1"/>
+          </a:fillRef>
+          <a:effectRef idx="0">
+            <a:schemeClr val="accent1"/>
+          </a:effectRef>
+          <a:fontRef idx="minor">
+            <a:schemeClr val="lt1"/>
+          </a:fontRef>
+        </p:style>
+        <p:txBody>
+          <a:bodyPr rtlCol="0" anchor="ctr"/>
+          <a:lstStyle/>
+          <a:p>
+            <a:pPr algn="ctr"/>
+            <a:r>
+              <a:rPr kumimoji="1" lang="en-US" altLang="ja-JP" sz="1100" dirty="0">
+                <a:solidFill>
+                  <a:schemeClr val="tx1"/>
+                </a:solidFill>
+              </a:rPr>
+              <a:t>chunk 1</a:t>
+            </a:r>
+            <a:endParaRPr kumimoji="1" lang="ja-JP" altLang="en-US" sz="1100">
+              <a:solidFill>
+                <a:schemeClr val="tx1"/>
+              </a:solidFill>
+            </a:endParaRPr>
+          </a:p>
+        </p:txBody>
+      </p:sp>
+      <p:sp>
+        <p:nvSpPr>
+          <p:cNvPr id="33" name="正方形/長方形 32">
+            <a:extLst>
+              <a:ext uri="{FF2B5EF4-FFF2-40B4-BE49-F238E27FC236}">
+                <a16:creationId xmlns:a16="http://schemas.microsoft.com/office/drawing/2014/main" id="{245598AB-87A3-79C5-A956-EBDBA0E3BB61}"/>
+              </a:ext>
+            </a:extLst>
+          </p:cNvPr>
+          <p:cNvSpPr/>
+          <p:nvPr/>
+        </p:nvSpPr>
+        <p:spPr>
+          <a:xfrm>
+            <a:off x="6069922" y="4332906"/>
+            <a:ext cx="721135" cy="377490"/>
+          </a:xfrm>
+          <a:prstGeom prst="rect">
+            <a:avLst/>
+          </a:prstGeom>
+          <a:solidFill>
+            <a:srgbClr val="FFC000"/>
+          </a:solidFill>
+        </p:spPr>
+        <p:style>
+          <a:lnRef idx="2">
+            <a:schemeClr val="accent1">
+              <a:shade val="15000"/>
+            </a:schemeClr>
+          </a:lnRef>
+          <a:fillRef idx="1">
+            <a:schemeClr val="accent1"/>
+          </a:fillRef>
+          <a:effectRef idx="0">
+            <a:schemeClr val="accent1"/>
+          </a:effectRef>
+          <a:fontRef idx="minor">
+            <a:schemeClr val="lt1"/>
+          </a:fontRef>
+        </p:style>
+        <p:txBody>
+          <a:bodyPr rtlCol="0" anchor="ctr"/>
+          <a:lstStyle/>
+          <a:p>
+            <a:pPr algn="ctr"/>
+            <a:r>
+              <a:rPr kumimoji="1" lang="en-US" altLang="ja-JP" sz="1100" dirty="0">
+                <a:solidFill>
+                  <a:schemeClr val="tx1"/>
+                </a:solidFill>
+              </a:rPr>
+              <a:t>chunk 2</a:t>
+            </a:r>
+            <a:endParaRPr kumimoji="1" lang="ja-JP" altLang="en-US" sz="1100">
+              <a:solidFill>
+                <a:schemeClr val="tx1"/>
+              </a:solidFill>
+            </a:endParaRPr>
+          </a:p>
+        </p:txBody>
+      </p:sp>
+      <p:sp>
+        <p:nvSpPr>
+          <p:cNvPr id="34" name="テキスト ボックス 33">
+            <a:extLst>
+              <a:ext uri="{FF2B5EF4-FFF2-40B4-BE49-F238E27FC236}">
+                <a16:creationId xmlns:a16="http://schemas.microsoft.com/office/drawing/2014/main" id="{EB5DC172-6CD3-D4AD-D8D7-1431FD486946}"/>
+              </a:ext>
+            </a:extLst>
+          </p:cNvPr>
+          <p:cNvSpPr txBox="1"/>
+          <p:nvPr/>
+        </p:nvSpPr>
+        <p:spPr>
+          <a:xfrm>
+            <a:off x="6726294" y="4341066"/>
+            <a:ext cx="923365" cy="369332"/>
+          </a:xfrm>
+          <a:prstGeom prst="rect">
+            <a:avLst/>
+          </a:prstGeom>
+          <a:noFill/>
+        </p:spPr>
+        <p:txBody>
+          <a:bodyPr wrap="square" rtlCol="0">
+            <a:spAutoFit/>
+          </a:bodyPr>
+          <a:lstStyle/>
+          <a:p>
+            <a:r>
+              <a:rPr lang="ja-JP" altLang="en-US"/>
+              <a:t>・・・</a:t>
+            </a:r>
+            <a:endParaRPr kumimoji="1" lang="ja-JP" altLang="en-US"/>
+          </a:p>
+        </p:txBody>
+      </p:sp>
+      <p:sp>
+        <p:nvSpPr>
+          <p:cNvPr id="35" name="正方形/長方形 34">
+            <a:extLst>
+              <a:ext uri="{FF2B5EF4-FFF2-40B4-BE49-F238E27FC236}">
+                <a16:creationId xmlns:a16="http://schemas.microsoft.com/office/drawing/2014/main" id="{D66A05B0-8F7A-8E44-4CB7-9F172912F051}"/>
+              </a:ext>
+            </a:extLst>
+          </p:cNvPr>
+          <p:cNvSpPr/>
+          <p:nvPr/>
+        </p:nvSpPr>
+        <p:spPr>
+          <a:xfrm>
+            <a:off x="7532755" y="4324746"/>
+            <a:ext cx="923366" cy="385650"/>
+          </a:xfrm>
+          <a:prstGeom prst="rect">
+            <a:avLst/>
+          </a:prstGeom>
+          <a:solidFill>
+            <a:srgbClr val="FFC000"/>
+          </a:solidFill>
+        </p:spPr>
+        <p:style>
+          <a:lnRef idx="2">
+            <a:schemeClr val="accent1">
+              <a:shade val="15000"/>
+            </a:schemeClr>
+          </a:lnRef>
+          <a:fillRef idx="1">
+            <a:schemeClr val="accent1"/>
+          </a:fillRef>
+          <a:effectRef idx="0">
+            <a:schemeClr val="accent1"/>
+          </a:effectRef>
+          <a:fontRef idx="minor">
+            <a:schemeClr val="lt1"/>
+          </a:fontRef>
+        </p:style>
+        <p:txBody>
+          <a:bodyPr rtlCol="0" anchor="ctr"/>
+          <a:lstStyle/>
+          <a:p>
+            <a:pPr algn="ctr"/>
+            <a:r>
+              <a:rPr kumimoji="1" lang="en-US" altLang="ja-JP" sz="1100" dirty="0">
+                <a:solidFill>
+                  <a:schemeClr val="tx1"/>
+                </a:solidFill>
+              </a:rPr>
+              <a:t>chunk 128</a:t>
+            </a:r>
+            <a:endParaRPr kumimoji="1" lang="ja-JP" altLang="en-US" sz="1100">
+              <a:solidFill>
+                <a:schemeClr val="tx1"/>
+              </a:solidFill>
+            </a:endParaRPr>
+          </a:p>
+        </p:txBody>
+      </p:sp>
+      <p:sp>
+        <p:nvSpPr>
+          <p:cNvPr id="36" name="テキスト ボックス 35">
+            <a:extLst>
+              <a:ext uri="{FF2B5EF4-FFF2-40B4-BE49-F238E27FC236}">
+                <a16:creationId xmlns:a16="http://schemas.microsoft.com/office/drawing/2014/main" id="{28329417-7A1B-4EA5-6C9C-606975B54D55}"/>
+              </a:ext>
+            </a:extLst>
+          </p:cNvPr>
+          <p:cNvSpPr txBox="1"/>
+          <p:nvPr/>
+        </p:nvSpPr>
+        <p:spPr>
+          <a:xfrm>
+            <a:off x="1568906" y="832771"/>
+            <a:ext cx="2122210" cy="369332"/>
+          </a:xfrm>
+          <a:prstGeom prst="rect">
+            <a:avLst/>
+          </a:prstGeom>
+          <a:noFill/>
+        </p:spPr>
+        <p:txBody>
+          <a:bodyPr wrap="square" rtlCol="0">
+            <a:spAutoFit/>
+          </a:bodyPr>
+          <a:lstStyle/>
+          <a:p>
+            <a:r>
+              <a:rPr lang="en-US" altLang="ja-JP" dirty="0"/>
+              <a:t>Memory Layout</a:t>
+            </a:r>
+            <a:endParaRPr kumimoji="1" lang="en-US" altLang="ja-JP" dirty="0"/>
+          </a:p>
+        </p:txBody>
+      </p:sp>
+      <p:sp>
+        <p:nvSpPr>
+          <p:cNvPr id="37" name="正方形/長方形 36">
+            <a:extLst>
+              <a:ext uri="{FF2B5EF4-FFF2-40B4-BE49-F238E27FC236}">
+                <a16:creationId xmlns:a16="http://schemas.microsoft.com/office/drawing/2014/main" id="{7C3B1973-E34E-DB96-38C6-350076611CC2}"/>
+              </a:ext>
+            </a:extLst>
+          </p:cNvPr>
+          <p:cNvSpPr/>
+          <p:nvPr/>
+        </p:nvSpPr>
+        <p:spPr>
+          <a:xfrm>
+            <a:off x="4208724" y="4341068"/>
+            <a:ext cx="806462" cy="353010"/>
+          </a:xfrm>
+          <a:prstGeom prst="rect">
+            <a:avLst/>
+          </a:prstGeom>
+          <a:solidFill>
+            <a:schemeClr val="accent1">
+              <a:lumMod val="60000"/>
+              <a:lumOff val="40000"/>
+            </a:schemeClr>
+          </a:solidFill>
+        </p:spPr>
+        <p:style>
+          <a:lnRef idx="2">
+            <a:schemeClr val="accent1">
+              <a:shade val="15000"/>
+            </a:schemeClr>
+          </a:lnRef>
+          <a:fillRef idx="1">
+            <a:schemeClr val="accent1"/>
+          </a:fillRef>
+          <a:effectRef idx="0">
+            <a:schemeClr val="accent1"/>
+          </a:effectRef>
+          <a:fontRef idx="minor">
+            <a:schemeClr val="lt1"/>
+          </a:fontRef>
+        </p:style>
+        <p:txBody>
+          <a:bodyPr rtlCol="0" anchor="ctr"/>
+          <a:lstStyle/>
+          <a:p>
+            <a:pPr algn="ctr"/>
+            <a:r>
+              <a:rPr kumimoji="1" lang="en-US" altLang="ja-JP" sz="1100" dirty="0">
+                <a:solidFill>
+                  <a:schemeClr val="tx1"/>
+                </a:solidFill>
+              </a:rPr>
+              <a:t>Dataset </a:t>
+            </a:r>
+            <a:br>
+              <a:rPr kumimoji="1" lang="en-US" altLang="ja-JP" sz="1100" dirty="0">
+                <a:solidFill>
+                  <a:schemeClr val="tx1"/>
+                </a:solidFill>
+              </a:rPr>
+            </a:br>
+            <a:r>
+              <a:rPr kumimoji="1" lang="en-US" altLang="ja-JP" sz="1100" dirty="0" err="1">
+                <a:solidFill>
+                  <a:schemeClr val="tx1"/>
+                </a:solidFill>
+              </a:rPr>
+              <a:t>heaer</a:t>
+            </a:r>
+            <a:endParaRPr kumimoji="1" lang="ja-JP" altLang="en-US" sz="1100">
+              <a:solidFill>
+                <a:schemeClr val="tx1"/>
+              </a:solidFill>
+            </a:endParaRPr>
+          </a:p>
+        </p:txBody>
+      </p:sp>
+    </p:spTree>
+    <p:extLst>
+      <p:ext uri="{BB962C8B-B14F-4D97-AF65-F5344CB8AC3E}">
+        <p14:creationId xmlns:p14="http://schemas.microsoft.com/office/powerpoint/2010/main" val="2313729494"/>
+      </p:ext>
+    </p:extLst>
+  </p:cSld>
+  <p:clrMapOvr>
+    <a:masterClrMapping/>
+  </p:clrMapOvr>
+</p:sld>
+</file>
+
+<file path=ppt/slides/slide19.xml><?xml version="1.0" encoding="utf-8"?>
+<p:sld xmlns:a="http://schemas.openxmlformats.org/drawingml/2006/main" xmlns:r="http://schemas.openxmlformats.org/officeDocument/2006/relationships" xmlns:p="http://schemas.openxmlformats.org/presentationml/2006/main">
+  <p:cSld>
+    <p:spTree>
+      <p:nvGrpSpPr>
+        <p:cNvPr id="1" name="">
+          <a:extLst>
+            <a:ext uri="{FF2B5EF4-FFF2-40B4-BE49-F238E27FC236}">
+              <a16:creationId xmlns:a16="http://schemas.microsoft.com/office/drawing/2014/main" id="{9C35F63A-2B15-3A6D-9B14-66760F4EDDCB}"/>
+            </a:ext>
+          </a:extLst>
+        </p:cNvPr>
+        <p:cNvGrpSpPr/>
+        <p:nvPr/>
+      </p:nvGrpSpPr>
+      <p:grpSpPr>
+        <a:xfrm>
+          <a:off x="0" y="0"/>
+          <a:ext cx="0" cy="0"/>
+          <a:chOff x="0" y="0"/>
+          <a:chExt cx="0" cy="0"/>
+        </a:xfrm>
+      </p:grpSpPr>
+      <p:sp>
+        <p:nvSpPr>
+          <p:cNvPr id="14" name="正方形/長方形 13">
+            <a:extLst>
+              <a:ext uri="{FF2B5EF4-FFF2-40B4-BE49-F238E27FC236}">
+                <a16:creationId xmlns:a16="http://schemas.microsoft.com/office/drawing/2014/main" id="{4CFAADFC-3C9A-E992-BA82-9FF50EB8B2E1}"/>
+              </a:ext>
+            </a:extLst>
+          </p:cNvPr>
+          <p:cNvSpPr/>
+          <p:nvPr/>
+        </p:nvSpPr>
+        <p:spPr>
+          <a:xfrm>
+            <a:off x="4031788" y="1298684"/>
+            <a:ext cx="2411505" cy="156256"/>
+          </a:xfrm>
+          <a:prstGeom prst="rect">
+            <a:avLst/>
+          </a:prstGeom>
+          <a:solidFill>
+            <a:srgbClr val="FFC000"/>
+          </a:solidFill>
+        </p:spPr>
+        <p:style>
+          <a:lnRef idx="2">
+            <a:schemeClr val="accent1">
+              <a:shade val="15000"/>
+            </a:schemeClr>
+          </a:lnRef>
+          <a:fillRef idx="1">
+            <a:schemeClr val="accent1"/>
+          </a:fillRef>
+          <a:effectRef idx="0">
+            <a:schemeClr val="accent1"/>
+          </a:effectRef>
+          <a:fontRef idx="minor">
+            <a:schemeClr val="lt1"/>
+          </a:fontRef>
+        </p:style>
+        <p:txBody>
+          <a:bodyPr rtlCol="0" anchor="ctr"/>
+          <a:lstStyle/>
+          <a:p>
+            <a:pPr algn="ctr"/>
+            <a:r>
+              <a:rPr kumimoji="1" lang="en-US" altLang="ja-JP" sz="1100" dirty="0">
+                <a:solidFill>
+                  <a:schemeClr val="tx1"/>
+                </a:solidFill>
+              </a:rPr>
+              <a:t>chunk </a:t>
+            </a:r>
+            <a:r>
+              <a:rPr lang="en-US" altLang="ja-JP" sz="1100" dirty="0">
+                <a:solidFill>
+                  <a:schemeClr val="tx1"/>
+                </a:solidFill>
+              </a:rPr>
+              <a:t>65</a:t>
+            </a:r>
+            <a:endParaRPr kumimoji="1" lang="ja-JP" altLang="en-US" sz="1100">
+              <a:solidFill>
+                <a:schemeClr val="tx1"/>
+              </a:solidFill>
+            </a:endParaRPr>
+          </a:p>
+        </p:txBody>
+      </p:sp>
+      <p:sp>
+        <p:nvSpPr>
+          <p:cNvPr id="19" name="テキスト ボックス 18">
+            <a:extLst>
+              <a:ext uri="{FF2B5EF4-FFF2-40B4-BE49-F238E27FC236}">
+                <a16:creationId xmlns:a16="http://schemas.microsoft.com/office/drawing/2014/main" id="{207655BC-841C-E34D-ED83-5433459DE7A1}"/>
+              </a:ext>
+            </a:extLst>
+          </p:cNvPr>
+          <p:cNvSpPr txBox="1"/>
+          <p:nvPr/>
+        </p:nvSpPr>
+        <p:spPr>
+          <a:xfrm>
+            <a:off x="6573894" y="4188666"/>
+            <a:ext cx="923365" cy="369332"/>
+          </a:xfrm>
+          <a:prstGeom prst="rect">
+            <a:avLst/>
+          </a:prstGeom>
+          <a:noFill/>
+        </p:spPr>
+        <p:txBody>
+          <a:bodyPr wrap="square" rtlCol="0">
+            <a:spAutoFit/>
+          </a:bodyPr>
+          <a:lstStyle/>
+          <a:p>
+            <a:r>
+              <a:rPr lang="ja-JP" altLang="en-US"/>
+              <a:t>・・・</a:t>
+            </a:r>
+            <a:endParaRPr kumimoji="1" lang="ja-JP" altLang="en-US"/>
+          </a:p>
+        </p:txBody>
+      </p:sp>
+      <p:sp>
+        <p:nvSpPr>
+          <p:cNvPr id="3" name="正方形/長方形 2">
+            <a:extLst>
+              <a:ext uri="{FF2B5EF4-FFF2-40B4-BE49-F238E27FC236}">
+                <a16:creationId xmlns:a16="http://schemas.microsoft.com/office/drawing/2014/main" id="{3AF84893-D982-D141-D4F7-1BE0B0F2DDC9}"/>
+              </a:ext>
+            </a:extLst>
+          </p:cNvPr>
+          <p:cNvSpPr/>
+          <p:nvPr/>
+        </p:nvSpPr>
+        <p:spPr>
+          <a:xfrm>
+            <a:off x="1772684" y="1296219"/>
+            <a:ext cx="2411506" cy="2088420"/>
+          </a:xfrm>
+          <a:prstGeom prst="rect">
+            <a:avLst/>
+          </a:prstGeom>
+          <a:solidFill>
+            <a:schemeClr val="accent1">
+              <a:lumMod val="20000"/>
+              <a:lumOff val="80000"/>
+            </a:schemeClr>
+          </a:solidFill>
+        </p:spPr>
+        <p:style>
+          <a:lnRef idx="2">
+            <a:schemeClr val="accent5"/>
+          </a:lnRef>
+          <a:fillRef idx="1">
+            <a:schemeClr val="lt1"/>
+          </a:fillRef>
+          <a:effectRef idx="0">
+            <a:schemeClr val="accent5"/>
+          </a:effectRef>
+          <a:fontRef idx="minor">
+            <a:schemeClr val="dk1"/>
+          </a:fontRef>
+        </p:style>
+        <p:txBody>
+          <a:bodyPr rtlCol="0" anchor="ctr"/>
+          <a:lstStyle/>
+          <a:p>
+            <a:pPr algn="ctr"/>
+            <a:r>
+              <a:rPr lang="en-US" altLang="ja-JP" sz="2400" dirty="0"/>
+              <a:t>rank 0</a:t>
+            </a:r>
+            <a:endParaRPr kumimoji="1" lang="ja-JP" altLang="en-US" sz="2400" dirty="0"/>
+          </a:p>
+        </p:txBody>
+      </p:sp>
+      <p:sp>
+        <p:nvSpPr>
+          <p:cNvPr id="5" name="正方形/長方形 4">
+            <a:extLst>
+              <a:ext uri="{FF2B5EF4-FFF2-40B4-BE49-F238E27FC236}">
+                <a16:creationId xmlns:a16="http://schemas.microsoft.com/office/drawing/2014/main" id="{3EF67C10-B86F-208D-2533-047AEC2A8A7A}"/>
+              </a:ext>
+            </a:extLst>
+          </p:cNvPr>
+          <p:cNvSpPr/>
+          <p:nvPr/>
+        </p:nvSpPr>
+        <p:spPr>
+          <a:xfrm>
+            <a:off x="4184190" y="1296219"/>
+            <a:ext cx="2411506" cy="2088420"/>
+          </a:xfrm>
+          <a:prstGeom prst="rect">
+            <a:avLst/>
+          </a:prstGeom>
+          <a:solidFill>
+            <a:schemeClr val="accent2">
+              <a:lumMod val="20000"/>
+              <a:lumOff val="80000"/>
+            </a:schemeClr>
+          </a:solidFill>
+        </p:spPr>
+        <p:style>
+          <a:lnRef idx="2">
+            <a:schemeClr val="accent5"/>
+          </a:lnRef>
+          <a:fillRef idx="1">
+            <a:schemeClr val="lt1"/>
+          </a:fillRef>
+          <a:effectRef idx="0">
+            <a:schemeClr val="accent5"/>
+          </a:effectRef>
+          <a:fontRef idx="minor">
+            <a:schemeClr val="dk1"/>
+          </a:fontRef>
+        </p:style>
+        <p:txBody>
+          <a:bodyPr rtlCol="0" anchor="ctr"/>
+          <a:lstStyle/>
+          <a:p>
+            <a:pPr algn="ctr"/>
+            <a:r>
+              <a:rPr lang="en-US" altLang="ja-JP" sz="2400" dirty="0"/>
+              <a:t>rank 1</a:t>
+            </a:r>
+            <a:endParaRPr kumimoji="1" lang="ja-JP" altLang="en-US" sz="2400" dirty="0"/>
+          </a:p>
+        </p:txBody>
+      </p:sp>
+      <p:sp>
+        <p:nvSpPr>
+          <p:cNvPr id="8" name="正方形/長方形 7">
+            <a:extLst>
+              <a:ext uri="{FF2B5EF4-FFF2-40B4-BE49-F238E27FC236}">
+                <a16:creationId xmlns:a16="http://schemas.microsoft.com/office/drawing/2014/main" id="{F7D9B43F-D04C-8DD8-C60C-60E697C970D5}"/>
+              </a:ext>
+            </a:extLst>
+          </p:cNvPr>
+          <p:cNvSpPr/>
+          <p:nvPr/>
+        </p:nvSpPr>
+        <p:spPr>
+          <a:xfrm>
+            <a:off x="7869088" y="1296219"/>
+            <a:ext cx="2411506" cy="2088420"/>
+          </a:xfrm>
+          <a:prstGeom prst="rect">
+            <a:avLst/>
+          </a:prstGeom>
+          <a:solidFill>
+            <a:schemeClr val="accent4">
+              <a:lumMod val="20000"/>
+              <a:lumOff val="80000"/>
+            </a:schemeClr>
+          </a:solidFill>
+        </p:spPr>
+        <p:style>
+          <a:lnRef idx="2">
+            <a:schemeClr val="accent5"/>
+          </a:lnRef>
+          <a:fillRef idx="1">
+            <a:schemeClr val="lt1"/>
+          </a:fillRef>
+          <a:effectRef idx="0">
+            <a:schemeClr val="accent5"/>
+          </a:effectRef>
+          <a:fontRef idx="minor">
+            <a:schemeClr val="dk1"/>
+          </a:fontRef>
+        </p:style>
+        <p:txBody>
+          <a:bodyPr rtlCol="0" anchor="ctr"/>
+          <a:lstStyle/>
+          <a:p>
+            <a:pPr algn="ctr"/>
+            <a:r>
+              <a:rPr lang="en-US" altLang="ja-JP" sz="2400" dirty="0"/>
+              <a:t>rank 63 </a:t>
+            </a:r>
+            <a:endParaRPr kumimoji="1" lang="ja-JP" altLang="en-US" sz="2400" dirty="0"/>
+          </a:p>
+        </p:txBody>
+      </p:sp>
+      <p:sp>
+        <p:nvSpPr>
+          <p:cNvPr id="9" name="正方形/長方形 8">
+            <a:extLst>
+              <a:ext uri="{FF2B5EF4-FFF2-40B4-BE49-F238E27FC236}">
+                <a16:creationId xmlns:a16="http://schemas.microsoft.com/office/drawing/2014/main" id="{3B7FD122-784A-36D0-5E94-3F9D8501F8C8}"/>
+              </a:ext>
+            </a:extLst>
+          </p:cNvPr>
+          <p:cNvSpPr/>
+          <p:nvPr/>
+        </p:nvSpPr>
+        <p:spPr>
+          <a:xfrm rot="16200000">
+            <a:off x="798667" y="2266379"/>
+            <a:ext cx="2096581" cy="156257"/>
+          </a:xfrm>
+          <a:prstGeom prst="rect">
+            <a:avLst/>
+          </a:prstGeom>
+          <a:solidFill>
+            <a:srgbClr val="FFC000"/>
+          </a:solidFill>
+        </p:spPr>
+        <p:style>
+          <a:lnRef idx="2">
+            <a:schemeClr val="accent1">
+              <a:shade val="15000"/>
+            </a:schemeClr>
+          </a:lnRef>
+          <a:fillRef idx="1">
+            <a:schemeClr val="accent1"/>
+          </a:fillRef>
+          <a:effectRef idx="0">
+            <a:schemeClr val="accent1"/>
+          </a:effectRef>
+          <a:fontRef idx="minor">
+            <a:schemeClr val="lt1"/>
+          </a:fontRef>
+        </p:style>
+        <p:txBody>
+          <a:bodyPr rtlCol="0" anchor="ctr"/>
+          <a:lstStyle/>
+          <a:p>
+            <a:pPr algn="ctr"/>
+            <a:r>
+              <a:rPr kumimoji="1" lang="en-US" altLang="ja-JP" sz="1100" dirty="0">
+                <a:solidFill>
+                  <a:schemeClr val="tx1"/>
+                </a:solidFill>
+              </a:rPr>
+              <a:t>chunk 0</a:t>
+            </a:r>
+            <a:endParaRPr kumimoji="1" lang="ja-JP" altLang="en-US" sz="1100">
+              <a:solidFill>
+                <a:schemeClr val="tx1"/>
+              </a:solidFill>
+            </a:endParaRPr>
+          </a:p>
+        </p:txBody>
+      </p:sp>
+      <p:sp>
+        <p:nvSpPr>
+          <p:cNvPr id="23" name="正方形/長方形 22">
+            <a:extLst>
+              <a:ext uri="{FF2B5EF4-FFF2-40B4-BE49-F238E27FC236}">
+                <a16:creationId xmlns:a16="http://schemas.microsoft.com/office/drawing/2014/main" id="{4DD627F4-2EE9-FDAC-8731-F250D7C3B610}"/>
+              </a:ext>
+            </a:extLst>
+          </p:cNvPr>
+          <p:cNvSpPr/>
+          <p:nvPr/>
+        </p:nvSpPr>
+        <p:spPr>
+          <a:xfrm rot="16200000">
+            <a:off x="962534" y="2266378"/>
+            <a:ext cx="2096581" cy="156258"/>
+          </a:xfrm>
+          <a:prstGeom prst="rect">
+            <a:avLst/>
+          </a:prstGeom>
+          <a:solidFill>
+            <a:srgbClr val="FFC000"/>
+          </a:solidFill>
+        </p:spPr>
+        <p:style>
+          <a:lnRef idx="2">
+            <a:schemeClr val="accent1">
+              <a:shade val="15000"/>
+            </a:schemeClr>
+          </a:lnRef>
+          <a:fillRef idx="1">
+            <a:schemeClr val="accent1"/>
+          </a:fillRef>
+          <a:effectRef idx="0">
+            <a:schemeClr val="accent1"/>
+          </a:effectRef>
+          <a:fontRef idx="minor">
+            <a:schemeClr val="lt1"/>
+          </a:fontRef>
+        </p:style>
+        <p:txBody>
+          <a:bodyPr rtlCol="0" anchor="ctr"/>
+          <a:lstStyle/>
+          <a:p>
+            <a:pPr algn="ctr"/>
+            <a:r>
+              <a:rPr kumimoji="1" lang="en-US" altLang="ja-JP" sz="1100" dirty="0">
+                <a:solidFill>
+                  <a:schemeClr val="tx1"/>
+                </a:solidFill>
+              </a:rPr>
+              <a:t>chunk </a:t>
+            </a:r>
+            <a:r>
+              <a:rPr lang="en-US" altLang="ja-JP" sz="1100" dirty="0">
+                <a:solidFill>
+                  <a:schemeClr val="tx1"/>
+                </a:solidFill>
+              </a:rPr>
+              <a:t>0</a:t>
+            </a:r>
+            <a:endParaRPr kumimoji="1" lang="ja-JP" altLang="en-US" sz="1100">
+              <a:solidFill>
+                <a:schemeClr val="tx1"/>
+              </a:solidFill>
+            </a:endParaRPr>
+          </a:p>
+        </p:txBody>
+      </p:sp>
+      <p:sp>
+        <p:nvSpPr>
+          <p:cNvPr id="26" name="正方形/長方形 25">
+            <a:extLst>
+              <a:ext uri="{FF2B5EF4-FFF2-40B4-BE49-F238E27FC236}">
+                <a16:creationId xmlns:a16="http://schemas.microsoft.com/office/drawing/2014/main" id="{17E1CFA8-1082-523E-19CF-051C7D0D0EC5}"/>
+              </a:ext>
+            </a:extLst>
+          </p:cNvPr>
+          <p:cNvSpPr/>
+          <p:nvPr/>
+        </p:nvSpPr>
+        <p:spPr>
+          <a:xfrm rot="16200000">
+            <a:off x="9157374" y="2256863"/>
+            <a:ext cx="2088423" cy="150819"/>
+          </a:xfrm>
+          <a:prstGeom prst="rect">
+            <a:avLst/>
+          </a:prstGeom>
+          <a:solidFill>
+            <a:srgbClr val="FFC000"/>
+          </a:solidFill>
+        </p:spPr>
+        <p:style>
+          <a:lnRef idx="2">
+            <a:schemeClr val="accent1">
+              <a:shade val="15000"/>
+            </a:schemeClr>
+          </a:lnRef>
+          <a:fillRef idx="1">
+            <a:schemeClr val="accent1"/>
+          </a:fillRef>
+          <a:effectRef idx="0">
+            <a:schemeClr val="accent1"/>
+          </a:effectRef>
+          <a:fontRef idx="minor">
+            <a:schemeClr val="lt1"/>
+          </a:fontRef>
+        </p:style>
+        <p:txBody>
+          <a:bodyPr rtlCol="0" anchor="ctr"/>
+          <a:lstStyle/>
+          <a:p>
+            <a:pPr algn="ctr"/>
+            <a:r>
+              <a:rPr kumimoji="1" lang="en-US" altLang="ja-JP" sz="1100" dirty="0">
+                <a:solidFill>
+                  <a:schemeClr val="tx1"/>
+                </a:solidFill>
+              </a:rPr>
+              <a:t>chunk </a:t>
+            </a:r>
+            <a:r>
+              <a:rPr lang="en-US" altLang="ja-JP" sz="1100" dirty="0">
+                <a:solidFill>
+                  <a:schemeClr val="tx1"/>
+                </a:solidFill>
+              </a:rPr>
+              <a:t>63</a:t>
+            </a:r>
+            <a:endParaRPr kumimoji="1" lang="ja-JP" altLang="en-US" sz="1100">
+              <a:solidFill>
+                <a:schemeClr val="tx1"/>
+              </a:solidFill>
+            </a:endParaRPr>
+          </a:p>
+        </p:txBody>
+      </p:sp>
+      <p:sp>
+        <p:nvSpPr>
+          <p:cNvPr id="27" name="正方形/長方形 26">
+            <a:extLst>
+              <a:ext uri="{FF2B5EF4-FFF2-40B4-BE49-F238E27FC236}">
+                <a16:creationId xmlns:a16="http://schemas.microsoft.com/office/drawing/2014/main" id="{D388E8BA-9D7B-6B68-B1B8-6B7BECDC6AD3}"/>
+              </a:ext>
+            </a:extLst>
+          </p:cNvPr>
+          <p:cNvSpPr/>
+          <p:nvPr/>
+        </p:nvSpPr>
+        <p:spPr>
+          <a:xfrm>
+            <a:off x="1772682" y="4332906"/>
+            <a:ext cx="8283737" cy="369332"/>
+          </a:xfrm>
+          <a:prstGeom prst="rect">
+            <a:avLst/>
+          </a:prstGeom>
+          <a:solidFill>
+            <a:schemeClr val="accent1">
+              <a:lumMod val="20000"/>
+              <a:lumOff val="80000"/>
+            </a:schemeClr>
+          </a:solidFill>
+        </p:spPr>
+        <p:style>
+          <a:lnRef idx="2">
+            <a:schemeClr val="accent5"/>
+          </a:lnRef>
+          <a:fillRef idx="1">
+            <a:schemeClr val="lt1"/>
+          </a:fillRef>
+          <a:effectRef idx="0">
+            <a:schemeClr val="accent5"/>
+          </a:effectRef>
+          <a:fontRef idx="minor">
+            <a:schemeClr val="dk1"/>
+          </a:fontRef>
+        </p:style>
+        <p:txBody>
+          <a:bodyPr rtlCol="0" anchor="ctr"/>
+          <a:lstStyle/>
+          <a:p>
+            <a:pPr algn="ctr"/>
+            <a:endParaRPr kumimoji="1" lang="ja-JP" altLang="en-US" sz="2400" dirty="0"/>
+          </a:p>
+        </p:txBody>
+      </p:sp>
+      <p:sp>
+        <p:nvSpPr>
+          <p:cNvPr id="28" name="正方形/長方形 27">
+            <a:extLst>
+              <a:ext uri="{FF2B5EF4-FFF2-40B4-BE49-F238E27FC236}">
+                <a16:creationId xmlns:a16="http://schemas.microsoft.com/office/drawing/2014/main" id="{C8AA4F47-2D4A-4C43-C657-F4ED5E4BD9E2}"/>
+              </a:ext>
+            </a:extLst>
+          </p:cNvPr>
+          <p:cNvSpPr/>
+          <p:nvPr/>
+        </p:nvSpPr>
+        <p:spPr>
+          <a:xfrm rot="16200000">
+            <a:off x="3372133" y="2268325"/>
+            <a:ext cx="2096582" cy="152364"/>
+          </a:xfrm>
+          <a:prstGeom prst="rect">
+            <a:avLst/>
+          </a:prstGeom>
+          <a:solidFill>
+            <a:srgbClr val="FFC000"/>
+          </a:solidFill>
+        </p:spPr>
+        <p:style>
+          <a:lnRef idx="2">
+            <a:schemeClr val="accent1">
+              <a:shade val="15000"/>
+            </a:schemeClr>
+          </a:lnRef>
+          <a:fillRef idx="1">
+            <a:schemeClr val="accent1"/>
+          </a:fillRef>
+          <a:effectRef idx="0">
+            <a:schemeClr val="accent1"/>
+          </a:effectRef>
+          <a:fontRef idx="minor">
+            <a:schemeClr val="lt1"/>
+          </a:fontRef>
+        </p:style>
+        <p:txBody>
+          <a:bodyPr rtlCol="0" anchor="ctr"/>
+          <a:lstStyle/>
+          <a:p>
+            <a:pPr algn="ctr"/>
+            <a:r>
+              <a:rPr kumimoji="1" lang="en-US" altLang="ja-JP" sz="1100" dirty="0">
+                <a:solidFill>
+                  <a:schemeClr val="tx1"/>
+                </a:solidFill>
+              </a:rPr>
+              <a:t>chunk </a:t>
+            </a:r>
+            <a:r>
+              <a:rPr lang="en-US" altLang="ja-JP" sz="1100" dirty="0">
+                <a:solidFill>
+                  <a:schemeClr val="tx1"/>
+                </a:solidFill>
+              </a:rPr>
+              <a:t>1</a:t>
+            </a:r>
+            <a:endParaRPr kumimoji="1" lang="ja-JP" altLang="en-US" sz="1100">
+              <a:solidFill>
+                <a:schemeClr val="tx1"/>
+              </a:solidFill>
+            </a:endParaRPr>
+          </a:p>
+        </p:txBody>
+      </p:sp>
+      <p:sp>
+        <p:nvSpPr>
+          <p:cNvPr id="29" name="正方形/長方形 28">
+            <a:extLst>
+              <a:ext uri="{FF2B5EF4-FFF2-40B4-BE49-F238E27FC236}">
+                <a16:creationId xmlns:a16="http://schemas.microsoft.com/office/drawing/2014/main" id="{3F3165A6-8B8A-22FA-B2DC-1C5B71CBC17B}"/>
+              </a:ext>
+            </a:extLst>
+          </p:cNvPr>
+          <p:cNvSpPr/>
+          <p:nvPr/>
+        </p:nvSpPr>
+        <p:spPr>
+          <a:xfrm rot="16200000">
+            <a:off x="3220436" y="2269032"/>
+            <a:ext cx="2091274" cy="156258"/>
+          </a:xfrm>
+          <a:prstGeom prst="rect">
+            <a:avLst/>
+          </a:prstGeom>
+          <a:solidFill>
+            <a:srgbClr val="FFC000"/>
+          </a:solidFill>
+        </p:spPr>
+        <p:style>
+          <a:lnRef idx="2">
+            <a:schemeClr val="accent1">
+              <a:shade val="15000"/>
+            </a:schemeClr>
+          </a:lnRef>
+          <a:fillRef idx="1">
+            <a:schemeClr val="accent1"/>
+          </a:fillRef>
+          <a:effectRef idx="0">
+            <a:schemeClr val="accent1"/>
+          </a:effectRef>
+          <a:fontRef idx="minor">
+            <a:schemeClr val="lt1"/>
+          </a:fontRef>
+        </p:style>
+        <p:txBody>
+          <a:bodyPr rtlCol="0" anchor="ctr"/>
+          <a:lstStyle/>
+          <a:p>
+            <a:pPr algn="ctr"/>
+            <a:r>
+              <a:rPr kumimoji="1" lang="en-US" altLang="ja-JP" sz="1100" dirty="0">
+                <a:solidFill>
+                  <a:schemeClr val="tx1"/>
+                </a:solidFill>
+              </a:rPr>
+              <a:t>chunk 1</a:t>
+            </a:r>
+            <a:endParaRPr kumimoji="1" lang="ja-JP" altLang="en-US" sz="1100">
+              <a:solidFill>
+                <a:schemeClr val="tx1"/>
+              </a:solidFill>
+            </a:endParaRPr>
+          </a:p>
+        </p:txBody>
+      </p:sp>
+      <p:sp>
+        <p:nvSpPr>
+          <p:cNvPr id="30" name="正方形/長方形 29">
+            <a:extLst>
+              <a:ext uri="{FF2B5EF4-FFF2-40B4-BE49-F238E27FC236}">
+                <a16:creationId xmlns:a16="http://schemas.microsoft.com/office/drawing/2014/main" id="{E22B889D-317B-1C71-C300-96DABBF9D9B4}"/>
+              </a:ext>
+            </a:extLst>
+          </p:cNvPr>
+          <p:cNvSpPr/>
+          <p:nvPr/>
+        </p:nvSpPr>
+        <p:spPr>
+          <a:xfrm rot="16200000">
+            <a:off x="6904240" y="2271691"/>
+            <a:ext cx="2085954" cy="156258"/>
+          </a:xfrm>
+          <a:prstGeom prst="rect">
+            <a:avLst/>
+          </a:prstGeom>
+          <a:solidFill>
+            <a:srgbClr val="FFC000"/>
+          </a:solidFill>
+        </p:spPr>
+        <p:style>
+          <a:lnRef idx="2">
+            <a:schemeClr val="accent1">
+              <a:shade val="15000"/>
+            </a:schemeClr>
+          </a:lnRef>
+          <a:fillRef idx="1">
+            <a:schemeClr val="accent1"/>
+          </a:fillRef>
+          <a:effectRef idx="0">
+            <a:schemeClr val="accent1"/>
+          </a:effectRef>
+          <a:fontRef idx="minor">
+            <a:schemeClr val="lt1"/>
+          </a:fontRef>
+        </p:style>
+        <p:txBody>
+          <a:bodyPr rtlCol="0" anchor="ctr"/>
+          <a:lstStyle/>
+          <a:p>
+            <a:pPr algn="ctr"/>
+            <a:r>
+              <a:rPr kumimoji="1" lang="en-US" altLang="ja-JP" sz="1100" dirty="0">
+                <a:solidFill>
+                  <a:schemeClr val="tx1"/>
+                </a:solidFill>
+              </a:rPr>
+              <a:t>chunk </a:t>
+            </a:r>
+            <a:r>
+              <a:rPr lang="en-US" altLang="ja-JP" sz="1100" dirty="0">
+                <a:solidFill>
+                  <a:schemeClr val="tx1"/>
+                </a:solidFill>
+              </a:rPr>
+              <a:t>63</a:t>
+            </a:r>
+            <a:endParaRPr kumimoji="1" lang="ja-JP" altLang="en-US" sz="1100">
+              <a:solidFill>
+                <a:schemeClr val="tx1"/>
+              </a:solidFill>
+            </a:endParaRPr>
+          </a:p>
+        </p:txBody>
+      </p:sp>
+      <p:sp>
+        <p:nvSpPr>
+          <p:cNvPr id="31" name="テキスト ボックス 30">
+            <a:extLst>
+              <a:ext uri="{FF2B5EF4-FFF2-40B4-BE49-F238E27FC236}">
+                <a16:creationId xmlns:a16="http://schemas.microsoft.com/office/drawing/2014/main" id="{44454AF0-A5CD-3855-F421-8B600EC68BB7}"/>
+              </a:ext>
+            </a:extLst>
+          </p:cNvPr>
+          <p:cNvSpPr txBox="1"/>
+          <p:nvPr/>
+        </p:nvSpPr>
+        <p:spPr>
+          <a:xfrm>
+            <a:off x="1568906" y="3918384"/>
+            <a:ext cx="1409529" cy="369332"/>
+          </a:xfrm>
+          <a:prstGeom prst="rect">
+            <a:avLst/>
+          </a:prstGeom>
+          <a:noFill/>
+        </p:spPr>
+        <p:txBody>
+          <a:bodyPr wrap="square" rtlCol="0">
+            <a:spAutoFit/>
+          </a:bodyPr>
+          <a:lstStyle/>
+          <a:p>
+            <a:pPr algn="ctr"/>
+            <a:r>
+              <a:rPr lang="en-US" altLang="ja-JP" dirty="0"/>
+              <a:t>File Layout</a:t>
+            </a:r>
+            <a:endParaRPr kumimoji="1" lang="en-US" altLang="ja-JP" dirty="0"/>
+          </a:p>
+        </p:txBody>
+      </p:sp>
+      <p:sp>
+        <p:nvSpPr>
+          <p:cNvPr id="32" name="正方形/長方形 31">
+            <a:extLst>
+              <a:ext uri="{FF2B5EF4-FFF2-40B4-BE49-F238E27FC236}">
+                <a16:creationId xmlns:a16="http://schemas.microsoft.com/office/drawing/2014/main" id="{4D96EE00-B9DB-AD98-3BE2-4418952C76D9}"/>
+              </a:ext>
+            </a:extLst>
+          </p:cNvPr>
+          <p:cNvSpPr/>
+          <p:nvPr/>
+        </p:nvSpPr>
+        <p:spPr>
+          <a:xfrm>
+            <a:off x="5345177" y="4332908"/>
+            <a:ext cx="721135" cy="377490"/>
+          </a:xfrm>
+          <a:prstGeom prst="rect">
+            <a:avLst/>
+          </a:prstGeom>
+          <a:solidFill>
+            <a:srgbClr val="FFC000"/>
+          </a:solidFill>
+        </p:spPr>
+        <p:style>
+          <a:lnRef idx="2">
+            <a:schemeClr val="accent1">
+              <a:shade val="15000"/>
+            </a:schemeClr>
+          </a:lnRef>
+          <a:fillRef idx="1">
+            <a:schemeClr val="accent1"/>
+          </a:fillRef>
+          <a:effectRef idx="0">
+            <a:schemeClr val="accent1"/>
+          </a:effectRef>
+          <a:fontRef idx="minor">
+            <a:schemeClr val="lt1"/>
+          </a:fontRef>
+        </p:style>
+        <p:txBody>
+          <a:bodyPr rtlCol="0" anchor="ctr"/>
+          <a:lstStyle/>
+          <a:p>
+            <a:pPr algn="ctr"/>
+            <a:r>
+              <a:rPr kumimoji="1" lang="en-US" altLang="ja-JP" sz="1100" dirty="0">
+                <a:solidFill>
+                  <a:schemeClr val="tx1"/>
+                </a:solidFill>
+              </a:rPr>
+              <a:t>chunk 1</a:t>
+            </a:r>
+            <a:endParaRPr kumimoji="1" lang="ja-JP" altLang="en-US" sz="1100">
+              <a:solidFill>
+                <a:schemeClr val="tx1"/>
+              </a:solidFill>
+            </a:endParaRPr>
+          </a:p>
+        </p:txBody>
+      </p:sp>
+      <p:sp>
+        <p:nvSpPr>
+          <p:cNvPr id="33" name="正方形/長方形 32">
+            <a:extLst>
+              <a:ext uri="{FF2B5EF4-FFF2-40B4-BE49-F238E27FC236}">
+                <a16:creationId xmlns:a16="http://schemas.microsoft.com/office/drawing/2014/main" id="{0F675980-40D4-A270-FFBC-8E96CFC1FD24}"/>
+              </a:ext>
+            </a:extLst>
+          </p:cNvPr>
+          <p:cNvSpPr/>
+          <p:nvPr/>
+        </p:nvSpPr>
+        <p:spPr>
+          <a:xfrm>
+            <a:off x="6069922" y="4332906"/>
+            <a:ext cx="721135" cy="377490"/>
+          </a:xfrm>
+          <a:prstGeom prst="rect">
+            <a:avLst/>
+          </a:prstGeom>
+          <a:solidFill>
+            <a:srgbClr val="FFC000"/>
+          </a:solidFill>
+        </p:spPr>
+        <p:style>
+          <a:lnRef idx="2">
+            <a:schemeClr val="accent1">
+              <a:shade val="15000"/>
+            </a:schemeClr>
+          </a:lnRef>
+          <a:fillRef idx="1">
+            <a:schemeClr val="accent1"/>
+          </a:fillRef>
+          <a:effectRef idx="0">
+            <a:schemeClr val="accent1"/>
+          </a:effectRef>
+          <a:fontRef idx="minor">
+            <a:schemeClr val="lt1"/>
+          </a:fontRef>
+        </p:style>
+        <p:txBody>
+          <a:bodyPr rtlCol="0" anchor="ctr"/>
+          <a:lstStyle/>
+          <a:p>
+            <a:pPr algn="ctr"/>
+            <a:r>
+              <a:rPr kumimoji="1" lang="en-US" altLang="ja-JP" sz="1100" dirty="0">
+                <a:solidFill>
+                  <a:schemeClr val="tx1"/>
+                </a:solidFill>
+              </a:rPr>
+              <a:t>chunk 2</a:t>
+            </a:r>
+            <a:endParaRPr kumimoji="1" lang="ja-JP" altLang="en-US" sz="1100">
+              <a:solidFill>
+                <a:schemeClr val="tx1"/>
+              </a:solidFill>
+            </a:endParaRPr>
+          </a:p>
+        </p:txBody>
+      </p:sp>
+      <p:sp>
+        <p:nvSpPr>
+          <p:cNvPr id="34" name="テキスト ボックス 33">
+            <a:extLst>
+              <a:ext uri="{FF2B5EF4-FFF2-40B4-BE49-F238E27FC236}">
+                <a16:creationId xmlns:a16="http://schemas.microsoft.com/office/drawing/2014/main" id="{3B0F7309-17BC-7EEB-2B11-1B53BBB5DFE1}"/>
+              </a:ext>
+            </a:extLst>
+          </p:cNvPr>
+          <p:cNvSpPr txBox="1"/>
+          <p:nvPr/>
+        </p:nvSpPr>
+        <p:spPr>
+          <a:xfrm>
+            <a:off x="6726294" y="4341066"/>
+            <a:ext cx="923365" cy="369332"/>
+          </a:xfrm>
+          <a:prstGeom prst="rect">
+            <a:avLst/>
+          </a:prstGeom>
+          <a:noFill/>
+        </p:spPr>
+        <p:txBody>
+          <a:bodyPr wrap="square" rtlCol="0">
+            <a:spAutoFit/>
+          </a:bodyPr>
+          <a:lstStyle/>
+          <a:p>
+            <a:r>
+              <a:rPr lang="ja-JP" altLang="en-US"/>
+              <a:t>・・・</a:t>
+            </a:r>
+            <a:endParaRPr kumimoji="1" lang="ja-JP" altLang="en-US"/>
+          </a:p>
+        </p:txBody>
+      </p:sp>
+      <p:sp>
+        <p:nvSpPr>
+          <p:cNvPr id="35" name="正方形/長方形 34">
+            <a:extLst>
+              <a:ext uri="{FF2B5EF4-FFF2-40B4-BE49-F238E27FC236}">
+                <a16:creationId xmlns:a16="http://schemas.microsoft.com/office/drawing/2014/main" id="{935DFF06-E5C2-B1FF-6B89-67D685CF0515}"/>
+              </a:ext>
+            </a:extLst>
+          </p:cNvPr>
+          <p:cNvSpPr/>
+          <p:nvPr/>
+        </p:nvSpPr>
+        <p:spPr>
+          <a:xfrm>
+            <a:off x="7532755" y="4341064"/>
+            <a:ext cx="923365" cy="369332"/>
+          </a:xfrm>
+          <a:prstGeom prst="rect">
+            <a:avLst/>
+          </a:prstGeom>
+          <a:solidFill>
+            <a:srgbClr val="FFC000"/>
+          </a:solidFill>
+        </p:spPr>
+        <p:style>
+          <a:lnRef idx="2">
+            <a:schemeClr val="accent1">
+              <a:shade val="15000"/>
+            </a:schemeClr>
+          </a:lnRef>
+          <a:fillRef idx="1">
+            <a:schemeClr val="accent1"/>
+          </a:fillRef>
+          <a:effectRef idx="0">
+            <a:schemeClr val="accent1"/>
+          </a:effectRef>
+          <a:fontRef idx="minor">
+            <a:schemeClr val="lt1"/>
+          </a:fontRef>
+        </p:style>
+        <p:txBody>
+          <a:bodyPr rtlCol="0" anchor="ctr"/>
+          <a:lstStyle/>
+          <a:p>
+            <a:pPr algn="ctr"/>
+            <a:r>
+              <a:rPr kumimoji="1" lang="en-US" altLang="ja-JP" sz="1100" dirty="0">
+                <a:solidFill>
+                  <a:schemeClr val="tx1"/>
+                </a:solidFill>
+              </a:rPr>
+              <a:t>chunk </a:t>
+            </a:r>
+            <a:r>
+              <a:rPr lang="en-US" altLang="ja-JP" sz="1100" dirty="0">
+                <a:solidFill>
+                  <a:schemeClr val="tx1"/>
+                </a:solidFill>
+              </a:rPr>
+              <a:t>63</a:t>
+            </a:r>
+            <a:endParaRPr kumimoji="1" lang="ja-JP" altLang="en-US" sz="1100">
+              <a:solidFill>
+                <a:schemeClr val="tx1"/>
+              </a:solidFill>
+            </a:endParaRPr>
+          </a:p>
+        </p:txBody>
+      </p:sp>
+      <p:sp>
+        <p:nvSpPr>
+          <p:cNvPr id="36" name="テキスト ボックス 35">
+            <a:extLst>
+              <a:ext uri="{FF2B5EF4-FFF2-40B4-BE49-F238E27FC236}">
+                <a16:creationId xmlns:a16="http://schemas.microsoft.com/office/drawing/2014/main" id="{0A3DA74D-19B4-81F1-8C18-10CB14DDB91A}"/>
+              </a:ext>
+            </a:extLst>
+          </p:cNvPr>
+          <p:cNvSpPr txBox="1"/>
+          <p:nvPr/>
+        </p:nvSpPr>
+        <p:spPr>
+          <a:xfrm>
+            <a:off x="1568906" y="832771"/>
+            <a:ext cx="2122210" cy="369332"/>
+          </a:xfrm>
+          <a:prstGeom prst="rect">
+            <a:avLst/>
+          </a:prstGeom>
+          <a:noFill/>
+        </p:spPr>
+        <p:txBody>
+          <a:bodyPr wrap="square" rtlCol="0">
+            <a:spAutoFit/>
+          </a:bodyPr>
+          <a:lstStyle/>
+          <a:p>
+            <a:r>
+              <a:rPr lang="en-US" altLang="ja-JP" dirty="0"/>
+              <a:t>Memory Layout</a:t>
+            </a:r>
+            <a:endParaRPr kumimoji="1" lang="en-US" altLang="ja-JP" dirty="0"/>
+          </a:p>
+        </p:txBody>
+      </p:sp>
+      <p:sp>
+        <p:nvSpPr>
+          <p:cNvPr id="37" name="正方形/長方形 36">
+            <a:extLst>
+              <a:ext uri="{FF2B5EF4-FFF2-40B4-BE49-F238E27FC236}">
+                <a16:creationId xmlns:a16="http://schemas.microsoft.com/office/drawing/2014/main" id="{C734EDA9-1ABC-1A1B-7747-ADFF02779A74}"/>
+              </a:ext>
+            </a:extLst>
+          </p:cNvPr>
+          <p:cNvSpPr/>
+          <p:nvPr/>
+        </p:nvSpPr>
+        <p:spPr>
+          <a:xfrm>
+            <a:off x="4208724" y="4341068"/>
+            <a:ext cx="806462" cy="353010"/>
+          </a:xfrm>
+          <a:prstGeom prst="rect">
+            <a:avLst/>
+          </a:prstGeom>
+          <a:solidFill>
+            <a:schemeClr val="accent1">
+              <a:lumMod val="60000"/>
+              <a:lumOff val="40000"/>
+            </a:schemeClr>
+          </a:solidFill>
+        </p:spPr>
+        <p:style>
+          <a:lnRef idx="2">
+            <a:schemeClr val="accent1">
+              <a:shade val="15000"/>
+            </a:schemeClr>
+          </a:lnRef>
+          <a:fillRef idx="1">
+            <a:schemeClr val="accent1"/>
+          </a:fillRef>
+          <a:effectRef idx="0">
+            <a:schemeClr val="accent1"/>
+          </a:effectRef>
+          <a:fontRef idx="minor">
+            <a:schemeClr val="lt1"/>
+          </a:fontRef>
+        </p:style>
+        <p:txBody>
+          <a:bodyPr rtlCol="0" anchor="ctr"/>
+          <a:lstStyle/>
+          <a:p>
+            <a:pPr algn="ctr"/>
+            <a:r>
+              <a:rPr kumimoji="1" lang="en-US" altLang="ja-JP" sz="1100" dirty="0">
+                <a:solidFill>
+                  <a:schemeClr val="tx1"/>
+                </a:solidFill>
+              </a:rPr>
+              <a:t>Dataset </a:t>
+            </a:r>
+            <a:br>
+              <a:rPr kumimoji="1" lang="en-US" altLang="ja-JP" sz="1100" dirty="0">
+                <a:solidFill>
+                  <a:schemeClr val="tx1"/>
+                </a:solidFill>
+              </a:rPr>
+            </a:br>
+            <a:r>
+              <a:rPr kumimoji="1" lang="en-US" altLang="ja-JP" sz="1100" dirty="0" err="1">
+                <a:solidFill>
+                  <a:schemeClr val="tx1"/>
+                </a:solidFill>
+              </a:rPr>
+              <a:t>heaer</a:t>
+            </a:r>
+            <a:endParaRPr kumimoji="1" lang="ja-JP" altLang="en-US" sz="1100">
+              <a:solidFill>
+                <a:schemeClr val="tx1"/>
+              </a:solidFill>
+            </a:endParaRPr>
+          </a:p>
+        </p:txBody>
+      </p:sp>
+      <p:sp>
+        <p:nvSpPr>
+          <p:cNvPr id="2" name="正方形/長方形 1">
+            <a:extLst>
+              <a:ext uri="{FF2B5EF4-FFF2-40B4-BE49-F238E27FC236}">
+                <a16:creationId xmlns:a16="http://schemas.microsoft.com/office/drawing/2014/main" id="{65B1CDC1-6C7F-F234-5797-B7B35739E6AE}"/>
+              </a:ext>
+            </a:extLst>
+          </p:cNvPr>
+          <p:cNvSpPr/>
+          <p:nvPr/>
+        </p:nvSpPr>
+        <p:spPr>
+          <a:xfrm rot="16200000">
+            <a:off x="1122548" y="2262296"/>
+            <a:ext cx="2096581" cy="156258"/>
+          </a:xfrm>
+          <a:prstGeom prst="rect">
+            <a:avLst/>
+          </a:prstGeom>
+          <a:solidFill>
+            <a:srgbClr val="FFC000"/>
+          </a:solidFill>
+        </p:spPr>
+        <p:style>
+          <a:lnRef idx="2">
+            <a:schemeClr val="accent1">
+              <a:shade val="15000"/>
+            </a:schemeClr>
+          </a:lnRef>
+          <a:fillRef idx="1">
+            <a:schemeClr val="accent1"/>
+          </a:fillRef>
+          <a:effectRef idx="0">
+            <a:schemeClr val="accent1"/>
+          </a:effectRef>
+          <a:fontRef idx="minor">
+            <a:schemeClr val="lt1"/>
+          </a:fontRef>
+        </p:style>
+        <p:txBody>
+          <a:bodyPr rtlCol="0" anchor="ctr"/>
+          <a:lstStyle/>
+          <a:p>
+            <a:pPr algn="ctr"/>
+            <a:r>
+              <a:rPr lang="en-US" altLang="ja-JP" sz="1100" dirty="0">
+                <a:solidFill>
+                  <a:schemeClr val="tx1"/>
+                </a:solidFill>
+              </a:rPr>
+              <a:t>…</a:t>
+            </a:r>
+            <a:endParaRPr kumimoji="1" lang="ja-JP" altLang="en-US" sz="1100">
+              <a:solidFill>
+                <a:schemeClr val="tx1"/>
+              </a:solidFill>
+            </a:endParaRPr>
+          </a:p>
+        </p:txBody>
+      </p:sp>
+      <p:sp>
+        <p:nvSpPr>
+          <p:cNvPr id="6" name="正方形/長方形 5">
+            <a:extLst>
+              <a:ext uri="{FF2B5EF4-FFF2-40B4-BE49-F238E27FC236}">
+                <a16:creationId xmlns:a16="http://schemas.microsoft.com/office/drawing/2014/main" id="{733AA72F-6FDC-F7DE-0AEE-8CD3226EC8DF}"/>
+              </a:ext>
+            </a:extLst>
+          </p:cNvPr>
+          <p:cNvSpPr/>
+          <p:nvPr/>
+        </p:nvSpPr>
+        <p:spPr>
+          <a:xfrm rot="16200000">
+            <a:off x="3524535" y="2270979"/>
+            <a:ext cx="2096582" cy="152364"/>
+          </a:xfrm>
+          <a:prstGeom prst="rect">
+            <a:avLst/>
+          </a:prstGeom>
+          <a:solidFill>
+            <a:srgbClr val="FFC000"/>
+          </a:solidFill>
+        </p:spPr>
+        <p:style>
+          <a:lnRef idx="2">
+            <a:schemeClr val="accent1">
+              <a:shade val="15000"/>
+            </a:schemeClr>
+          </a:lnRef>
+          <a:fillRef idx="1">
+            <a:schemeClr val="accent1"/>
+          </a:fillRef>
+          <a:effectRef idx="0">
+            <a:schemeClr val="accent1"/>
+          </a:effectRef>
+          <a:fontRef idx="minor">
+            <a:schemeClr val="lt1"/>
+          </a:fontRef>
+        </p:style>
+        <p:txBody>
+          <a:bodyPr rtlCol="0" anchor="ctr"/>
+          <a:lstStyle/>
+          <a:p>
+            <a:pPr algn="ctr"/>
+            <a:r>
+              <a:rPr kumimoji="1" lang="en-US" altLang="ja-JP" sz="1100" dirty="0">
+                <a:solidFill>
+                  <a:schemeClr val="tx1"/>
+                </a:solidFill>
+              </a:rPr>
+              <a:t>…</a:t>
+            </a:r>
+            <a:endParaRPr kumimoji="1" lang="ja-JP" altLang="en-US" sz="1100">
+              <a:solidFill>
+                <a:schemeClr val="tx1"/>
+              </a:solidFill>
+            </a:endParaRPr>
+          </a:p>
+        </p:txBody>
+      </p:sp>
+    </p:spTree>
+    <p:extLst>
+      <p:ext uri="{BB962C8B-B14F-4D97-AF65-F5344CB8AC3E}">
+        <p14:creationId xmlns:p14="http://schemas.microsoft.com/office/powerpoint/2010/main" val="2189718800"/>
       </p:ext>
     </p:extLst>
   </p:cSld>

--- a/figure.pptx
+++ b/figure.pptx
@@ -16343,42 +16343,6 @@
       </p:grpSpPr>
       <p:sp>
         <p:nvSpPr>
-          <p:cNvPr id="4" name="テキスト ボックス 3">
-            <a:extLst>
-              <a:ext uri="{FF2B5EF4-FFF2-40B4-BE49-F238E27FC236}">
-                <a16:creationId xmlns:a16="http://schemas.microsoft.com/office/drawing/2014/main" id="{FBEECE21-5FAE-DFD0-8138-2E6F8F6F669A}"/>
-              </a:ext>
-            </a:extLst>
-          </p:cNvPr>
-          <p:cNvSpPr txBox="1"/>
-          <p:nvPr/>
-        </p:nvSpPr>
-        <p:spPr>
-          <a:xfrm>
-            <a:off x="6633164" y="1145095"/>
-            <a:ext cx="923365" cy="369332"/>
-          </a:xfrm>
-          <a:prstGeom prst="rect">
-            <a:avLst/>
-          </a:prstGeom>
-          <a:noFill/>
-        </p:spPr>
-        <p:txBody>
-          <a:bodyPr wrap="square" rtlCol="0">
-            <a:spAutoFit/>
-          </a:bodyPr>
-          <a:lstStyle/>
-          <a:p>
-            <a:r>
-              <a:rPr lang="ja-JP" altLang="en-US"/>
-              <a:t>・・・</a:t>
-            </a:r>
-            <a:endParaRPr kumimoji="1" lang="ja-JP" altLang="en-US"/>
-          </a:p>
-        </p:txBody>
-      </p:sp>
-      <p:sp>
-        <p:nvSpPr>
           <p:cNvPr id="14" name="正方形/長方形 13">
             <a:extLst>
               <a:ext uri="{FF2B5EF4-FFF2-40B4-BE49-F238E27FC236}">
@@ -17529,75 +17493,6 @@
       </p:grpSpPr>
       <p:sp>
         <p:nvSpPr>
-          <p:cNvPr id="14" name="正方形/長方形 13">
-            <a:extLst>
-              <a:ext uri="{FF2B5EF4-FFF2-40B4-BE49-F238E27FC236}">
-                <a16:creationId xmlns:a16="http://schemas.microsoft.com/office/drawing/2014/main" id="{4CFAADFC-3C9A-E992-BA82-9FF50EB8B2E1}"/>
-              </a:ext>
-            </a:extLst>
-          </p:cNvPr>
-          <p:cNvSpPr/>
-          <p:nvPr/>
-        </p:nvSpPr>
-        <p:spPr>
-          <a:xfrm>
-            <a:off x="4031788" y="1298684"/>
-            <a:ext cx="2411505" cy="156256"/>
-          </a:xfrm>
-          <a:prstGeom prst="rect">
-            <a:avLst/>
-          </a:prstGeom>
-          <a:solidFill>
-            <a:srgbClr val="FFC000"/>
-          </a:solidFill>
-        </p:spPr>
-        <p:style>
-          <a:lnRef idx="2">
-            <a:schemeClr val="accent1">
-              <a:shade val="15000"/>
-            </a:schemeClr>
-          </a:lnRef>
-          <a:fillRef idx="1">
-            <a:schemeClr val="accent1"/>
-          </a:fillRef>
-          <a:effectRef idx="0">
-            <a:schemeClr val="accent1"/>
-          </a:effectRef>
-          <a:fontRef idx="minor">
-            <a:schemeClr val="lt1"/>
-          </a:fontRef>
-        </p:style>
-        <p:txBody>
-          <a:bodyPr rtlCol="0" anchor="ctr"/>
-          <a:lstStyle/>
-          <a:p>
-            <a:pPr algn="ctr"/>
-            <a:r>
-              <a:rPr kumimoji="1" lang="en-US" altLang="ja-JP" sz="1100" dirty="0">
-                <a:solidFill>
-                  <a:schemeClr val="tx1"/>
-                </a:solidFill>
-              </a:rPr>
-              <a:t>chunk </a:t>
-            </a:r>
-            <a:r>
-              <a:rPr lang="en-US" altLang="ja-JP" sz="1100" dirty="0">
-                <a:solidFill>
-                  <a:schemeClr val="tx1"/>
-                </a:solidFill>
-              </a:rPr>
-              <a:t>65</a:t>
-            </a:r>
-            <a:endParaRPr kumimoji="1" lang="ja-JP" altLang="en-US" sz="1100">
-              <a:solidFill>
-                <a:schemeClr val="tx1"/>
-              </a:solidFill>
-            </a:endParaRPr>
-          </a:p>
-        </p:txBody>
-      </p:sp>
-      <p:sp>
-        <p:nvSpPr>
           <p:cNvPr id="19" name="テキスト ボックス 18">
             <a:extLst>
               <a:ext uri="{FF2B5EF4-FFF2-40B4-BE49-F238E27FC236}">
@@ -17645,9 +17540,9 @@
           <p:nvPr/>
         </p:nvSpPr>
         <p:spPr>
-          <a:xfrm>
-            <a:off x="1772684" y="1296219"/>
-            <a:ext cx="2411506" cy="2088420"/>
+          <a:xfrm rot="16200000">
+            <a:off x="1927019" y="1140296"/>
+            <a:ext cx="2096582" cy="2413729"/>
           </a:xfrm>
           <a:prstGeom prst="rect">
             <a:avLst/>
@@ -17674,7 +17569,7 @@
           </a:fontRef>
         </p:style>
         <p:txBody>
-          <a:bodyPr rtlCol="0" anchor="ctr"/>
+          <a:bodyPr vert="horz" rtlCol="0" anchor="ctr"/>
           <a:lstStyle/>
           <a:p>
             <a:pPr algn="ctr"/>
@@ -17699,9 +17594,9 @@
           <p:nvPr/>
         </p:nvSpPr>
         <p:spPr>
-          <a:xfrm>
-            <a:off x="4184190" y="1296219"/>
-            <a:ext cx="2411506" cy="2088420"/>
+          <a:xfrm rot="16200000">
+            <a:off x="4352631" y="1134671"/>
+            <a:ext cx="2096581" cy="2411507"/>
           </a:xfrm>
           <a:prstGeom prst="rect">
             <a:avLst/>
@@ -17753,9 +17648,9 @@
           <p:nvPr/>
         </p:nvSpPr>
         <p:spPr>
-          <a:xfrm>
-            <a:off x="7869088" y="1296219"/>
-            <a:ext cx="2411506" cy="2088420"/>
+          <a:xfrm rot="16200000">
+            <a:off x="8052249" y="1133559"/>
+            <a:ext cx="2096584" cy="2413729"/>
           </a:xfrm>
           <a:prstGeom prst="rect">
             <a:avLst/>
@@ -17938,7 +17833,7 @@
         </p:nvSpPr>
         <p:spPr>
           <a:xfrm rot="16200000">
-            <a:off x="9157374" y="2256863"/>
+            <a:off x="7073908" y="2260931"/>
             <a:ext cx="2088423" cy="150819"/>
           </a:xfrm>
           <a:prstGeom prst="rect">
@@ -18187,8 +18082,8 @@
         </p:nvSpPr>
         <p:spPr>
           <a:xfrm rot="16200000">
-            <a:off x="6904240" y="2271691"/>
-            <a:ext cx="2085954" cy="156258"/>
+            <a:off x="6926983" y="2264824"/>
+            <a:ext cx="2088423" cy="143033"/>
           </a:xfrm>
           <a:prstGeom prst="rect">
             <a:avLst/>
@@ -18520,7 +18415,7 @@
         </p:nvSpPr>
         <p:spPr>
           <a:xfrm>
-            <a:off x="1568906" y="832771"/>
+            <a:off x="1568906" y="697028"/>
             <a:ext cx="2122210" cy="369332"/>
           </a:xfrm>
           <a:prstGeom prst="rect">
@@ -18696,7 +18591,7 @@
         </p:nvSpPr>
         <p:spPr>
           <a:xfrm rot="16200000">
-            <a:off x="3524535" y="2270979"/>
+            <a:off x="3521167" y="2264242"/>
             <a:ext cx="2096582" cy="152364"/>
           </a:xfrm>
           <a:prstGeom prst="rect">
@@ -18740,6 +18635,103 @@
                 <a:schemeClr val="tx1"/>
               </a:solidFill>
             </a:endParaRPr>
+          </a:p>
+        </p:txBody>
+      </p:sp>
+      <p:sp>
+        <p:nvSpPr>
+          <p:cNvPr id="12" name="正方形/長方形 11">
+            <a:extLst>
+              <a:ext uri="{FF2B5EF4-FFF2-40B4-BE49-F238E27FC236}">
+                <a16:creationId xmlns:a16="http://schemas.microsoft.com/office/drawing/2014/main" id="{9C98E628-E93D-7A4E-FBEB-3B4B0A4AA027}"/>
+              </a:ext>
+            </a:extLst>
+          </p:cNvPr>
+          <p:cNvSpPr/>
+          <p:nvPr/>
+        </p:nvSpPr>
+        <p:spPr>
+          <a:xfrm rot="16200000">
+            <a:off x="7224727" y="2269096"/>
+            <a:ext cx="2088423" cy="150819"/>
+          </a:xfrm>
+          <a:prstGeom prst="rect">
+            <a:avLst/>
+          </a:prstGeom>
+          <a:solidFill>
+            <a:srgbClr val="FFC000"/>
+          </a:solidFill>
+        </p:spPr>
+        <p:style>
+          <a:lnRef idx="2">
+            <a:schemeClr val="accent1">
+              <a:shade val="15000"/>
+            </a:schemeClr>
+          </a:lnRef>
+          <a:fillRef idx="1">
+            <a:schemeClr val="accent1"/>
+          </a:fillRef>
+          <a:effectRef idx="0">
+            <a:schemeClr val="accent1"/>
+          </a:effectRef>
+          <a:fontRef idx="minor">
+            <a:schemeClr val="lt1"/>
+          </a:fontRef>
+        </p:style>
+        <p:txBody>
+          <a:bodyPr rtlCol="0" anchor="ctr"/>
+          <a:lstStyle/>
+          <a:p>
+            <a:pPr algn="ctr"/>
+            <a:r>
+              <a:rPr lang="en-US" altLang="ja-JP" sz="1100" dirty="0">
+                <a:solidFill>
+                  <a:schemeClr val="tx1"/>
+                </a:solidFill>
+              </a:rPr>
+              <a:t>…</a:t>
+            </a:r>
+            <a:endParaRPr kumimoji="1" lang="ja-JP" altLang="en-US" sz="1100">
+              <a:solidFill>
+                <a:schemeClr val="tx1"/>
+              </a:solidFill>
+            </a:endParaRPr>
+          </a:p>
+        </p:txBody>
+      </p:sp>
+      <p:sp>
+        <p:nvSpPr>
+          <p:cNvPr id="13" name="テキスト ボックス 12">
+            <a:extLst>
+              <a:ext uri="{FF2B5EF4-FFF2-40B4-BE49-F238E27FC236}">
+                <a16:creationId xmlns:a16="http://schemas.microsoft.com/office/drawing/2014/main" id="{35FA732B-6CED-BF9F-A440-0601DBEDA113}"/>
+              </a:ext>
+            </a:extLst>
+          </p:cNvPr>
+          <p:cNvSpPr txBox="1"/>
+          <p:nvPr/>
+        </p:nvSpPr>
+        <p:spPr>
+          <a:xfrm>
+            <a:off x="6726295" y="1971097"/>
+            <a:ext cx="923365" cy="369332"/>
+          </a:xfrm>
+          <a:prstGeom prst="rect">
+            <a:avLst/>
+          </a:prstGeom>
+          <a:noFill/>
+        </p:spPr>
+        <p:txBody>
+          <a:bodyPr wrap="square" rtlCol="0">
+            <a:spAutoFit/>
+          </a:bodyPr>
+          <a:lstStyle/>
+          <a:p>
+            <a:r>
+              <a:rPr lang="ja-JP" altLang="en-US"/>
+              <a:t>・・・</a:t>
+            </a:r>
+            <a:endParaRPr kumimoji="1" lang="ja-JP" altLang="en-US"/>
           </a:p>
         </p:txBody>
       </p:sp>

--- a/figure.pptx
+++ b/figure.pptx
@@ -24,6 +24,7 @@
     <p:sldId id="264" r:id="rId18"/>
     <p:sldId id="276" r:id="rId19"/>
     <p:sldId id="277" r:id="rId20"/>
+    <p:sldId id="278" r:id="rId21"/>
   </p:sldIdLst>
   <p:sldSz cx="12192000" cy="6858000"/>
   <p:notesSz cx="6858000" cy="9144000"/>
@@ -3414,7 +3415,7 @@
           <a:p>
             <a:fld id="{080C2D10-3873-8F40-A354-AD2F836F0113}" type="datetimeFigureOut">
               <a:rPr kumimoji="1" lang="ja-JP" altLang="en-US" smtClean="0"/>
-              <a:t>2024/2/16</a:t>
+              <a:t>2024/3/16</a:t>
             </a:fld>
             <a:endParaRPr kumimoji="1" lang="ja-JP" altLang="en-US"/>
           </a:p>
@@ -3644,7 +3645,7 @@
           <a:p>
             <a:fld id="{080C2D10-3873-8F40-A354-AD2F836F0113}" type="datetimeFigureOut">
               <a:rPr kumimoji="1" lang="ja-JP" altLang="en-US" smtClean="0"/>
-              <a:t>2024/2/16</a:t>
+              <a:t>2024/3/16</a:t>
             </a:fld>
             <a:endParaRPr kumimoji="1" lang="ja-JP" altLang="en-US"/>
           </a:p>
@@ -3884,7 +3885,7 @@
           <a:p>
             <a:fld id="{080C2D10-3873-8F40-A354-AD2F836F0113}" type="datetimeFigureOut">
               <a:rPr kumimoji="1" lang="ja-JP" altLang="en-US" smtClean="0"/>
-              <a:t>2024/2/16</a:t>
+              <a:t>2024/3/16</a:t>
             </a:fld>
             <a:endParaRPr kumimoji="1" lang="ja-JP" altLang="en-US"/>
           </a:p>
@@ -4114,7 +4115,7 @@
           <a:p>
             <a:fld id="{080C2D10-3873-8F40-A354-AD2F836F0113}" type="datetimeFigureOut">
               <a:rPr kumimoji="1" lang="ja-JP" altLang="en-US" smtClean="0"/>
-              <a:t>2024/2/16</a:t>
+              <a:t>2024/3/16</a:t>
             </a:fld>
             <a:endParaRPr kumimoji="1" lang="ja-JP" altLang="en-US"/>
           </a:p>
@@ -4389,7 +4390,7 @@
           <a:p>
             <a:fld id="{080C2D10-3873-8F40-A354-AD2F836F0113}" type="datetimeFigureOut">
               <a:rPr kumimoji="1" lang="ja-JP" altLang="en-US" smtClean="0"/>
-              <a:t>2024/2/16</a:t>
+              <a:t>2024/3/16</a:t>
             </a:fld>
             <a:endParaRPr kumimoji="1" lang="ja-JP" altLang="en-US"/>
           </a:p>
@@ -4718,7 +4719,7 @@
           <a:p>
             <a:fld id="{080C2D10-3873-8F40-A354-AD2F836F0113}" type="datetimeFigureOut">
               <a:rPr kumimoji="1" lang="ja-JP" altLang="en-US" smtClean="0"/>
-              <a:t>2024/2/16</a:t>
+              <a:t>2024/3/16</a:t>
             </a:fld>
             <a:endParaRPr kumimoji="1" lang="ja-JP" altLang="en-US"/>
           </a:p>
@@ -5194,7 +5195,7 @@
           <a:p>
             <a:fld id="{080C2D10-3873-8F40-A354-AD2F836F0113}" type="datetimeFigureOut">
               <a:rPr kumimoji="1" lang="ja-JP" altLang="en-US" smtClean="0"/>
-              <a:t>2024/2/16</a:t>
+              <a:t>2024/3/16</a:t>
             </a:fld>
             <a:endParaRPr kumimoji="1" lang="ja-JP" altLang="en-US"/>
           </a:p>
@@ -5335,7 +5336,7 @@
           <a:p>
             <a:fld id="{080C2D10-3873-8F40-A354-AD2F836F0113}" type="datetimeFigureOut">
               <a:rPr kumimoji="1" lang="ja-JP" altLang="en-US" smtClean="0"/>
-              <a:t>2024/2/16</a:t>
+              <a:t>2024/3/16</a:t>
             </a:fld>
             <a:endParaRPr kumimoji="1" lang="ja-JP" altLang="en-US"/>
           </a:p>
@@ -5448,7 +5449,7 @@
           <a:p>
             <a:fld id="{080C2D10-3873-8F40-A354-AD2F836F0113}" type="datetimeFigureOut">
               <a:rPr kumimoji="1" lang="ja-JP" altLang="en-US" smtClean="0"/>
-              <a:t>2024/2/16</a:t>
+              <a:t>2024/3/16</a:t>
             </a:fld>
             <a:endParaRPr kumimoji="1" lang="ja-JP" altLang="en-US"/>
           </a:p>
@@ -5791,7 +5792,7 @@
           <a:p>
             <a:fld id="{080C2D10-3873-8F40-A354-AD2F836F0113}" type="datetimeFigureOut">
               <a:rPr kumimoji="1" lang="ja-JP" altLang="en-US" smtClean="0"/>
-              <a:t>2024/2/16</a:t>
+              <a:t>2024/3/16</a:t>
             </a:fld>
             <a:endParaRPr kumimoji="1" lang="ja-JP" altLang="en-US"/>
           </a:p>
@@ -6079,7 +6080,7 @@
           <a:p>
             <a:fld id="{080C2D10-3873-8F40-A354-AD2F836F0113}" type="datetimeFigureOut">
               <a:rPr kumimoji="1" lang="ja-JP" altLang="en-US" smtClean="0"/>
-              <a:t>2024/2/16</a:t>
+              <a:t>2024/3/16</a:t>
             </a:fld>
             <a:endParaRPr kumimoji="1" lang="ja-JP" altLang="en-US"/>
           </a:p>
@@ -6352,7 +6353,7 @@
           <a:p>
             <a:fld id="{080C2D10-3873-8F40-A354-AD2F836F0113}" type="datetimeFigureOut">
               <a:rPr kumimoji="1" lang="ja-JP" altLang="en-US" smtClean="0"/>
-              <a:t>2024/2/16</a:t>
+              <a:t>2024/3/16</a:t>
             </a:fld>
             <a:endParaRPr kumimoji="1" lang="ja-JP" altLang="en-US"/>
           </a:p>
@@ -16695,7 +16696,7 @@
                   <a:schemeClr val="tx1"/>
                 </a:solidFill>
               </a:rPr>
-              <a:t>chunk 1</a:t>
+              <a:t>chunk 0</a:t>
             </a:r>
             <a:endParaRPr kumimoji="1" lang="ja-JP" altLang="en-US" sz="1100">
               <a:solidFill>
@@ -16756,7 +16757,7 @@
                   <a:schemeClr val="tx1"/>
                 </a:solidFill>
               </a:rPr>
-              <a:t>chunk 2</a:t>
+              <a:t>chunk 1</a:t>
             </a:r>
             <a:endParaRPr kumimoji="1" lang="ja-JP" altLang="en-US" sz="1100">
               <a:solidFill>
@@ -16825,7 +16826,7 @@
                   <a:schemeClr val="tx1"/>
                 </a:solidFill>
               </a:rPr>
-              <a:t>64</a:t>
+              <a:t>63</a:t>
             </a:r>
             <a:endParaRPr kumimoji="1" lang="ja-JP" altLang="en-US" sz="1100">
               <a:solidFill>
@@ -16944,7 +16945,7 @@
                   <a:schemeClr val="tx1"/>
                 </a:solidFill>
               </a:rPr>
-              <a:t>65</a:t>
+              <a:t>64</a:t>
             </a:r>
             <a:endParaRPr kumimoji="1" lang="ja-JP" altLang="en-US" sz="1100">
               <a:solidFill>
@@ -17013,7 +17014,7 @@
                   <a:schemeClr val="tx1"/>
                 </a:solidFill>
               </a:rPr>
-              <a:t>66</a:t>
+              <a:t>65</a:t>
             </a:r>
             <a:endParaRPr kumimoji="1" lang="ja-JP" altLang="en-US" sz="1100">
               <a:solidFill>
@@ -17074,7 +17075,7 @@
                   <a:schemeClr val="tx1"/>
                 </a:solidFill>
               </a:rPr>
-              <a:t>chunk 128</a:t>
+              <a:t>chunk 127</a:t>
             </a:r>
             <a:endParaRPr kumimoji="1" lang="ja-JP" altLang="en-US" sz="1100">
               <a:solidFill>
@@ -17136,7 +17137,7 @@
         <p:spPr>
           <a:xfrm>
             <a:off x="5345177" y="4332908"/>
-            <a:ext cx="721135" cy="377490"/>
+            <a:ext cx="173981" cy="377490"/>
           </a:xfrm>
           <a:prstGeom prst="rect">
             <a:avLst/>
@@ -17172,7 +17173,7 @@
                   <a:schemeClr val="tx1"/>
                 </a:solidFill>
               </a:rPr>
-              <a:t>chunk 1</a:t>
+              <a:t>0</a:t>
             </a:r>
             <a:endParaRPr kumimoji="1" lang="ja-JP" altLang="en-US" sz="1100">
               <a:solidFill>
@@ -17196,8 +17197,8 @@
         </p:nvSpPr>
         <p:spPr>
           <a:xfrm>
-            <a:off x="6069922" y="4332906"/>
-            <a:ext cx="721135" cy="377490"/>
+            <a:off x="5508284" y="4332906"/>
+            <a:ext cx="173982" cy="377490"/>
           </a:xfrm>
           <a:prstGeom prst="rect">
             <a:avLst/>
@@ -17233,7 +17234,7 @@
                   <a:schemeClr val="tx1"/>
                 </a:solidFill>
               </a:rPr>
-              <a:t>chunk 2</a:t>
+              <a:t>1</a:t>
             </a:r>
             <a:endParaRPr kumimoji="1" lang="ja-JP" altLang="en-US" sz="1100">
               <a:solidFill>
@@ -17257,7 +17258,7 @@
         </p:nvSpPr>
         <p:spPr>
           <a:xfrm>
-            <a:off x="6726294" y="4341066"/>
+            <a:off x="6048053" y="4347532"/>
             <a:ext cx="923365" cy="369332"/>
           </a:xfrm>
           <a:prstGeom prst="rect">
@@ -17281,10 +17282,46 @@
       </p:sp>
       <p:sp>
         <p:nvSpPr>
-          <p:cNvPr id="35" name="正方形/長方形 34">
-            <a:extLst>
-              <a:ext uri="{FF2B5EF4-FFF2-40B4-BE49-F238E27FC236}">
-                <a16:creationId xmlns:a16="http://schemas.microsoft.com/office/drawing/2014/main" id="{D66A05B0-8F7A-8E44-4CB7-9F172912F051}"/>
+          <p:cNvPr id="36" name="テキスト ボックス 35">
+            <a:extLst>
+              <a:ext uri="{FF2B5EF4-FFF2-40B4-BE49-F238E27FC236}">
+                <a16:creationId xmlns:a16="http://schemas.microsoft.com/office/drawing/2014/main" id="{28329417-7A1B-4EA5-6C9C-606975B54D55}"/>
+              </a:ext>
+            </a:extLst>
+          </p:cNvPr>
+          <p:cNvSpPr txBox="1"/>
+          <p:nvPr/>
+        </p:nvSpPr>
+        <p:spPr>
+          <a:xfrm>
+            <a:off x="1568906" y="832771"/>
+            <a:ext cx="2122210" cy="369332"/>
+          </a:xfrm>
+          <a:prstGeom prst="rect">
+            <a:avLst/>
+          </a:prstGeom>
+          <a:noFill/>
+        </p:spPr>
+        <p:txBody>
+          <a:bodyPr wrap="square" rtlCol="0">
+            <a:spAutoFit/>
+          </a:bodyPr>
+          <a:lstStyle/>
+          <a:p>
+            <a:r>
+              <a:rPr lang="en-US" altLang="ja-JP" dirty="0"/>
+              <a:t>Memory Layout</a:t>
+            </a:r>
+            <a:endParaRPr kumimoji="1" lang="en-US" altLang="ja-JP" dirty="0"/>
+          </a:p>
+        </p:txBody>
+      </p:sp>
+      <p:sp>
+        <p:nvSpPr>
+          <p:cNvPr id="37" name="正方形/長方形 36">
+            <a:extLst>
+              <a:ext uri="{FF2B5EF4-FFF2-40B4-BE49-F238E27FC236}">
+                <a16:creationId xmlns:a16="http://schemas.microsoft.com/office/drawing/2014/main" id="{7C3B1973-E34E-DB96-38C6-350076611CC2}"/>
               </a:ext>
             </a:extLst>
           </p:cNvPr>
@@ -17293,14 +17330,17 @@
         </p:nvSpPr>
         <p:spPr>
           <a:xfrm>
-            <a:off x="7532755" y="4324746"/>
-            <a:ext cx="923366" cy="385650"/>
+            <a:off x="4208724" y="4341068"/>
+            <a:ext cx="806462" cy="353010"/>
           </a:xfrm>
           <a:prstGeom prst="rect">
             <a:avLst/>
           </a:prstGeom>
           <a:solidFill>
-            <a:srgbClr val="FFC000"/>
+            <a:schemeClr val="accent1">
+              <a:lumMod val="60000"/>
+              <a:lumOff val="40000"/>
+            </a:schemeClr>
           </a:solidFill>
         </p:spPr>
         <p:style>
@@ -17330,7 +17370,22 @@
                   <a:schemeClr val="tx1"/>
                 </a:solidFill>
               </a:rPr>
-              <a:t>chunk 128</a:t>
+              <a:t>Dataset </a:t>
+            </a:r>
+            <a:br>
+              <a:rPr kumimoji="1" lang="en-US" altLang="ja-JP" sz="1100" dirty="0">
+                <a:solidFill>
+                  <a:schemeClr val="tx1"/>
+                </a:solidFill>
+              </a:rPr>
+            </a:br>
+            <a:r>
+              <a:rPr kumimoji="1" lang="en-US" altLang="ja-JP" sz="1100" dirty="0" err="1">
+                <a:solidFill>
+                  <a:schemeClr val="tx1"/>
+                </a:solidFill>
+              </a:rPr>
+              <a:t>heaer</a:t>
             </a:r>
             <a:endParaRPr kumimoji="1" lang="ja-JP" altLang="en-US" sz="1100">
               <a:solidFill>
@@ -17342,65 +17397,26 @@
       </p:sp>
       <p:sp>
         <p:nvSpPr>
-          <p:cNvPr id="36" name="テキスト ボックス 35">
-            <a:extLst>
-              <a:ext uri="{FF2B5EF4-FFF2-40B4-BE49-F238E27FC236}">
-                <a16:creationId xmlns:a16="http://schemas.microsoft.com/office/drawing/2014/main" id="{28329417-7A1B-4EA5-6C9C-606975B54D55}"/>
-              </a:ext>
-            </a:extLst>
-          </p:cNvPr>
-          <p:cNvSpPr txBox="1"/>
-          <p:nvPr/>
-        </p:nvSpPr>
-        <p:spPr>
-          <a:xfrm>
-            <a:off x="1568906" y="832771"/>
-            <a:ext cx="2122210" cy="369332"/>
+          <p:cNvPr id="2" name="正方形/長方形 1">
+            <a:extLst>
+              <a:ext uri="{FF2B5EF4-FFF2-40B4-BE49-F238E27FC236}">
+                <a16:creationId xmlns:a16="http://schemas.microsoft.com/office/drawing/2014/main" id="{6BF55C7B-7DB5-0948-132A-6796C12C648B}"/>
+              </a:ext>
+            </a:extLst>
+          </p:cNvPr>
+          <p:cNvSpPr/>
+          <p:nvPr/>
+        </p:nvSpPr>
+        <p:spPr>
+          <a:xfrm>
+            <a:off x="5682265" y="4332061"/>
+            <a:ext cx="173982" cy="377490"/>
           </a:xfrm>
           <a:prstGeom prst="rect">
             <a:avLst/>
           </a:prstGeom>
-          <a:noFill/>
-        </p:spPr>
-        <p:txBody>
-          <a:bodyPr wrap="square" rtlCol="0">
-            <a:spAutoFit/>
-          </a:bodyPr>
-          <a:lstStyle/>
-          <a:p>
-            <a:r>
-              <a:rPr lang="en-US" altLang="ja-JP" dirty="0"/>
-              <a:t>Memory Layout</a:t>
-            </a:r>
-            <a:endParaRPr kumimoji="1" lang="en-US" altLang="ja-JP" dirty="0"/>
-          </a:p>
-        </p:txBody>
-      </p:sp>
-      <p:sp>
-        <p:nvSpPr>
-          <p:cNvPr id="37" name="正方形/長方形 36">
-            <a:extLst>
-              <a:ext uri="{FF2B5EF4-FFF2-40B4-BE49-F238E27FC236}">
-                <a16:creationId xmlns:a16="http://schemas.microsoft.com/office/drawing/2014/main" id="{7C3B1973-E34E-DB96-38C6-350076611CC2}"/>
-              </a:ext>
-            </a:extLst>
-          </p:cNvPr>
-          <p:cNvSpPr/>
-          <p:nvPr/>
-        </p:nvSpPr>
-        <p:spPr>
-          <a:xfrm>
-            <a:off x="4208724" y="4341068"/>
-            <a:ext cx="806462" cy="353010"/>
-          </a:xfrm>
-          <a:prstGeom prst="rect">
-            <a:avLst/>
-          </a:prstGeom>
           <a:solidFill>
-            <a:schemeClr val="accent1">
-              <a:lumMod val="60000"/>
-              <a:lumOff val="40000"/>
-            </a:schemeClr>
+            <a:srgbClr val="FFC000"/>
           </a:solidFill>
         </p:spPr>
         <p:style>
@@ -17430,22 +17446,226 @@
                   <a:schemeClr val="tx1"/>
                 </a:solidFill>
               </a:rPr>
-              <a:t>Dataset </a:t>
-            </a:r>
-            <a:br>
+              <a:t>2</a:t>
+            </a:r>
+            <a:endParaRPr kumimoji="1" lang="ja-JP" altLang="en-US" sz="1100">
+              <a:solidFill>
+                <a:schemeClr val="tx1"/>
+              </a:solidFill>
+            </a:endParaRPr>
+          </a:p>
+        </p:txBody>
+      </p:sp>
+      <p:sp>
+        <p:nvSpPr>
+          <p:cNvPr id="4" name="正方形/長方形 3">
+            <a:extLst>
+              <a:ext uri="{FF2B5EF4-FFF2-40B4-BE49-F238E27FC236}">
+                <a16:creationId xmlns:a16="http://schemas.microsoft.com/office/drawing/2014/main" id="{A41E2423-F8E5-BB1A-CA1F-A005CBC038E6}"/>
+              </a:ext>
+            </a:extLst>
+          </p:cNvPr>
+          <p:cNvSpPr/>
+          <p:nvPr/>
+        </p:nvSpPr>
+        <p:spPr>
+          <a:xfrm>
+            <a:off x="7323277" y="4328827"/>
+            <a:ext cx="173982" cy="377490"/>
+          </a:xfrm>
+          <a:prstGeom prst="rect">
+            <a:avLst/>
+          </a:prstGeom>
+          <a:solidFill>
+            <a:srgbClr val="FFC000"/>
+          </a:solidFill>
+        </p:spPr>
+        <p:style>
+          <a:lnRef idx="2">
+            <a:schemeClr val="accent1">
+              <a:shade val="15000"/>
+            </a:schemeClr>
+          </a:lnRef>
+          <a:fillRef idx="1">
+            <a:schemeClr val="accent1"/>
+          </a:fillRef>
+          <a:effectRef idx="0">
+            <a:schemeClr val="accent1"/>
+          </a:effectRef>
+          <a:fontRef idx="minor">
+            <a:schemeClr val="lt1"/>
+          </a:fontRef>
+        </p:style>
+        <p:txBody>
+          <a:bodyPr rtlCol="0" anchor="ctr"/>
+          <a:lstStyle/>
+          <a:p>
+            <a:pPr algn="ctr"/>
+            <a:r>
               <a:rPr kumimoji="1" lang="en-US" altLang="ja-JP" sz="1100" dirty="0">
                 <a:solidFill>
                   <a:schemeClr val="tx1"/>
                 </a:solidFill>
               </a:rPr>
-            </a:br>
-            <a:r>
-              <a:rPr kumimoji="1" lang="en-US" altLang="ja-JP" sz="1100" dirty="0" err="1">
+              <a:t>64</a:t>
+            </a:r>
+            <a:endParaRPr kumimoji="1" lang="ja-JP" altLang="en-US" sz="1100">
+              <a:solidFill>
+                <a:schemeClr val="tx1"/>
+              </a:solidFill>
+            </a:endParaRPr>
+          </a:p>
+        </p:txBody>
+      </p:sp>
+      <p:sp>
+        <p:nvSpPr>
+          <p:cNvPr id="6" name="テキスト ボックス 5">
+            <a:extLst>
+              <a:ext uri="{FF2B5EF4-FFF2-40B4-BE49-F238E27FC236}">
+                <a16:creationId xmlns:a16="http://schemas.microsoft.com/office/drawing/2014/main" id="{8755C4AE-561A-07E9-DA24-5406C3F88131}"/>
+              </a:ext>
+            </a:extLst>
+          </p:cNvPr>
+          <p:cNvSpPr txBox="1"/>
+          <p:nvPr/>
+        </p:nvSpPr>
+        <p:spPr>
+          <a:xfrm>
+            <a:off x="8078579" y="4341068"/>
+            <a:ext cx="923365" cy="369332"/>
+          </a:xfrm>
+          <a:prstGeom prst="rect">
+            <a:avLst/>
+          </a:prstGeom>
+          <a:noFill/>
+        </p:spPr>
+        <p:txBody>
+          <a:bodyPr wrap="square" rtlCol="0">
+            <a:spAutoFit/>
+          </a:bodyPr>
+          <a:lstStyle/>
+          <a:p>
+            <a:r>
+              <a:rPr lang="ja-JP" altLang="en-US"/>
+              <a:t>・・・</a:t>
+            </a:r>
+            <a:endParaRPr kumimoji="1" lang="ja-JP" altLang="en-US"/>
+          </a:p>
+        </p:txBody>
+      </p:sp>
+      <p:sp>
+        <p:nvSpPr>
+          <p:cNvPr id="12" name="正方形/長方形 11">
+            <a:extLst>
+              <a:ext uri="{FF2B5EF4-FFF2-40B4-BE49-F238E27FC236}">
+                <a16:creationId xmlns:a16="http://schemas.microsoft.com/office/drawing/2014/main" id="{EA536AFD-76CD-7B18-9542-45ABADEEF9A3}"/>
+              </a:ext>
+            </a:extLst>
+          </p:cNvPr>
+          <p:cNvSpPr/>
+          <p:nvPr/>
+        </p:nvSpPr>
+        <p:spPr>
+          <a:xfrm>
+            <a:off x="7497259" y="4328827"/>
+            <a:ext cx="173982" cy="377490"/>
+          </a:xfrm>
+          <a:prstGeom prst="rect">
+            <a:avLst/>
+          </a:prstGeom>
+          <a:solidFill>
+            <a:srgbClr val="FFC000"/>
+          </a:solidFill>
+        </p:spPr>
+        <p:style>
+          <a:lnRef idx="2">
+            <a:schemeClr val="accent1">
+              <a:shade val="15000"/>
+            </a:schemeClr>
+          </a:lnRef>
+          <a:fillRef idx="1">
+            <a:schemeClr val="accent1"/>
+          </a:fillRef>
+          <a:effectRef idx="0">
+            <a:schemeClr val="accent1"/>
+          </a:effectRef>
+          <a:fontRef idx="minor">
+            <a:schemeClr val="lt1"/>
+          </a:fontRef>
+        </p:style>
+        <p:txBody>
+          <a:bodyPr rtlCol="0" anchor="ctr"/>
+          <a:lstStyle/>
+          <a:p>
+            <a:pPr algn="ctr"/>
+            <a:r>
+              <a:rPr kumimoji="1" lang="en-US" altLang="ja-JP" sz="1100" dirty="0">
                 <a:solidFill>
                   <a:schemeClr val="tx1"/>
                 </a:solidFill>
               </a:rPr>
-              <a:t>heaer</a:t>
+              <a:t>65</a:t>
+            </a:r>
+            <a:endParaRPr kumimoji="1" lang="ja-JP" altLang="en-US" sz="1100">
+              <a:solidFill>
+                <a:schemeClr val="tx1"/>
+              </a:solidFill>
+            </a:endParaRPr>
+          </a:p>
+        </p:txBody>
+      </p:sp>
+      <p:sp>
+        <p:nvSpPr>
+          <p:cNvPr id="13" name="正方形/長方形 12">
+            <a:extLst>
+              <a:ext uri="{FF2B5EF4-FFF2-40B4-BE49-F238E27FC236}">
+                <a16:creationId xmlns:a16="http://schemas.microsoft.com/office/drawing/2014/main" id="{58AAF16D-ADDA-91B8-AF25-E0E7CB0EE2FC}"/>
+              </a:ext>
+            </a:extLst>
+          </p:cNvPr>
+          <p:cNvSpPr/>
+          <p:nvPr/>
+        </p:nvSpPr>
+        <p:spPr>
+          <a:xfrm>
+            <a:off x="7671241" y="4326788"/>
+            <a:ext cx="173982" cy="377490"/>
+          </a:xfrm>
+          <a:prstGeom prst="rect">
+            <a:avLst/>
+          </a:prstGeom>
+          <a:solidFill>
+            <a:srgbClr val="FFC000"/>
+          </a:solidFill>
+        </p:spPr>
+        <p:style>
+          <a:lnRef idx="2">
+            <a:schemeClr val="accent1">
+              <a:shade val="15000"/>
+            </a:schemeClr>
+          </a:lnRef>
+          <a:fillRef idx="1">
+            <a:schemeClr val="accent1"/>
+          </a:fillRef>
+          <a:effectRef idx="0">
+            <a:schemeClr val="accent1"/>
+          </a:effectRef>
+          <a:fontRef idx="minor">
+            <a:schemeClr val="lt1"/>
+          </a:fontRef>
+        </p:style>
+        <p:txBody>
+          <a:bodyPr rtlCol="0" anchor="ctr"/>
+          <a:lstStyle/>
+          <a:p>
+            <a:pPr algn="ctr"/>
+            <a:r>
+              <a:rPr kumimoji="1" lang="en-US" altLang="ja-JP" sz="1100" dirty="0">
+                <a:solidFill>
+                  <a:schemeClr val="tx1"/>
+                </a:solidFill>
+              </a:rPr>
+              <a:t>66</a:t>
             </a:r>
             <a:endParaRPr kumimoji="1" lang="ja-JP" altLang="en-US" sz="1100">
               <a:solidFill>
@@ -18225,7 +18445,7 @@
                   <a:schemeClr val="tx1"/>
                 </a:solidFill>
               </a:rPr>
-              <a:t>chunk 1</a:t>
+              <a:t>chunk 0</a:t>
             </a:r>
             <a:endParaRPr kumimoji="1" lang="ja-JP" altLang="en-US" sz="1100">
               <a:solidFill>
@@ -18281,12 +18501,20 @@
           <a:p>
             <a:pPr algn="ctr"/>
             <a:r>
+              <a:rPr lang="en-US" altLang="ja-JP" sz="1100" dirty="0">
+                <a:solidFill>
+                  <a:schemeClr val="tx1"/>
+                </a:solidFill>
+              </a:rPr>
+              <a:t>c</a:t>
+            </a:r>
+            <a:r>
               <a:rPr kumimoji="1" lang="en-US" altLang="ja-JP" sz="1100" dirty="0">
                 <a:solidFill>
                   <a:schemeClr val="tx1"/>
                 </a:solidFill>
               </a:rPr>
-              <a:t>chunk 2</a:t>
+              <a:t>hunk 1</a:t>
             </a:r>
             <a:endParaRPr kumimoji="1" lang="ja-JP" altLang="en-US" sz="1100">
               <a:solidFill>
@@ -18797,6 +19025,1849 @@
     <p:extLst>
       <p:ext uri="{BB962C8B-B14F-4D97-AF65-F5344CB8AC3E}">
         <p14:creationId xmlns:p14="http://schemas.microsoft.com/office/powerpoint/2010/main" val="136900214"/>
+      </p:ext>
+    </p:extLst>
+  </p:cSld>
+  <p:clrMapOvr>
+    <a:masterClrMapping/>
+  </p:clrMapOvr>
+</p:sld>
+</file>
+
+<file path=ppt/slides/slide20.xml><?xml version="1.0" encoding="utf-8"?>
+<p:sld xmlns:a="http://schemas.openxmlformats.org/drawingml/2006/main" xmlns:r="http://schemas.openxmlformats.org/officeDocument/2006/relationships" xmlns:p="http://schemas.openxmlformats.org/presentationml/2006/main">
+  <p:cSld>
+    <p:spTree>
+      <p:nvGrpSpPr>
+        <p:cNvPr id="1" name="">
+          <a:extLst>
+            <a:ext uri="{FF2B5EF4-FFF2-40B4-BE49-F238E27FC236}">
+              <a16:creationId xmlns:a16="http://schemas.microsoft.com/office/drawing/2014/main" id="{EBD951D7-1887-80B6-3495-A0DD589BD063}"/>
+            </a:ext>
+          </a:extLst>
+        </p:cNvPr>
+        <p:cNvGrpSpPr/>
+        <p:nvPr/>
+      </p:nvGrpSpPr>
+      <p:grpSpPr>
+        <a:xfrm>
+          <a:off x="0" y="0"/>
+          <a:ext cx="0" cy="0"/>
+          <a:chOff x="0" y="0"/>
+          <a:chExt cx="0" cy="0"/>
+        </a:xfrm>
+      </p:grpSpPr>
+      <p:sp>
+        <p:nvSpPr>
+          <p:cNvPr id="19" name="テキスト ボックス 18">
+            <a:extLst>
+              <a:ext uri="{FF2B5EF4-FFF2-40B4-BE49-F238E27FC236}">
+                <a16:creationId xmlns:a16="http://schemas.microsoft.com/office/drawing/2014/main" id="{60D1BFA9-D8B9-50DC-1C95-08320813F8A3}"/>
+              </a:ext>
+            </a:extLst>
+          </p:cNvPr>
+          <p:cNvSpPr txBox="1"/>
+          <p:nvPr/>
+        </p:nvSpPr>
+        <p:spPr>
+          <a:xfrm>
+            <a:off x="6489915" y="4196837"/>
+            <a:ext cx="923365" cy="369332"/>
+          </a:xfrm>
+          <a:prstGeom prst="rect">
+            <a:avLst/>
+          </a:prstGeom>
+          <a:noFill/>
+        </p:spPr>
+        <p:txBody>
+          <a:bodyPr wrap="square" rtlCol="0">
+            <a:spAutoFit/>
+          </a:bodyPr>
+          <a:lstStyle/>
+          <a:p>
+            <a:r>
+              <a:rPr lang="ja-JP" altLang="en-US"/>
+              <a:t>・・・</a:t>
+            </a:r>
+            <a:endParaRPr kumimoji="1" lang="ja-JP" altLang="en-US"/>
+          </a:p>
+        </p:txBody>
+      </p:sp>
+      <p:sp>
+        <p:nvSpPr>
+          <p:cNvPr id="27" name="正方形/長方形 26">
+            <a:extLst>
+              <a:ext uri="{FF2B5EF4-FFF2-40B4-BE49-F238E27FC236}">
+                <a16:creationId xmlns:a16="http://schemas.microsoft.com/office/drawing/2014/main" id="{ECAB0B74-A387-6E7E-E0E8-FABE1D15BA8A}"/>
+              </a:ext>
+            </a:extLst>
+          </p:cNvPr>
+          <p:cNvSpPr/>
+          <p:nvPr/>
+        </p:nvSpPr>
+        <p:spPr>
+          <a:xfrm>
+            <a:off x="1688703" y="4341077"/>
+            <a:ext cx="8283737" cy="369332"/>
+          </a:xfrm>
+          <a:prstGeom prst="rect">
+            <a:avLst/>
+          </a:prstGeom>
+          <a:solidFill>
+            <a:schemeClr val="accent1">
+              <a:lumMod val="20000"/>
+              <a:lumOff val="80000"/>
+            </a:schemeClr>
+          </a:solidFill>
+        </p:spPr>
+        <p:style>
+          <a:lnRef idx="2">
+            <a:schemeClr val="accent5"/>
+          </a:lnRef>
+          <a:fillRef idx="1">
+            <a:schemeClr val="lt1"/>
+          </a:fillRef>
+          <a:effectRef idx="0">
+            <a:schemeClr val="accent5"/>
+          </a:effectRef>
+          <a:fontRef idx="minor">
+            <a:schemeClr val="dk1"/>
+          </a:fontRef>
+        </p:style>
+        <p:txBody>
+          <a:bodyPr rtlCol="0" anchor="ctr"/>
+          <a:lstStyle/>
+          <a:p>
+            <a:pPr algn="ctr"/>
+            <a:endParaRPr kumimoji="1" lang="ja-JP" altLang="en-US" sz="2400" dirty="0"/>
+          </a:p>
+        </p:txBody>
+      </p:sp>
+      <p:sp>
+        <p:nvSpPr>
+          <p:cNvPr id="31" name="テキスト ボックス 30">
+            <a:extLst>
+              <a:ext uri="{FF2B5EF4-FFF2-40B4-BE49-F238E27FC236}">
+                <a16:creationId xmlns:a16="http://schemas.microsoft.com/office/drawing/2014/main" id="{C50667E8-4F63-C447-1F6B-C8751C75B06D}"/>
+              </a:ext>
+            </a:extLst>
+          </p:cNvPr>
+          <p:cNvSpPr txBox="1"/>
+          <p:nvPr/>
+        </p:nvSpPr>
+        <p:spPr>
+          <a:xfrm>
+            <a:off x="1484927" y="3926555"/>
+            <a:ext cx="2348485" cy="369332"/>
+          </a:xfrm>
+          <a:prstGeom prst="rect">
+            <a:avLst/>
+          </a:prstGeom>
+          <a:noFill/>
+        </p:spPr>
+        <p:txBody>
+          <a:bodyPr wrap="square" rtlCol="0">
+            <a:spAutoFit/>
+          </a:bodyPr>
+          <a:lstStyle/>
+          <a:p>
+            <a:r>
+              <a:rPr lang="en-US" altLang="ja-JP" dirty="0"/>
+              <a:t>File Layout </a:t>
+            </a:r>
+            <a:r>
+              <a:rPr lang="ja-JP" altLang="en-US"/>
+              <a:t>競合なし</a:t>
+            </a:r>
+            <a:endParaRPr kumimoji="1" lang="en-US" altLang="ja-JP" dirty="0"/>
+          </a:p>
+        </p:txBody>
+      </p:sp>
+      <p:sp>
+        <p:nvSpPr>
+          <p:cNvPr id="32" name="正方形/長方形 31">
+            <a:extLst>
+              <a:ext uri="{FF2B5EF4-FFF2-40B4-BE49-F238E27FC236}">
+                <a16:creationId xmlns:a16="http://schemas.microsoft.com/office/drawing/2014/main" id="{298AF98C-D0C4-6DA7-3BB2-D1590F7319E7}"/>
+              </a:ext>
+            </a:extLst>
+          </p:cNvPr>
+          <p:cNvSpPr/>
+          <p:nvPr/>
+        </p:nvSpPr>
+        <p:spPr>
+          <a:xfrm>
+            <a:off x="5261198" y="4341079"/>
+            <a:ext cx="173981" cy="377490"/>
+          </a:xfrm>
+          <a:prstGeom prst="rect">
+            <a:avLst/>
+          </a:prstGeom>
+          <a:solidFill>
+            <a:srgbClr val="FFC000"/>
+          </a:solidFill>
+        </p:spPr>
+        <p:style>
+          <a:lnRef idx="2">
+            <a:schemeClr val="accent1">
+              <a:shade val="15000"/>
+            </a:schemeClr>
+          </a:lnRef>
+          <a:fillRef idx="1">
+            <a:schemeClr val="accent1"/>
+          </a:fillRef>
+          <a:effectRef idx="0">
+            <a:schemeClr val="accent1"/>
+          </a:effectRef>
+          <a:fontRef idx="minor">
+            <a:schemeClr val="lt1"/>
+          </a:fontRef>
+        </p:style>
+        <p:txBody>
+          <a:bodyPr rtlCol="0" anchor="ctr"/>
+          <a:lstStyle/>
+          <a:p>
+            <a:pPr algn="ctr"/>
+            <a:r>
+              <a:rPr kumimoji="1" lang="en-US" altLang="ja-JP" sz="1100" dirty="0">
+                <a:solidFill>
+                  <a:schemeClr val="tx1"/>
+                </a:solidFill>
+              </a:rPr>
+              <a:t>0</a:t>
+            </a:r>
+            <a:endParaRPr kumimoji="1" lang="ja-JP" altLang="en-US" sz="1100">
+              <a:solidFill>
+                <a:schemeClr val="tx1"/>
+              </a:solidFill>
+            </a:endParaRPr>
+          </a:p>
+        </p:txBody>
+      </p:sp>
+      <p:sp>
+        <p:nvSpPr>
+          <p:cNvPr id="33" name="正方形/長方形 32">
+            <a:extLst>
+              <a:ext uri="{FF2B5EF4-FFF2-40B4-BE49-F238E27FC236}">
+                <a16:creationId xmlns:a16="http://schemas.microsoft.com/office/drawing/2014/main" id="{245598AB-87A3-79C5-A956-EBDBA0E3BB61}"/>
+              </a:ext>
+            </a:extLst>
+          </p:cNvPr>
+          <p:cNvSpPr/>
+          <p:nvPr/>
+        </p:nvSpPr>
+        <p:spPr>
+          <a:xfrm>
+            <a:off x="5424305" y="4341077"/>
+            <a:ext cx="173982" cy="377490"/>
+          </a:xfrm>
+          <a:prstGeom prst="rect">
+            <a:avLst/>
+          </a:prstGeom>
+          <a:solidFill>
+            <a:srgbClr val="FFC000"/>
+          </a:solidFill>
+        </p:spPr>
+        <p:style>
+          <a:lnRef idx="2">
+            <a:schemeClr val="accent1">
+              <a:shade val="15000"/>
+            </a:schemeClr>
+          </a:lnRef>
+          <a:fillRef idx="1">
+            <a:schemeClr val="accent1"/>
+          </a:fillRef>
+          <a:effectRef idx="0">
+            <a:schemeClr val="accent1"/>
+          </a:effectRef>
+          <a:fontRef idx="minor">
+            <a:schemeClr val="lt1"/>
+          </a:fontRef>
+        </p:style>
+        <p:txBody>
+          <a:bodyPr rtlCol="0" anchor="ctr"/>
+          <a:lstStyle/>
+          <a:p>
+            <a:pPr algn="ctr"/>
+            <a:r>
+              <a:rPr kumimoji="1" lang="en-US" altLang="ja-JP" sz="1100" dirty="0">
+                <a:solidFill>
+                  <a:schemeClr val="tx1"/>
+                </a:solidFill>
+              </a:rPr>
+              <a:t>1</a:t>
+            </a:r>
+            <a:endParaRPr kumimoji="1" lang="ja-JP" altLang="en-US" sz="1100">
+              <a:solidFill>
+                <a:schemeClr val="tx1"/>
+              </a:solidFill>
+            </a:endParaRPr>
+          </a:p>
+        </p:txBody>
+      </p:sp>
+      <p:sp>
+        <p:nvSpPr>
+          <p:cNvPr id="34" name="テキスト ボックス 33">
+            <a:extLst>
+              <a:ext uri="{FF2B5EF4-FFF2-40B4-BE49-F238E27FC236}">
+                <a16:creationId xmlns:a16="http://schemas.microsoft.com/office/drawing/2014/main" id="{EB5DC172-6CD3-D4AD-D8D7-1431FD486946}"/>
+              </a:ext>
+            </a:extLst>
+          </p:cNvPr>
+          <p:cNvSpPr txBox="1"/>
+          <p:nvPr/>
+        </p:nvSpPr>
+        <p:spPr>
+          <a:xfrm>
+            <a:off x="5964074" y="4355703"/>
+            <a:ext cx="923365" cy="369332"/>
+          </a:xfrm>
+          <a:prstGeom prst="rect">
+            <a:avLst/>
+          </a:prstGeom>
+          <a:noFill/>
+        </p:spPr>
+        <p:txBody>
+          <a:bodyPr wrap="square" rtlCol="0">
+            <a:spAutoFit/>
+          </a:bodyPr>
+          <a:lstStyle/>
+          <a:p>
+            <a:r>
+              <a:rPr lang="ja-JP" altLang="en-US"/>
+              <a:t>・・・</a:t>
+            </a:r>
+            <a:endParaRPr kumimoji="1" lang="ja-JP" altLang="en-US"/>
+          </a:p>
+        </p:txBody>
+      </p:sp>
+      <p:sp>
+        <p:nvSpPr>
+          <p:cNvPr id="2" name="正方形/長方形 1">
+            <a:extLst>
+              <a:ext uri="{FF2B5EF4-FFF2-40B4-BE49-F238E27FC236}">
+                <a16:creationId xmlns:a16="http://schemas.microsoft.com/office/drawing/2014/main" id="{6BF55C7B-7DB5-0948-132A-6796C12C648B}"/>
+              </a:ext>
+            </a:extLst>
+          </p:cNvPr>
+          <p:cNvSpPr/>
+          <p:nvPr/>
+        </p:nvSpPr>
+        <p:spPr>
+          <a:xfrm>
+            <a:off x="5598286" y="4340232"/>
+            <a:ext cx="173982" cy="377490"/>
+          </a:xfrm>
+          <a:prstGeom prst="rect">
+            <a:avLst/>
+          </a:prstGeom>
+          <a:solidFill>
+            <a:srgbClr val="FFC000"/>
+          </a:solidFill>
+        </p:spPr>
+        <p:style>
+          <a:lnRef idx="2">
+            <a:schemeClr val="accent1">
+              <a:shade val="15000"/>
+            </a:schemeClr>
+          </a:lnRef>
+          <a:fillRef idx="1">
+            <a:schemeClr val="accent1"/>
+          </a:fillRef>
+          <a:effectRef idx="0">
+            <a:schemeClr val="accent1"/>
+          </a:effectRef>
+          <a:fontRef idx="minor">
+            <a:schemeClr val="lt1"/>
+          </a:fontRef>
+        </p:style>
+        <p:txBody>
+          <a:bodyPr rtlCol="0" anchor="ctr"/>
+          <a:lstStyle/>
+          <a:p>
+            <a:pPr algn="ctr"/>
+            <a:r>
+              <a:rPr kumimoji="1" lang="en-US" altLang="ja-JP" sz="1100" dirty="0">
+                <a:solidFill>
+                  <a:schemeClr val="tx1"/>
+                </a:solidFill>
+              </a:rPr>
+              <a:t>2</a:t>
+            </a:r>
+            <a:endParaRPr kumimoji="1" lang="ja-JP" altLang="en-US" sz="1100">
+              <a:solidFill>
+                <a:schemeClr val="tx1"/>
+              </a:solidFill>
+            </a:endParaRPr>
+          </a:p>
+        </p:txBody>
+      </p:sp>
+      <p:sp>
+        <p:nvSpPr>
+          <p:cNvPr id="4" name="正方形/長方形 3">
+            <a:extLst>
+              <a:ext uri="{FF2B5EF4-FFF2-40B4-BE49-F238E27FC236}">
+                <a16:creationId xmlns:a16="http://schemas.microsoft.com/office/drawing/2014/main" id="{A41E2423-F8E5-BB1A-CA1F-A005CBC038E6}"/>
+              </a:ext>
+            </a:extLst>
+          </p:cNvPr>
+          <p:cNvSpPr/>
+          <p:nvPr/>
+        </p:nvSpPr>
+        <p:spPr>
+          <a:xfrm>
+            <a:off x="7239298" y="4336998"/>
+            <a:ext cx="173982" cy="377490"/>
+          </a:xfrm>
+          <a:prstGeom prst="rect">
+            <a:avLst/>
+          </a:prstGeom>
+          <a:solidFill>
+            <a:srgbClr val="FFC000"/>
+          </a:solidFill>
+        </p:spPr>
+        <p:style>
+          <a:lnRef idx="2">
+            <a:schemeClr val="accent1">
+              <a:shade val="15000"/>
+            </a:schemeClr>
+          </a:lnRef>
+          <a:fillRef idx="1">
+            <a:schemeClr val="accent1"/>
+          </a:fillRef>
+          <a:effectRef idx="0">
+            <a:schemeClr val="accent1"/>
+          </a:effectRef>
+          <a:fontRef idx="minor">
+            <a:schemeClr val="lt1"/>
+          </a:fontRef>
+        </p:style>
+        <p:txBody>
+          <a:bodyPr rtlCol="0" anchor="ctr"/>
+          <a:lstStyle/>
+          <a:p>
+            <a:pPr algn="ctr"/>
+            <a:r>
+              <a:rPr kumimoji="1" lang="en-US" altLang="ja-JP" sz="1100" dirty="0">
+                <a:solidFill>
+                  <a:schemeClr val="tx1"/>
+                </a:solidFill>
+              </a:rPr>
+              <a:t>63</a:t>
+            </a:r>
+            <a:endParaRPr kumimoji="1" lang="ja-JP" altLang="en-US" sz="1100">
+              <a:solidFill>
+                <a:schemeClr val="tx1"/>
+              </a:solidFill>
+            </a:endParaRPr>
+          </a:p>
+        </p:txBody>
+      </p:sp>
+      <p:sp>
+        <p:nvSpPr>
+          <p:cNvPr id="6" name="テキスト ボックス 5">
+            <a:extLst>
+              <a:ext uri="{FF2B5EF4-FFF2-40B4-BE49-F238E27FC236}">
+                <a16:creationId xmlns:a16="http://schemas.microsoft.com/office/drawing/2014/main" id="{8755C4AE-561A-07E9-DA24-5406C3F88131}"/>
+              </a:ext>
+            </a:extLst>
+          </p:cNvPr>
+          <p:cNvSpPr txBox="1"/>
+          <p:nvPr/>
+        </p:nvSpPr>
+        <p:spPr>
+          <a:xfrm>
+            <a:off x="7994600" y="4349239"/>
+            <a:ext cx="923365" cy="369332"/>
+          </a:xfrm>
+          <a:prstGeom prst="rect">
+            <a:avLst/>
+          </a:prstGeom>
+          <a:noFill/>
+        </p:spPr>
+        <p:txBody>
+          <a:bodyPr wrap="square" rtlCol="0">
+            <a:spAutoFit/>
+          </a:bodyPr>
+          <a:lstStyle/>
+          <a:p>
+            <a:r>
+              <a:rPr lang="ja-JP" altLang="en-US"/>
+              <a:t>・・・</a:t>
+            </a:r>
+            <a:endParaRPr kumimoji="1" lang="ja-JP" altLang="en-US"/>
+          </a:p>
+        </p:txBody>
+      </p:sp>
+      <p:sp>
+        <p:nvSpPr>
+          <p:cNvPr id="12" name="正方形/長方形 11">
+            <a:extLst>
+              <a:ext uri="{FF2B5EF4-FFF2-40B4-BE49-F238E27FC236}">
+                <a16:creationId xmlns:a16="http://schemas.microsoft.com/office/drawing/2014/main" id="{EA536AFD-76CD-7B18-9542-45ABADEEF9A3}"/>
+              </a:ext>
+            </a:extLst>
+          </p:cNvPr>
+          <p:cNvSpPr/>
+          <p:nvPr/>
+        </p:nvSpPr>
+        <p:spPr>
+          <a:xfrm>
+            <a:off x="7413280" y="4336998"/>
+            <a:ext cx="173982" cy="377490"/>
+          </a:xfrm>
+          <a:prstGeom prst="rect">
+            <a:avLst/>
+          </a:prstGeom>
+          <a:solidFill>
+            <a:srgbClr val="FFC000"/>
+          </a:solidFill>
+        </p:spPr>
+        <p:style>
+          <a:lnRef idx="2">
+            <a:schemeClr val="accent1">
+              <a:shade val="15000"/>
+            </a:schemeClr>
+          </a:lnRef>
+          <a:fillRef idx="1">
+            <a:schemeClr val="accent1"/>
+          </a:fillRef>
+          <a:effectRef idx="0">
+            <a:schemeClr val="accent1"/>
+          </a:effectRef>
+          <a:fontRef idx="minor">
+            <a:schemeClr val="lt1"/>
+          </a:fontRef>
+        </p:style>
+        <p:txBody>
+          <a:bodyPr rtlCol="0" anchor="ctr"/>
+          <a:lstStyle/>
+          <a:p>
+            <a:pPr algn="ctr"/>
+            <a:r>
+              <a:rPr kumimoji="1" lang="en-US" altLang="ja-JP" sz="1100" dirty="0">
+                <a:solidFill>
+                  <a:schemeClr val="tx1"/>
+                </a:solidFill>
+              </a:rPr>
+              <a:t>64</a:t>
+            </a:r>
+            <a:endParaRPr kumimoji="1" lang="ja-JP" altLang="en-US" sz="1100">
+              <a:solidFill>
+                <a:schemeClr val="tx1"/>
+              </a:solidFill>
+            </a:endParaRPr>
+          </a:p>
+        </p:txBody>
+      </p:sp>
+      <p:sp>
+        <p:nvSpPr>
+          <p:cNvPr id="13" name="正方形/長方形 12">
+            <a:extLst>
+              <a:ext uri="{FF2B5EF4-FFF2-40B4-BE49-F238E27FC236}">
+                <a16:creationId xmlns:a16="http://schemas.microsoft.com/office/drawing/2014/main" id="{58AAF16D-ADDA-91B8-AF25-E0E7CB0EE2FC}"/>
+              </a:ext>
+            </a:extLst>
+          </p:cNvPr>
+          <p:cNvSpPr/>
+          <p:nvPr/>
+        </p:nvSpPr>
+        <p:spPr>
+          <a:xfrm>
+            <a:off x="7587262" y="4334959"/>
+            <a:ext cx="173982" cy="377490"/>
+          </a:xfrm>
+          <a:prstGeom prst="rect">
+            <a:avLst/>
+          </a:prstGeom>
+          <a:solidFill>
+            <a:srgbClr val="FFC000"/>
+          </a:solidFill>
+        </p:spPr>
+        <p:style>
+          <a:lnRef idx="2">
+            <a:schemeClr val="accent1">
+              <a:shade val="15000"/>
+            </a:schemeClr>
+          </a:lnRef>
+          <a:fillRef idx="1">
+            <a:schemeClr val="accent1"/>
+          </a:fillRef>
+          <a:effectRef idx="0">
+            <a:schemeClr val="accent1"/>
+          </a:effectRef>
+          <a:fontRef idx="minor">
+            <a:schemeClr val="lt1"/>
+          </a:fontRef>
+        </p:style>
+        <p:txBody>
+          <a:bodyPr rtlCol="0" anchor="ctr"/>
+          <a:lstStyle/>
+          <a:p>
+            <a:pPr algn="ctr"/>
+            <a:r>
+              <a:rPr kumimoji="1" lang="en-US" altLang="ja-JP" sz="1100" dirty="0">
+                <a:solidFill>
+                  <a:schemeClr val="tx1"/>
+                </a:solidFill>
+              </a:rPr>
+              <a:t>6</a:t>
+            </a:r>
+          </a:p>
+          <a:p>
+            <a:pPr algn="ctr"/>
+            <a:r>
+              <a:rPr lang="en-US" altLang="ja-JP" sz="1100" dirty="0">
+                <a:solidFill>
+                  <a:schemeClr val="tx1"/>
+                </a:solidFill>
+              </a:rPr>
+              <a:t>5</a:t>
+            </a:r>
+            <a:endParaRPr kumimoji="1" lang="ja-JP" altLang="en-US" sz="1100">
+              <a:solidFill>
+                <a:schemeClr val="tx1"/>
+              </a:solidFill>
+            </a:endParaRPr>
+          </a:p>
+        </p:txBody>
+      </p:sp>
+      <p:sp>
+        <p:nvSpPr>
+          <p:cNvPr id="10" name="テキスト ボックス 9">
+            <a:extLst>
+              <a:ext uri="{FF2B5EF4-FFF2-40B4-BE49-F238E27FC236}">
+                <a16:creationId xmlns:a16="http://schemas.microsoft.com/office/drawing/2014/main" id="{C90FA198-4BFE-06A9-220A-1FF3F4E47D5B}"/>
+              </a:ext>
+            </a:extLst>
+          </p:cNvPr>
+          <p:cNvSpPr txBox="1"/>
+          <p:nvPr/>
+        </p:nvSpPr>
+        <p:spPr>
+          <a:xfrm>
+            <a:off x="6515590" y="947064"/>
+            <a:ext cx="923365" cy="369332"/>
+          </a:xfrm>
+          <a:prstGeom prst="rect">
+            <a:avLst/>
+          </a:prstGeom>
+          <a:noFill/>
+        </p:spPr>
+        <p:txBody>
+          <a:bodyPr wrap="square" rtlCol="0">
+            <a:spAutoFit/>
+          </a:bodyPr>
+          <a:lstStyle/>
+          <a:p>
+            <a:r>
+              <a:rPr lang="ja-JP" altLang="en-US"/>
+              <a:t>・・・</a:t>
+            </a:r>
+            <a:endParaRPr kumimoji="1" lang="ja-JP" altLang="en-US"/>
+          </a:p>
+        </p:txBody>
+      </p:sp>
+      <p:sp>
+        <p:nvSpPr>
+          <p:cNvPr id="11" name="正方形/長方形 10">
+            <a:extLst>
+              <a:ext uri="{FF2B5EF4-FFF2-40B4-BE49-F238E27FC236}">
+                <a16:creationId xmlns:a16="http://schemas.microsoft.com/office/drawing/2014/main" id="{5435AF49-5AE1-FA19-C244-A47C77198E87}"/>
+              </a:ext>
+            </a:extLst>
+          </p:cNvPr>
+          <p:cNvSpPr/>
+          <p:nvPr/>
+        </p:nvSpPr>
+        <p:spPr>
+          <a:xfrm>
+            <a:off x="1688703" y="1087225"/>
+            <a:ext cx="8283737" cy="369332"/>
+          </a:xfrm>
+          <a:prstGeom prst="rect">
+            <a:avLst/>
+          </a:prstGeom>
+          <a:solidFill>
+            <a:schemeClr val="accent1">
+              <a:lumMod val="20000"/>
+              <a:lumOff val="80000"/>
+            </a:schemeClr>
+          </a:solidFill>
+        </p:spPr>
+        <p:style>
+          <a:lnRef idx="2">
+            <a:schemeClr val="accent5"/>
+          </a:lnRef>
+          <a:fillRef idx="1">
+            <a:schemeClr val="lt1"/>
+          </a:fillRef>
+          <a:effectRef idx="0">
+            <a:schemeClr val="accent5"/>
+          </a:effectRef>
+          <a:fontRef idx="minor">
+            <a:schemeClr val="dk1"/>
+          </a:fontRef>
+        </p:style>
+        <p:txBody>
+          <a:bodyPr rtlCol="0" anchor="ctr"/>
+          <a:lstStyle/>
+          <a:p>
+            <a:pPr algn="ctr"/>
+            <a:endParaRPr kumimoji="1" lang="ja-JP" altLang="en-US" sz="2400" dirty="0"/>
+          </a:p>
+        </p:txBody>
+      </p:sp>
+      <p:sp>
+        <p:nvSpPr>
+          <p:cNvPr id="15" name="テキスト ボックス 14">
+            <a:extLst>
+              <a:ext uri="{FF2B5EF4-FFF2-40B4-BE49-F238E27FC236}">
+                <a16:creationId xmlns:a16="http://schemas.microsoft.com/office/drawing/2014/main" id="{3B3FE50F-8C61-94D2-A620-11E81F8406E7}"/>
+              </a:ext>
+            </a:extLst>
+          </p:cNvPr>
+          <p:cNvSpPr txBox="1"/>
+          <p:nvPr/>
+        </p:nvSpPr>
+        <p:spPr>
+          <a:xfrm>
+            <a:off x="1510602" y="676782"/>
+            <a:ext cx="4765321" cy="369332"/>
+          </a:xfrm>
+          <a:prstGeom prst="rect">
+            <a:avLst/>
+          </a:prstGeom>
+          <a:noFill/>
+        </p:spPr>
+        <p:txBody>
+          <a:bodyPr wrap="square" rtlCol="0">
+            <a:spAutoFit/>
+          </a:bodyPr>
+          <a:lstStyle/>
+          <a:p>
+            <a:r>
+              <a:rPr lang="en-US" altLang="ja-JP" dirty="0"/>
+              <a:t>File Layout </a:t>
+            </a:r>
+            <a:r>
+              <a:rPr lang="ja-JP" altLang="en-US"/>
+              <a:t>競合あり</a:t>
+            </a:r>
+            <a:r>
+              <a:rPr lang="en-US" altLang="ja-JP" dirty="0"/>
+              <a:t> </a:t>
+            </a:r>
+            <a:endParaRPr kumimoji="1" lang="en-US" altLang="ja-JP" dirty="0"/>
+          </a:p>
+        </p:txBody>
+      </p:sp>
+      <p:sp>
+        <p:nvSpPr>
+          <p:cNvPr id="22" name="正方形/長方形 21">
+            <a:extLst>
+              <a:ext uri="{FF2B5EF4-FFF2-40B4-BE49-F238E27FC236}">
+                <a16:creationId xmlns:a16="http://schemas.microsoft.com/office/drawing/2014/main" id="{061962E7-2A58-002D-839D-7BCFE29E9E1E}"/>
+              </a:ext>
+            </a:extLst>
+          </p:cNvPr>
+          <p:cNvSpPr/>
+          <p:nvPr/>
+        </p:nvSpPr>
+        <p:spPr>
+          <a:xfrm>
+            <a:off x="7254111" y="1088915"/>
+            <a:ext cx="1857556" cy="377490"/>
+          </a:xfrm>
+          <a:prstGeom prst="rect">
+            <a:avLst/>
+          </a:prstGeom>
+          <a:solidFill>
+            <a:srgbClr val="FFC000"/>
+          </a:solidFill>
+        </p:spPr>
+        <p:style>
+          <a:lnRef idx="2">
+            <a:schemeClr val="accent1">
+              <a:shade val="15000"/>
+            </a:schemeClr>
+          </a:lnRef>
+          <a:fillRef idx="1">
+            <a:schemeClr val="accent1"/>
+          </a:fillRef>
+          <a:effectRef idx="0">
+            <a:schemeClr val="accent1"/>
+          </a:effectRef>
+          <a:fontRef idx="minor">
+            <a:schemeClr val="lt1"/>
+          </a:fontRef>
+        </p:style>
+        <p:txBody>
+          <a:bodyPr rtlCol="0" anchor="ctr"/>
+          <a:lstStyle/>
+          <a:p>
+            <a:pPr algn="ctr"/>
+            <a:r>
+              <a:rPr kumimoji="1" lang="en-US" altLang="ja-JP" sz="1100" dirty="0">
+                <a:solidFill>
+                  <a:schemeClr val="tx1"/>
+                </a:solidFill>
+              </a:rPr>
+              <a:t>1</a:t>
+            </a:r>
+            <a:endParaRPr kumimoji="1" lang="ja-JP" altLang="en-US" sz="1100">
+              <a:solidFill>
+                <a:schemeClr val="tx1"/>
+              </a:solidFill>
+            </a:endParaRPr>
+          </a:p>
+        </p:txBody>
+      </p:sp>
+      <p:sp>
+        <p:nvSpPr>
+          <p:cNvPr id="38" name="正方形/長方形 37">
+            <a:extLst>
+              <a:ext uri="{FF2B5EF4-FFF2-40B4-BE49-F238E27FC236}">
+                <a16:creationId xmlns:a16="http://schemas.microsoft.com/office/drawing/2014/main" id="{66525D82-4480-DC22-718B-1BAD7D10B028}"/>
+              </a:ext>
+            </a:extLst>
+          </p:cNvPr>
+          <p:cNvSpPr/>
+          <p:nvPr/>
+        </p:nvSpPr>
+        <p:spPr>
+          <a:xfrm>
+            <a:off x="2521214" y="2507735"/>
+            <a:ext cx="755386" cy="377490"/>
+          </a:xfrm>
+          <a:prstGeom prst="rect">
+            <a:avLst/>
+          </a:prstGeom>
+          <a:solidFill>
+            <a:schemeClr val="accent6">
+              <a:lumMod val="60000"/>
+              <a:lumOff val="40000"/>
+            </a:schemeClr>
+          </a:solidFill>
+        </p:spPr>
+        <p:style>
+          <a:lnRef idx="2">
+            <a:schemeClr val="accent1">
+              <a:shade val="15000"/>
+            </a:schemeClr>
+          </a:lnRef>
+          <a:fillRef idx="1">
+            <a:schemeClr val="accent1"/>
+          </a:fillRef>
+          <a:effectRef idx="0">
+            <a:schemeClr val="accent1"/>
+          </a:effectRef>
+          <a:fontRef idx="minor">
+            <a:schemeClr val="lt1"/>
+          </a:fontRef>
+        </p:style>
+        <p:txBody>
+          <a:bodyPr rtlCol="0" anchor="ctr"/>
+          <a:lstStyle/>
+          <a:p>
+            <a:pPr algn="ctr"/>
+            <a:r>
+              <a:rPr lang="en-US" altLang="ja-JP" sz="1100" dirty="0">
+                <a:solidFill>
+                  <a:schemeClr val="tx1"/>
+                </a:solidFill>
+              </a:rPr>
+              <a:t>rank 0</a:t>
+            </a:r>
+            <a:endParaRPr kumimoji="1" lang="ja-JP" altLang="en-US" sz="1100">
+              <a:solidFill>
+                <a:schemeClr val="tx1"/>
+              </a:solidFill>
+            </a:endParaRPr>
+          </a:p>
+        </p:txBody>
+      </p:sp>
+      <p:cxnSp>
+        <p:nvCxnSpPr>
+          <p:cNvPr id="40" name="曲線コネクタ 39">
+            <a:extLst>
+              <a:ext uri="{FF2B5EF4-FFF2-40B4-BE49-F238E27FC236}">
+                <a16:creationId xmlns:a16="http://schemas.microsoft.com/office/drawing/2014/main" id="{CA6980FC-0F74-A6E7-6119-2B4AA9276816}"/>
+              </a:ext>
+            </a:extLst>
+          </p:cNvPr>
+          <p:cNvCxnSpPr>
+            <a:cxnSpLocks/>
+            <a:stCxn id="42" idx="0"/>
+            <a:endCxn id="95" idx="2"/>
+          </p:cNvCxnSpPr>
+          <p:nvPr/>
+        </p:nvCxnSpPr>
+        <p:spPr>
+          <a:xfrm rot="5400000" flipH="1" flipV="1">
+            <a:off x="4951464" y="1628197"/>
+            <a:ext cx="1043865" cy="715212"/>
+          </a:xfrm>
+          <a:prstGeom prst="curvedConnector3">
+            <a:avLst>
+              <a:gd name="adj1" fmla="val 50000"/>
+            </a:avLst>
+          </a:prstGeom>
+          <a:ln w="38100">
+            <a:tailEnd type="triangle"/>
+          </a:ln>
+        </p:spPr>
+        <p:style>
+          <a:lnRef idx="1">
+            <a:schemeClr val="accent1"/>
+          </a:lnRef>
+          <a:fillRef idx="0">
+            <a:schemeClr val="accent1"/>
+          </a:fillRef>
+          <a:effectRef idx="0">
+            <a:schemeClr val="accent1"/>
+          </a:effectRef>
+          <a:fontRef idx="minor">
+            <a:schemeClr val="tx1"/>
+          </a:fontRef>
+        </p:style>
+      </p:cxnSp>
+      <p:sp>
+        <p:nvSpPr>
+          <p:cNvPr id="41" name="正方形/長方形 40">
+            <a:extLst>
+              <a:ext uri="{FF2B5EF4-FFF2-40B4-BE49-F238E27FC236}">
+                <a16:creationId xmlns:a16="http://schemas.microsoft.com/office/drawing/2014/main" id="{ED09C83C-6336-FAA1-CCEF-17FBB1B3C90F}"/>
+              </a:ext>
+            </a:extLst>
+          </p:cNvPr>
+          <p:cNvSpPr/>
+          <p:nvPr/>
+        </p:nvSpPr>
+        <p:spPr>
+          <a:xfrm>
+            <a:off x="3601013" y="2507735"/>
+            <a:ext cx="755386" cy="377490"/>
+          </a:xfrm>
+          <a:prstGeom prst="rect">
+            <a:avLst/>
+          </a:prstGeom>
+          <a:solidFill>
+            <a:schemeClr val="accent6">
+              <a:lumMod val="60000"/>
+              <a:lumOff val="40000"/>
+            </a:schemeClr>
+          </a:solidFill>
+        </p:spPr>
+        <p:style>
+          <a:lnRef idx="2">
+            <a:schemeClr val="accent1">
+              <a:shade val="15000"/>
+            </a:schemeClr>
+          </a:lnRef>
+          <a:fillRef idx="1">
+            <a:schemeClr val="accent1"/>
+          </a:fillRef>
+          <a:effectRef idx="0">
+            <a:schemeClr val="accent1"/>
+          </a:effectRef>
+          <a:fontRef idx="minor">
+            <a:schemeClr val="lt1"/>
+          </a:fontRef>
+        </p:style>
+        <p:txBody>
+          <a:bodyPr rtlCol="0" anchor="ctr"/>
+          <a:lstStyle/>
+          <a:p>
+            <a:pPr algn="ctr"/>
+            <a:r>
+              <a:rPr lang="en-US" altLang="ja-JP" sz="1100" dirty="0">
+                <a:solidFill>
+                  <a:schemeClr val="tx1"/>
+                </a:solidFill>
+              </a:rPr>
+              <a:t>rank 1</a:t>
+            </a:r>
+            <a:endParaRPr kumimoji="1" lang="ja-JP" altLang="en-US" sz="1100">
+              <a:solidFill>
+                <a:schemeClr val="tx1"/>
+              </a:solidFill>
+            </a:endParaRPr>
+          </a:p>
+        </p:txBody>
+      </p:sp>
+      <p:sp>
+        <p:nvSpPr>
+          <p:cNvPr id="42" name="正方形/長方形 41">
+            <a:extLst>
+              <a:ext uri="{FF2B5EF4-FFF2-40B4-BE49-F238E27FC236}">
+                <a16:creationId xmlns:a16="http://schemas.microsoft.com/office/drawing/2014/main" id="{DA6247BE-C740-6458-3F06-088A56C84AD3}"/>
+              </a:ext>
+            </a:extLst>
+          </p:cNvPr>
+          <p:cNvSpPr/>
+          <p:nvPr/>
+        </p:nvSpPr>
+        <p:spPr>
+          <a:xfrm>
+            <a:off x="4738097" y="2507735"/>
+            <a:ext cx="755386" cy="377490"/>
+          </a:xfrm>
+          <a:prstGeom prst="rect">
+            <a:avLst/>
+          </a:prstGeom>
+          <a:solidFill>
+            <a:schemeClr val="accent6">
+              <a:lumMod val="60000"/>
+              <a:lumOff val="40000"/>
+            </a:schemeClr>
+          </a:solidFill>
+        </p:spPr>
+        <p:style>
+          <a:lnRef idx="2">
+            <a:schemeClr val="accent1">
+              <a:shade val="15000"/>
+            </a:schemeClr>
+          </a:lnRef>
+          <a:fillRef idx="1">
+            <a:schemeClr val="accent1"/>
+          </a:fillRef>
+          <a:effectRef idx="0">
+            <a:schemeClr val="accent1"/>
+          </a:effectRef>
+          <a:fontRef idx="minor">
+            <a:schemeClr val="lt1"/>
+          </a:fontRef>
+        </p:style>
+        <p:txBody>
+          <a:bodyPr rtlCol="0" anchor="ctr"/>
+          <a:lstStyle/>
+          <a:p>
+            <a:pPr algn="ctr"/>
+            <a:r>
+              <a:rPr lang="en-US" altLang="ja-JP" sz="1100" dirty="0">
+                <a:solidFill>
+                  <a:schemeClr val="tx1"/>
+                </a:solidFill>
+              </a:rPr>
+              <a:t>rank 2</a:t>
+            </a:r>
+            <a:endParaRPr kumimoji="1" lang="ja-JP" altLang="en-US" sz="1100">
+              <a:solidFill>
+                <a:schemeClr val="tx1"/>
+              </a:solidFill>
+            </a:endParaRPr>
+          </a:p>
+        </p:txBody>
+      </p:sp>
+      <p:sp>
+        <p:nvSpPr>
+          <p:cNvPr id="43" name="正方形/長方形 42">
+            <a:extLst>
+              <a:ext uri="{FF2B5EF4-FFF2-40B4-BE49-F238E27FC236}">
+                <a16:creationId xmlns:a16="http://schemas.microsoft.com/office/drawing/2014/main" id="{966BC20B-1619-0169-AA32-9D031226695E}"/>
+              </a:ext>
+            </a:extLst>
+          </p:cNvPr>
+          <p:cNvSpPr/>
+          <p:nvPr/>
+        </p:nvSpPr>
+        <p:spPr>
+          <a:xfrm>
+            <a:off x="5898231" y="2507735"/>
+            <a:ext cx="755386" cy="377490"/>
+          </a:xfrm>
+          <a:prstGeom prst="rect">
+            <a:avLst/>
+          </a:prstGeom>
+          <a:solidFill>
+            <a:schemeClr val="accent6">
+              <a:lumMod val="60000"/>
+              <a:lumOff val="40000"/>
+            </a:schemeClr>
+          </a:solidFill>
+        </p:spPr>
+        <p:style>
+          <a:lnRef idx="2">
+            <a:schemeClr val="accent1">
+              <a:shade val="15000"/>
+            </a:schemeClr>
+          </a:lnRef>
+          <a:fillRef idx="1">
+            <a:schemeClr val="accent1"/>
+          </a:fillRef>
+          <a:effectRef idx="0">
+            <a:schemeClr val="accent1"/>
+          </a:effectRef>
+          <a:fontRef idx="minor">
+            <a:schemeClr val="lt1"/>
+          </a:fontRef>
+        </p:style>
+        <p:txBody>
+          <a:bodyPr rtlCol="0" anchor="ctr"/>
+          <a:lstStyle/>
+          <a:p>
+            <a:pPr algn="ctr"/>
+            <a:r>
+              <a:rPr kumimoji="1" lang="ja-JP" altLang="en-US" sz="1100">
+                <a:solidFill>
+                  <a:schemeClr val="tx1"/>
+                </a:solidFill>
+              </a:rPr>
+              <a:t>・・・</a:t>
+            </a:r>
+          </a:p>
+        </p:txBody>
+      </p:sp>
+      <p:sp>
+        <p:nvSpPr>
+          <p:cNvPr id="44" name="正方形/長方形 43">
+            <a:extLst>
+              <a:ext uri="{FF2B5EF4-FFF2-40B4-BE49-F238E27FC236}">
+                <a16:creationId xmlns:a16="http://schemas.microsoft.com/office/drawing/2014/main" id="{057D528F-7009-1A70-A568-AC220233FA0E}"/>
+              </a:ext>
+            </a:extLst>
+          </p:cNvPr>
+          <p:cNvSpPr/>
+          <p:nvPr/>
+        </p:nvSpPr>
+        <p:spPr>
+          <a:xfrm>
+            <a:off x="6976885" y="2507735"/>
+            <a:ext cx="755386" cy="377490"/>
+          </a:xfrm>
+          <a:prstGeom prst="rect">
+            <a:avLst/>
+          </a:prstGeom>
+          <a:solidFill>
+            <a:schemeClr val="accent6">
+              <a:lumMod val="60000"/>
+              <a:lumOff val="40000"/>
+            </a:schemeClr>
+          </a:solidFill>
+        </p:spPr>
+        <p:style>
+          <a:lnRef idx="2">
+            <a:schemeClr val="accent1">
+              <a:shade val="15000"/>
+            </a:schemeClr>
+          </a:lnRef>
+          <a:fillRef idx="1">
+            <a:schemeClr val="accent1"/>
+          </a:fillRef>
+          <a:effectRef idx="0">
+            <a:schemeClr val="accent1"/>
+          </a:effectRef>
+          <a:fontRef idx="minor">
+            <a:schemeClr val="lt1"/>
+          </a:fontRef>
+        </p:style>
+        <p:txBody>
+          <a:bodyPr rtlCol="0" anchor="ctr"/>
+          <a:lstStyle/>
+          <a:p>
+            <a:pPr algn="ctr"/>
+            <a:r>
+              <a:rPr lang="en-US" altLang="ja-JP" sz="1100" dirty="0">
+                <a:solidFill>
+                  <a:schemeClr val="tx1"/>
+                </a:solidFill>
+              </a:rPr>
+              <a:t>rank 63</a:t>
+            </a:r>
+            <a:endParaRPr kumimoji="1" lang="ja-JP" altLang="en-US" sz="1100">
+              <a:solidFill>
+                <a:schemeClr val="tx1"/>
+              </a:solidFill>
+            </a:endParaRPr>
+          </a:p>
+        </p:txBody>
+      </p:sp>
+      <p:cxnSp>
+        <p:nvCxnSpPr>
+          <p:cNvPr id="48" name="曲線コネクタ 47">
+            <a:extLst>
+              <a:ext uri="{FF2B5EF4-FFF2-40B4-BE49-F238E27FC236}">
+                <a16:creationId xmlns:a16="http://schemas.microsoft.com/office/drawing/2014/main" id="{8FFAA08F-4EED-860E-A893-46E4879CDDBF}"/>
+              </a:ext>
+            </a:extLst>
+          </p:cNvPr>
+          <p:cNvCxnSpPr>
+            <a:cxnSpLocks/>
+            <a:stCxn id="43" idx="0"/>
+          </p:cNvCxnSpPr>
+          <p:nvPr/>
+        </p:nvCxnSpPr>
+        <p:spPr>
+          <a:xfrm rot="5400000" flipH="1" flipV="1">
+            <a:off x="5851599" y="1876802"/>
+            <a:ext cx="1055259" cy="206609"/>
+          </a:xfrm>
+          <a:prstGeom prst="curvedConnector3">
+            <a:avLst/>
+          </a:prstGeom>
+          <a:ln w="38100">
+            <a:tailEnd type="triangle"/>
+          </a:ln>
+        </p:spPr>
+        <p:style>
+          <a:lnRef idx="1">
+            <a:schemeClr val="accent1"/>
+          </a:lnRef>
+          <a:fillRef idx="0">
+            <a:schemeClr val="accent1"/>
+          </a:fillRef>
+          <a:effectRef idx="0">
+            <a:schemeClr val="accent1"/>
+          </a:effectRef>
+          <a:fontRef idx="minor">
+            <a:schemeClr val="tx1"/>
+          </a:fontRef>
+        </p:style>
+      </p:cxnSp>
+      <p:cxnSp>
+        <p:nvCxnSpPr>
+          <p:cNvPr id="51" name="曲線コネクタ 50">
+            <a:extLst>
+              <a:ext uri="{FF2B5EF4-FFF2-40B4-BE49-F238E27FC236}">
+                <a16:creationId xmlns:a16="http://schemas.microsoft.com/office/drawing/2014/main" id="{A3A8FE1D-0E99-545B-4711-14D75B8B3D5C}"/>
+              </a:ext>
+            </a:extLst>
+          </p:cNvPr>
+          <p:cNvCxnSpPr>
+            <a:cxnSpLocks/>
+            <a:stCxn id="44" idx="0"/>
+          </p:cNvCxnSpPr>
+          <p:nvPr/>
+        </p:nvCxnSpPr>
+        <p:spPr>
+          <a:xfrm rot="16200000" flipV="1">
+            <a:off x="6687843" y="1841000"/>
+            <a:ext cx="1069884" cy="263586"/>
+          </a:xfrm>
+          <a:prstGeom prst="curvedConnector3">
+            <a:avLst>
+              <a:gd name="adj1" fmla="val 50000"/>
+            </a:avLst>
+          </a:prstGeom>
+          <a:ln w="38100">
+            <a:tailEnd type="triangle"/>
+          </a:ln>
+        </p:spPr>
+        <p:style>
+          <a:lnRef idx="1">
+            <a:schemeClr val="accent1"/>
+          </a:lnRef>
+          <a:fillRef idx="0">
+            <a:schemeClr val="accent1"/>
+          </a:fillRef>
+          <a:effectRef idx="0">
+            <a:schemeClr val="accent1"/>
+          </a:effectRef>
+          <a:fontRef idx="minor">
+            <a:schemeClr val="tx1"/>
+          </a:fontRef>
+        </p:style>
+      </p:cxnSp>
+      <p:cxnSp>
+        <p:nvCxnSpPr>
+          <p:cNvPr id="55" name="曲線コネクタ 54">
+            <a:extLst>
+              <a:ext uri="{FF2B5EF4-FFF2-40B4-BE49-F238E27FC236}">
+                <a16:creationId xmlns:a16="http://schemas.microsoft.com/office/drawing/2014/main" id="{DBA73875-1608-96E5-D584-476BD74D0881}"/>
+              </a:ext>
+            </a:extLst>
+          </p:cNvPr>
+          <p:cNvCxnSpPr>
+            <a:cxnSpLocks/>
+            <a:stCxn id="41" idx="0"/>
+            <a:endCxn id="94" idx="2"/>
+          </p:cNvCxnSpPr>
+          <p:nvPr/>
+        </p:nvCxnSpPr>
+        <p:spPr>
+          <a:xfrm rot="5400000" flipH="1" flipV="1">
+            <a:off x="4296353" y="1147068"/>
+            <a:ext cx="1043020" cy="1678315"/>
+          </a:xfrm>
+          <a:prstGeom prst="curvedConnector3">
+            <a:avLst>
+              <a:gd name="adj1" fmla="val 50000"/>
+            </a:avLst>
+          </a:prstGeom>
+          <a:ln w="38100">
+            <a:tailEnd type="triangle"/>
+          </a:ln>
+        </p:spPr>
+        <p:style>
+          <a:lnRef idx="1">
+            <a:schemeClr val="accent1"/>
+          </a:lnRef>
+          <a:fillRef idx="0">
+            <a:schemeClr val="accent1"/>
+          </a:fillRef>
+          <a:effectRef idx="0">
+            <a:schemeClr val="accent1"/>
+          </a:effectRef>
+          <a:fontRef idx="minor">
+            <a:schemeClr val="tx1"/>
+          </a:fontRef>
+        </p:style>
+      </p:cxnSp>
+      <p:cxnSp>
+        <p:nvCxnSpPr>
+          <p:cNvPr id="58" name="曲線コネクタ 57">
+            <a:extLst>
+              <a:ext uri="{FF2B5EF4-FFF2-40B4-BE49-F238E27FC236}">
+                <a16:creationId xmlns:a16="http://schemas.microsoft.com/office/drawing/2014/main" id="{614CBD1B-528B-BCB7-FD34-0F300F2A7E1D}"/>
+              </a:ext>
+            </a:extLst>
+          </p:cNvPr>
+          <p:cNvCxnSpPr>
+            <a:cxnSpLocks/>
+            <a:stCxn id="38" idx="0"/>
+            <a:endCxn id="93" idx="2"/>
+          </p:cNvCxnSpPr>
+          <p:nvPr/>
+        </p:nvCxnSpPr>
+        <p:spPr>
+          <a:xfrm rot="5400000" flipH="1" flipV="1">
+            <a:off x="3674901" y="688723"/>
+            <a:ext cx="1043018" cy="2595007"/>
+          </a:xfrm>
+          <a:prstGeom prst="curvedConnector3">
+            <a:avLst>
+              <a:gd name="adj1" fmla="val 50000"/>
+            </a:avLst>
+          </a:prstGeom>
+          <a:ln w="38100">
+            <a:tailEnd type="triangle"/>
+          </a:ln>
+        </p:spPr>
+        <p:style>
+          <a:lnRef idx="1">
+            <a:schemeClr val="accent1"/>
+          </a:lnRef>
+          <a:fillRef idx="0">
+            <a:schemeClr val="accent1"/>
+          </a:fillRef>
+          <a:effectRef idx="0">
+            <a:schemeClr val="accent1"/>
+          </a:effectRef>
+          <a:fontRef idx="minor">
+            <a:schemeClr val="tx1"/>
+          </a:fontRef>
+        </p:style>
+      </p:cxnSp>
+      <p:cxnSp>
+        <p:nvCxnSpPr>
+          <p:cNvPr id="66" name="曲線コネクタ 65">
+            <a:extLst>
+              <a:ext uri="{FF2B5EF4-FFF2-40B4-BE49-F238E27FC236}">
+                <a16:creationId xmlns:a16="http://schemas.microsoft.com/office/drawing/2014/main" id="{0AAFE43C-9CEC-F2CF-7B24-C9E5BE4E44CA}"/>
+              </a:ext>
+            </a:extLst>
+          </p:cNvPr>
+          <p:cNvCxnSpPr>
+            <a:cxnSpLocks/>
+            <a:stCxn id="38" idx="2"/>
+            <a:endCxn id="32" idx="0"/>
+          </p:cNvCxnSpPr>
+          <p:nvPr/>
+        </p:nvCxnSpPr>
+        <p:spPr>
+          <a:xfrm rot="16200000" flipH="1">
+            <a:off x="3395621" y="2388511"/>
+            <a:ext cx="1455854" cy="2449282"/>
+          </a:xfrm>
+          <a:prstGeom prst="curvedConnector3">
+            <a:avLst>
+              <a:gd name="adj1" fmla="val 50000"/>
+            </a:avLst>
+          </a:prstGeom>
+          <a:ln w="38100">
+            <a:tailEnd type="triangle"/>
+          </a:ln>
+        </p:spPr>
+        <p:style>
+          <a:lnRef idx="1">
+            <a:schemeClr val="accent1"/>
+          </a:lnRef>
+          <a:fillRef idx="0">
+            <a:schemeClr val="accent1"/>
+          </a:fillRef>
+          <a:effectRef idx="0">
+            <a:schemeClr val="accent1"/>
+          </a:effectRef>
+          <a:fontRef idx="minor">
+            <a:schemeClr val="tx1"/>
+          </a:fontRef>
+        </p:style>
+      </p:cxnSp>
+      <p:cxnSp>
+        <p:nvCxnSpPr>
+          <p:cNvPr id="69" name="曲線コネクタ 68">
+            <a:extLst>
+              <a:ext uri="{FF2B5EF4-FFF2-40B4-BE49-F238E27FC236}">
+                <a16:creationId xmlns:a16="http://schemas.microsoft.com/office/drawing/2014/main" id="{5032F64D-E626-5200-36E3-81AB62975963}"/>
+              </a:ext>
+            </a:extLst>
+          </p:cNvPr>
+          <p:cNvCxnSpPr>
+            <a:cxnSpLocks/>
+            <a:stCxn id="41" idx="2"/>
+            <a:endCxn id="33" idx="0"/>
+          </p:cNvCxnSpPr>
+          <p:nvPr/>
+        </p:nvCxnSpPr>
+        <p:spPr>
+          <a:xfrm rot="16200000" flipH="1">
+            <a:off x="4017075" y="2846856"/>
+            <a:ext cx="1455852" cy="1532590"/>
+          </a:xfrm>
+          <a:prstGeom prst="curvedConnector3">
+            <a:avLst>
+              <a:gd name="adj1" fmla="val 50000"/>
+            </a:avLst>
+          </a:prstGeom>
+          <a:ln w="38100">
+            <a:tailEnd type="triangle"/>
+          </a:ln>
+        </p:spPr>
+        <p:style>
+          <a:lnRef idx="1">
+            <a:schemeClr val="accent1"/>
+          </a:lnRef>
+          <a:fillRef idx="0">
+            <a:schemeClr val="accent1"/>
+          </a:fillRef>
+          <a:effectRef idx="0">
+            <a:schemeClr val="accent1"/>
+          </a:effectRef>
+          <a:fontRef idx="minor">
+            <a:schemeClr val="tx1"/>
+          </a:fontRef>
+        </p:style>
+      </p:cxnSp>
+      <p:cxnSp>
+        <p:nvCxnSpPr>
+          <p:cNvPr id="73" name="曲線コネクタ 72">
+            <a:extLst>
+              <a:ext uri="{FF2B5EF4-FFF2-40B4-BE49-F238E27FC236}">
+                <a16:creationId xmlns:a16="http://schemas.microsoft.com/office/drawing/2014/main" id="{C89166C4-23BA-5AD6-F8D6-156D944076B0}"/>
+              </a:ext>
+            </a:extLst>
+          </p:cNvPr>
+          <p:cNvCxnSpPr>
+            <a:cxnSpLocks/>
+            <a:stCxn id="42" idx="2"/>
+            <a:endCxn id="2" idx="0"/>
+          </p:cNvCxnSpPr>
+          <p:nvPr/>
+        </p:nvCxnSpPr>
+        <p:spPr>
+          <a:xfrm rot="16200000" flipH="1">
+            <a:off x="4673030" y="3327984"/>
+            <a:ext cx="1455007" cy="569487"/>
+          </a:xfrm>
+          <a:prstGeom prst="curvedConnector3">
+            <a:avLst>
+              <a:gd name="adj1" fmla="val 50000"/>
+            </a:avLst>
+          </a:prstGeom>
+          <a:ln w="38100">
+            <a:tailEnd type="triangle"/>
+          </a:ln>
+        </p:spPr>
+        <p:style>
+          <a:lnRef idx="1">
+            <a:schemeClr val="accent1"/>
+          </a:lnRef>
+          <a:fillRef idx="0">
+            <a:schemeClr val="accent1"/>
+          </a:fillRef>
+          <a:effectRef idx="0">
+            <a:schemeClr val="accent1"/>
+          </a:effectRef>
+          <a:fontRef idx="minor">
+            <a:schemeClr val="tx1"/>
+          </a:fontRef>
+        </p:style>
+      </p:cxnSp>
+      <p:cxnSp>
+        <p:nvCxnSpPr>
+          <p:cNvPr id="79" name="曲線コネクタ 78">
+            <a:extLst>
+              <a:ext uri="{FF2B5EF4-FFF2-40B4-BE49-F238E27FC236}">
+                <a16:creationId xmlns:a16="http://schemas.microsoft.com/office/drawing/2014/main" id="{F51E091E-4779-6F7C-544D-658716220A6D}"/>
+              </a:ext>
+            </a:extLst>
+          </p:cNvPr>
+          <p:cNvCxnSpPr>
+            <a:cxnSpLocks/>
+            <a:stCxn id="43" idx="2"/>
+            <a:endCxn id="34" idx="0"/>
+          </p:cNvCxnSpPr>
+          <p:nvPr/>
+        </p:nvCxnSpPr>
+        <p:spPr>
+          <a:xfrm rot="16200000" flipH="1">
+            <a:off x="5615601" y="3545547"/>
+            <a:ext cx="1470478" cy="149833"/>
+          </a:xfrm>
+          <a:prstGeom prst="curvedConnector3">
+            <a:avLst>
+              <a:gd name="adj1" fmla="val 50000"/>
+            </a:avLst>
+          </a:prstGeom>
+          <a:ln w="38100">
+            <a:tailEnd type="triangle"/>
+          </a:ln>
+        </p:spPr>
+        <p:style>
+          <a:lnRef idx="1">
+            <a:schemeClr val="accent1"/>
+          </a:lnRef>
+          <a:fillRef idx="0">
+            <a:schemeClr val="accent1"/>
+          </a:fillRef>
+          <a:effectRef idx="0">
+            <a:schemeClr val="accent1"/>
+          </a:effectRef>
+          <a:fontRef idx="minor">
+            <a:schemeClr val="tx1"/>
+          </a:fontRef>
+        </p:style>
+      </p:cxnSp>
+      <p:sp>
+        <p:nvSpPr>
+          <p:cNvPr id="93" name="正方形/長方形 92">
+            <a:extLst>
+              <a:ext uri="{FF2B5EF4-FFF2-40B4-BE49-F238E27FC236}">
+                <a16:creationId xmlns:a16="http://schemas.microsoft.com/office/drawing/2014/main" id="{65E25823-9046-7166-5F73-CAB2228F5FE4}"/>
+              </a:ext>
+            </a:extLst>
+          </p:cNvPr>
+          <p:cNvSpPr/>
+          <p:nvPr/>
+        </p:nvSpPr>
+        <p:spPr>
+          <a:xfrm>
+            <a:off x="5406923" y="1087227"/>
+            <a:ext cx="173981" cy="377490"/>
+          </a:xfrm>
+          <a:prstGeom prst="rect">
+            <a:avLst/>
+          </a:prstGeom>
+          <a:solidFill>
+            <a:srgbClr val="FFC000"/>
+          </a:solidFill>
+        </p:spPr>
+        <p:style>
+          <a:lnRef idx="2">
+            <a:schemeClr val="accent1">
+              <a:shade val="15000"/>
+            </a:schemeClr>
+          </a:lnRef>
+          <a:fillRef idx="1">
+            <a:schemeClr val="accent1"/>
+          </a:fillRef>
+          <a:effectRef idx="0">
+            <a:schemeClr val="accent1"/>
+          </a:effectRef>
+          <a:fontRef idx="minor">
+            <a:schemeClr val="lt1"/>
+          </a:fontRef>
+        </p:style>
+        <p:txBody>
+          <a:bodyPr rtlCol="0" anchor="ctr"/>
+          <a:lstStyle/>
+          <a:p>
+            <a:pPr algn="ctr"/>
+            <a:r>
+              <a:rPr kumimoji="1" lang="en-US" altLang="ja-JP" sz="1100" dirty="0">
+                <a:solidFill>
+                  <a:schemeClr val="tx1"/>
+                </a:solidFill>
+              </a:rPr>
+              <a:t>0</a:t>
+            </a:r>
+            <a:endParaRPr kumimoji="1" lang="ja-JP" altLang="en-US" sz="1100">
+              <a:solidFill>
+                <a:schemeClr val="tx1"/>
+              </a:solidFill>
+            </a:endParaRPr>
+          </a:p>
+        </p:txBody>
+      </p:sp>
+      <p:sp>
+        <p:nvSpPr>
+          <p:cNvPr id="94" name="正方形/長方形 93">
+            <a:extLst>
+              <a:ext uri="{FF2B5EF4-FFF2-40B4-BE49-F238E27FC236}">
+                <a16:creationId xmlns:a16="http://schemas.microsoft.com/office/drawing/2014/main" id="{2D28735E-E15D-8E39-8D8E-FEB8E150944A}"/>
+              </a:ext>
+            </a:extLst>
+          </p:cNvPr>
+          <p:cNvSpPr/>
+          <p:nvPr/>
+        </p:nvSpPr>
+        <p:spPr>
+          <a:xfrm>
+            <a:off x="5570030" y="1087225"/>
+            <a:ext cx="173982" cy="377490"/>
+          </a:xfrm>
+          <a:prstGeom prst="rect">
+            <a:avLst/>
+          </a:prstGeom>
+          <a:solidFill>
+            <a:srgbClr val="FFC000"/>
+          </a:solidFill>
+        </p:spPr>
+        <p:style>
+          <a:lnRef idx="2">
+            <a:schemeClr val="accent1">
+              <a:shade val="15000"/>
+            </a:schemeClr>
+          </a:lnRef>
+          <a:fillRef idx="1">
+            <a:schemeClr val="accent1"/>
+          </a:fillRef>
+          <a:effectRef idx="0">
+            <a:schemeClr val="accent1"/>
+          </a:effectRef>
+          <a:fontRef idx="minor">
+            <a:schemeClr val="lt1"/>
+          </a:fontRef>
+        </p:style>
+        <p:txBody>
+          <a:bodyPr rtlCol="0" anchor="ctr"/>
+          <a:lstStyle/>
+          <a:p>
+            <a:pPr algn="ctr"/>
+            <a:r>
+              <a:rPr kumimoji="1" lang="en-US" altLang="ja-JP" sz="1100" dirty="0">
+                <a:solidFill>
+                  <a:schemeClr val="tx1"/>
+                </a:solidFill>
+              </a:rPr>
+              <a:t>1</a:t>
+            </a:r>
+            <a:endParaRPr kumimoji="1" lang="ja-JP" altLang="en-US" sz="1100">
+              <a:solidFill>
+                <a:schemeClr val="tx1"/>
+              </a:solidFill>
+            </a:endParaRPr>
+          </a:p>
+        </p:txBody>
+      </p:sp>
+      <p:sp>
+        <p:nvSpPr>
+          <p:cNvPr id="95" name="正方形/長方形 94">
+            <a:extLst>
+              <a:ext uri="{FF2B5EF4-FFF2-40B4-BE49-F238E27FC236}">
+                <a16:creationId xmlns:a16="http://schemas.microsoft.com/office/drawing/2014/main" id="{41FD5518-DC28-47B3-9177-7BEA7E9683E9}"/>
+              </a:ext>
+            </a:extLst>
+          </p:cNvPr>
+          <p:cNvSpPr/>
+          <p:nvPr/>
+        </p:nvSpPr>
+        <p:spPr>
+          <a:xfrm>
+            <a:off x="5744011" y="1086380"/>
+            <a:ext cx="173982" cy="377490"/>
+          </a:xfrm>
+          <a:prstGeom prst="rect">
+            <a:avLst/>
+          </a:prstGeom>
+          <a:solidFill>
+            <a:srgbClr val="FFC000"/>
+          </a:solidFill>
+        </p:spPr>
+        <p:style>
+          <a:lnRef idx="2">
+            <a:schemeClr val="accent1">
+              <a:shade val="15000"/>
+            </a:schemeClr>
+          </a:lnRef>
+          <a:fillRef idx="1">
+            <a:schemeClr val="accent1"/>
+          </a:fillRef>
+          <a:effectRef idx="0">
+            <a:schemeClr val="accent1"/>
+          </a:effectRef>
+          <a:fontRef idx="minor">
+            <a:schemeClr val="lt1"/>
+          </a:fontRef>
+        </p:style>
+        <p:txBody>
+          <a:bodyPr rtlCol="0" anchor="ctr"/>
+          <a:lstStyle/>
+          <a:p>
+            <a:pPr algn="ctr"/>
+            <a:r>
+              <a:rPr kumimoji="1" lang="en-US" altLang="ja-JP" sz="1100" dirty="0">
+                <a:solidFill>
+                  <a:schemeClr val="tx1"/>
+                </a:solidFill>
+              </a:rPr>
+              <a:t>2</a:t>
+            </a:r>
+            <a:endParaRPr kumimoji="1" lang="ja-JP" altLang="en-US" sz="1100">
+              <a:solidFill>
+                <a:schemeClr val="tx1"/>
+              </a:solidFill>
+            </a:endParaRPr>
+          </a:p>
+        </p:txBody>
+      </p:sp>
+      <p:cxnSp>
+        <p:nvCxnSpPr>
+          <p:cNvPr id="101" name="曲線コネクタ 100">
+            <a:extLst>
+              <a:ext uri="{FF2B5EF4-FFF2-40B4-BE49-F238E27FC236}">
+                <a16:creationId xmlns:a16="http://schemas.microsoft.com/office/drawing/2014/main" id="{258DBD5B-DC11-DA55-00E5-1C397228D97B}"/>
+              </a:ext>
+            </a:extLst>
+          </p:cNvPr>
+          <p:cNvCxnSpPr>
+            <a:cxnSpLocks/>
+            <a:stCxn id="44" idx="2"/>
+            <a:endCxn id="4" idx="0"/>
+          </p:cNvCxnSpPr>
+          <p:nvPr/>
+        </p:nvCxnSpPr>
+        <p:spPr>
+          <a:xfrm rot="5400000">
+            <a:off x="6614548" y="3596967"/>
+            <a:ext cx="1451773" cy="28289"/>
+          </a:xfrm>
+          <a:prstGeom prst="curvedConnector3">
+            <a:avLst>
+              <a:gd name="adj1" fmla="val 50000"/>
+            </a:avLst>
+          </a:prstGeom>
+          <a:ln w="38100">
+            <a:tailEnd type="triangle"/>
+          </a:ln>
+        </p:spPr>
+        <p:style>
+          <a:lnRef idx="1">
+            <a:schemeClr val="accent1"/>
+          </a:lnRef>
+          <a:fillRef idx="0">
+            <a:schemeClr val="accent1"/>
+          </a:fillRef>
+          <a:effectRef idx="0">
+            <a:schemeClr val="accent1"/>
+          </a:effectRef>
+          <a:fontRef idx="minor">
+            <a:schemeClr val="tx1"/>
+          </a:fontRef>
+        </p:style>
+      </p:cxnSp>
+      <p:sp>
+        <p:nvSpPr>
+          <p:cNvPr id="16" name="正方形/長方形 15">
+            <a:extLst>
+              <a:ext uri="{FF2B5EF4-FFF2-40B4-BE49-F238E27FC236}">
+                <a16:creationId xmlns:a16="http://schemas.microsoft.com/office/drawing/2014/main" id="{BA7C734A-8CF3-2B68-B8E1-9893D96A12C0}"/>
+              </a:ext>
+            </a:extLst>
+          </p:cNvPr>
+          <p:cNvSpPr/>
+          <p:nvPr/>
+        </p:nvSpPr>
+        <p:spPr>
+          <a:xfrm>
+            <a:off x="5395843" y="1081602"/>
+            <a:ext cx="1858480" cy="377490"/>
+          </a:xfrm>
+          <a:prstGeom prst="rect">
+            <a:avLst/>
+          </a:prstGeom>
+          <a:solidFill>
+            <a:srgbClr val="FFC000"/>
+          </a:solidFill>
+        </p:spPr>
+        <p:style>
+          <a:lnRef idx="2">
+            <a:schemeClr val="accent1">
+              <a:shade val="15000"/>
+            </a:schemeClr>
+          </a:lnRef>
+          <a:fillRef idx="1">
+            <a:schemeClr val="accent1"/>
+          </a:fillRef>
+          <a:effectRef idx="0">
+            <a:schemeClr val="accent1"/>
+          </a:effectRef>
+          <a:fontRef idx="minor">
+            <a:schemeClr val="lt1"/>
+          </a:fontRef>
+        </p:style>
+        <p:txBody>
+          <a:bodyPr rtlCol="0" anchor="ctr"/>
+          <a:lstStyle/>
+          <a:p>
+            <a:pPr algn="ctr"/>
+            <a:r>
+              <a:rPr kumimoji="1" lang="en-US" altLang="ja-JP" sz="1100" dirty="0">
+                <a:solidFill>
+                  <a:schemeClr val="tx1"/>
+                </a:solidFill>
+              </a:rPr>
+              <a:t>0</a:t>
+            </a:r>
+            <a:endParaRPr kumimoji="1" lang="ja-JP" altLang="en-US" sz="1100">
+              <a:solidFill>
+                <a:schemeClr val="tx1"/>
+              </a:solidFill>
+            </a:endParaRPr>
+          </a:p>
+        </p:txBody>
+      </p:sp>
+      <p:sp>
+        <p:nvSpPr>
+          <p:cNvPr id="110" name="テキスト ボックス 109">
+            <a:extLst>
+              <a:ext uri="{FF2B5EF4-FFF2-40B4-BE49-F238E27FC236}">
+                <a16:creationId xmlns:a16="http://schemas.microsoft.com/office/drawing/2014/main" id="{619EC599-DC69-7D33-CC7A-6CDDAC14FBE0}"/>
+              </a:ext>
+            </a:extLst>
+          </p:cNvPr>
+          <p:cNvSpPr txBox="1"/>
+          <p:nvPr/>
+        </p:nvSpPr>
+        <p:spPr>
+          <a:xfrm>
+            <a:off x="9010541" y="1099466"/>
+            <a:ext cx="923365" cy="369332"/>
+          </a:xfrm>
+          <a:prstGeom prst="rect">
+            <a:avLst/>
+          </a:prstGeom>
+          <a:noFill/>
+        </p:spPr>
+        <p:txBody>
+          <a:bodyPr wrap="square" rtlCol="0">
+            <a:spAutoFit/>
+          </a:bodyPr>
+          <a:lstStyle/>
+          <a:p>
+            <a:r>
+              <a:rPr lang="ja-JP" altLang="en-US"/>
+              <a:t>・・・</a:t>
+            </a:r>
+            <a:endParaRPr kumimoji="1" lang="ja-JP" altLang="en-US"/>
+          </a:p>
+        </p:txBody>
+      </p:sp>
+    </p:spTree>
+    <p:extLst>
+      <p:ext uri="{BB962C8B-B14F-4D97-AF65-F5344CB8AC3E}">
+        <p14:creationId xmlns:p14="http://schemas.microsoft.com/office/powerpoint/2010/main" val="1307155458"/>
       </p:ext>
     </p:extLst>
   </p:cSld>
